--- a/4 лекция/Баш продвинутый.pptx
+++ b/4 лекция/Баш продвинутый.pptx
@@ -5,10 +5,22 @@
     <p:sldMasterId id="2147483648" r:id="rId1"/>
   </p:sldMasterIdLst>
   <p:notesMasterIdLst>
-    <p:notesMasterId r:id="rId5"/>
+    <p:notesMasterId r:id="rId17"/>
   </p:notesMasterIdLst>
   <p:sldIdLst>
     <p:sldId id="256" r:id="rId4"/>
+    <p:sldId id="257" r:id="rId5"/>
+    <p:sldId id="258" r:id="rId6"/>
+    <p:sldId id="259" r:id="rId7"/>
+    <p:sldId id="260" r:id="rId8"/>
+    <p:sldId id="261" r:id="rId9"/>
+    <p:sldId id="262" r:id="rId10"/>
+    <p:sldId id="263" r:id="rId11"/>
+    <p:sldId id="264" r:id="rId12"/>
+    <p:sldId id="265" r:id="rId13"/>
+    <p:sldId id="266" r:id="rId14"/>
+    <p:sldId id="267" r:id="rId15"/>
+    <p:sldId id="268" r:id="rId16"/>
   </p:sldIdLst>
   <p:sldSz cx="12192000" cy="6858000"/>
   <p:notesSz cx="6858000" cy="9144000"/>
@@ -566,6 +578,990 @@
               <a:t>1</a:t>
             </a:fld>
             <a:endParaRPr lang="en-US"/>
+          </a:p>
+        </p:txBody>
+      </p:sp>
+    </p:spTree>
+  </p:cSld>
+</p:notes>
+</file>
+
+<file path=ppt/notesSlides/notesSlide10.xml><?xml version="1.0" encoding="utf-8"?>
+<p:notes xmlns:a="http://schemas.openxmlformats.org/drawingml/2006/main" xmlns:r="http://schemas.openxmlformats.org/officeDocument/2006/relationships" xmlns:p="http://schemas.openxmlformats.org/presentationml/2006/main" xmlns:m="http://schemas.openxmlformats.org/officeDocument/2006/math" xmlns:w="http://schemas.openxmlformats.org/wordprocessingml/2006/main">
+  <p:cSld name="">
+    <p:spTree>
+      <p:nvGrpSpPr>
+        <p:cNvPr id="1" name=""/>
+        <p:cNvGrpSpPr/>
+        <p:nvPr/>
+      </p:nvGrpSpPr>
+      <p:grpSpPr bwMode="auto">
+        <a:xfrm>
+          <a:off x="0" y="0"/>
+          <a:ext cx="0" cy="0"/>
+          <a:chOff x="0" y="0"/>
+          <a:chExt cx="0" cy="0"/>
+        </a:xfrm>
+      </p:grpSpPr>
+      <p:sp>
+        <p:nvSpPr>
+          <p:cNvPr id="179188422" name="Slide Image Placeholder 1"/>
+          <p:cNvSpPr>
+            <a:spLocks noChangeAspect="1" noGrp="1" noRot="1"/>
+          </p:cNvSpPr>
+          <p:nvPr>
+            <p:ph type="sldImg"/>
+          </p:nvPr>
+        </p:nvSpPr>
+        <p:spPr bwMode="auto"/>
+      </p:sp>
+      <p:sp>
+        <p:nvSpPr>
+          <p:cNvPr id="517776779" name="Notes Placeholder 2"/>
+          <p:cNvSpPr>
+            <a:spLocks noGrp="1"/>
+          </p:cNvSpPr>
+          <p:nvPr>
+            <p:ph type="body" idx="1"/>
+          </p:nvPr>
+        </p:nvSpPr>
+        <p:spPr bwMode="auto"/>
+        <p:txBody>
+          <a:bodyPr/>
+          <a:lstStyle/>
+          <a:p>
+            <a:pPr>
+              <a:defRPr/>
+            </a:pPr>
+            <a:endParaRPr/>
+          </a:p>
+        </p:txBody>
+      </p:sp>
+      <p:sp>
+        <p:nvSpPr>
+          <p:cNvPr id="471411200" name="Slide Number Placeholder 3"/>
+          <p:cNvSpPr>
+            <a:spLocks noGrp="1"/>
+          </p:cNvSpPr>
+          <p:nvPr>
+            <p:ph type="sldNum" sz="quarter" idx="10"/>
+          </p:nvPr>
+        </p:nvSpPr>
+        <p:spPr bwMode="auto"/>
+        <p:txBody>
+          <a:bodyPr/>
+          <a:lstStyle/>
+          <a:p>
+            <a:pPr>
+              <a:defRPr/>
+            </a:pPr>
+            <a:fld id="{B7FFDC3B-6F1E-6DD6-04D1-B21877970CAA}" type="slidenum">
+              <a:rPr/>
+              <a:t/>
+            </a:fld>
+            <a:endParaRPr/>
+          </a:p>
+        </p:txBody>
+      </p:sp>
+    </p:spTree>
+  </p:cSld>
+</p:notes>
+</file>
+
+<file path=ppt/notesSlides/notesSlide11.xml><?xml version="1.0" encoding="utf-8"?>
+<p:notes xmlns:a="http://schemas.openxmlformats.org/drawingml/2006/main" xmlns:r="http://schemas.openxmlformats.org/officeDocument/2006/relationships" xmlns:p="http://schemas.openxmlformats.org/presentationml/2006/main" xmlns:m="http://schemas.openxmlformats.org/officeDocument/2006/math" xmlns:w="http://schemas.openxmlformats.org/wordprocessingml/2006/main">
+  <p:cSld name="">
+    <p:spTree>
+      <p:nvGrpSpPr>
+        <p:cNvPr id="1" name=""/>
+        <p:cNvGrpSpPr/>
+        <p:nvPr/>
+      </p:nvGrpSpPr>
+      <p:grpSpPr bwMode="auto">
+        <a:xfrm>
+          <a:off x="0" y="0"/>
+          <a:ext cx="0" cy="0"/>
+          <a:chOff x="0" y="0"/>
+          <a:chExt cx="0" cy="0"/>
+        </a:xfrm>
+      </p:grpSpPr>
+      <p:sp>
+        <p:nvSpPr>
+          <p:cNvPr id="216493897" name="Slide Image Placeholder 1"/>
+          <p:cNvSpPr>
+            <a:spLocks noChangeAspect="1" noGrp="1" noRot="1"/>
+          </p:cNvSpPr>
+          <p:nvPr>
+            <p:ph type="sldImg"/>
+          </p:nvPr>
+        </p:nvSpPr>
+        <p:spPr bwMode="auto"/>
+      </p:sp>
+      <p:sp>
+        <p:nvSpPr>
+          <p:cNvPr id="1176935028" name="Notes Placeholder 2"/>
+          <p:cNvSpPr>
+            <a:spLocks noGrp="1"/>
+          </p:cNvSpPr>
+          <p:nvPr>
+            <p:ph type="body" idx="1"/>
+          </p:nvPr>
+        </p:nvSpPr>
+        <p:spPr bwMode="auto"/>
+        <p:txBody>
+          <a:bodyPr/>
+          <a:lstStyle/>
+          <a:p>
+            <a:pPr>
+              <a:defRPr/>
+            </a:pPr>
+            <a:endParaRPr/>
+          </a:p>
+        </p:txBody>
+      </p:sp>
+      <p:sp>
+        <p:nvSpPr>
+          <p:cNvPr id="1424359665" name="Slide Number Placeholder 3"/>
+          <p:cNvSpPr>
+            <a:spLocks noGrp="1"/>
+          </p:cNvSpPr>
+          <p:nvPr>
+            <p:ph type="sldNum" sz="quarter" idx="10"/>
+          </p:nvPr>
+        </p:nvSpPr>
+        <p:spPr bwMode="auto"/>
+        <p:txBody>
+          <a:bodyPr/>
+          <a:lstStyle/>
+          <a:p>
+            <a:pPr>
+              <a:defRPr/>
+            </a:pPr>
+            <a:fld id="{434A8733-E905-4F64-19CB-BF723B52F204}" type="slidenum">
+              <a:rPr/>
+              <a:t/>
+            </a:fld>
+            <a:endParaRPr/>
+          </a:p>
+        </p:txBody>
+      </p:sp>
+    </p:spTree>
+  </p:cSld>
+</p:notes>
+</file>
+
+<file path=ppt/notesSlides/notesSlide12.xml><?xml version="1.0" encoding="utf-8"?>
+<p:notes xmlns:a="http://schemas.openxmlformats.org/drawingml/2006/main" xmlns:r="http://schemas.openxmlformats.org/officeDocument/2006/relationships" xmlns:p="http://schemas.openxmlformats.org/presentationml/2006/main" xmlns:m="http://schemas.openxmlformats.org/officeDocument/2006/math" xmlns:w="http://schemas.openxmlformats.org/wordprocessingml/2006/main">
+  <p:cSld name="">
+    <p:spTree>
+      <p:nvGrpSpPr>
+        <p:cNvPr id="1" name=""/>
+        <p:cNvGrpSpPr/>
+        <p:nvPr/>
+      </p:nvGrpSpPr>
+      <p:grpSpPr bwMode="auto">
+        <a:xfrm>
+          <a:off x="0" y="0"/>
+          <a:ext cx="0" cy="0"/>
+          <a:chOff x="0" y="0"/>
+          <a:chExt cx="0" cy="0"/>
+        </a:xfrm>
+      </p:grpSpPr>
+      <p:sp>
+        <p:nvSpPr>
+          <p:cNvPr id="512375388" name="Slide Image Placeholder 1"/>
+          <p:cNvSpPr>
+            <a:spLocks noChangeAspect="1" noGrp="1" noRot="1"/>
+          </p:cNvSpPr>
+          <p:nvPr>
+            <p:ph type="sldImg"/>
+          </p:nvPr>
+        </p:nvSpPr>
+        <p:spPr bwMode="auto"/>
+      </p:sp>
+      <p:sp>
+        <p:nvSpPr>
+          <p:cNvPr id="1032040513" name="Notes Placeholder 2"/>
+          <p:cNvSpPr>
+            <a:spLocks noGrp="1"/>
+          </p:cNvSpPr>
+          <p:nvPr>
+            <p:ph type="body" idx="1"/>
+          </p:nvPr>
+        </p:nvSpPr>
+        <p:spPr bwMode="auto"/>
+        <p:txBody>
+          <a:bodyPr/>
+          <a:lstStyle/>
+          <a:p>
+            <a:pPr>
+              <a:defRPr/>
+            </a:pPr>
+            <a:endParaRPr/>
+          </a:p>
+        </p:txBody>
+      </p:sp>
+      <p:sp>
+        <p:nvSpPr>
+          <p:cNvPr id="8301535" name="Slide Number Placeholder 3"/>
+          <p:cNvSpPr>
+            <a:spLocks noGrp="1"/>
+          </p:cNvSpPr>
+          <p:nvPr>
+            <p:ph type="sldNum" sz="quarter" idx="10"/>
+          </p:nvPr>
+        </p:nvSpPr>
+        <p:spPr bwMode="auto"/>
+        <p:txBody>
+          <a:bodyPr/>
+          <a:lstStyle/>
+          <a:p>
+            <a:pPr>
+              <a:defRPr/>
+            </a:pPr>
+            <a:fld id="{4694B400-E874-A4F5-5937-387BEF79177D}" type="slidenum">
+              <a:rPr/>
+              <a:t/>
+            </a:fld>
+            <a:endParaRPr/>
+          </a:p>
+        </p:txBody>
+      </p:sp>
+    </p:spTree>
+  </p:cSld>
+</p:notes>
+</file>
+
+<file path=ppt/notesSlides/notesSlide13.xml><?xml version="1.0" encoding="utf-8"?>
+<p:notes xmlns:a="http://schemas.openxmlformats.org/drawingml/2006/main" xmlns:r="http://schemas.openxmlformats.org/officeDocument/2006/relationships" xmlns:p="http://schemas.openxmlformats.org/presentationml/2006/main" xmlns:m="http://schemas.openxmlformats.org/officeDocument/2006/math" xmlns:w="http://schemas.openxmlformats.org/wordprocessingml/2006/main">
+  <p:cSld name="">
+    <p:spTree>
+      <p:nvGrpSpPr>
+        <p:cNvPr id="1" name=""/>
+        <p:cNvGrpSpPr/>
+        <p:nvPr/>
+      </p:nvGrpSpPr>
+      <p:grpSpPr bwMode="auto">
+        <a:xfrm>
+          <a:off x="0" y="0"/>
+          <a:ext cx="0" cy="0"/>
+          <a:chOff x="0" y="0"/>
+          <a:chExt cx="0" cy="0"/>
+        </a:xfrm>
+      </p:grpSpPr>
+      <p:sp>
+        <p:nvSpPr>
+          <p:cNvPr id="513613702" name="Slide Image Placeholder 1"/>
+          <p:cNvSpPr>
+            <a:spLocks noChangeAspect="1" noGrp="1" noRot="1"/>
+          </p:cNvSpPr>
+          <p:nvPr>
+            <p:ph type="sldImg"/>
+          </p:nvPr>
+        </p:nvSpPr>
+        <p:spPr bwMode="auto"/>
+      </p:sp>
+      <p:sp>
+        <p:nvSpPr>
+          <p:cNvPr id="257074256" name="Notes Placeholder 2"/>
+          <p:cNvSpPr>
+            <a:spLocks noGrp="1"/>
+          </p:cNvSpPr>
+          <p:nvPr>
+            <p:ph type="body" idx="1"/>
+          </p:nvPr>
+        </p:nvSpPr>
+        <p:spPr bwMode="auto"/>
+        <p:txBody>
+          <a:bodyPr/>
+          <a:lstStyle/>
+          <a:p>
+            <a:pPr>
+              <a:defRPr/>
+            </a:pPr>
+            <a:endParaRPr/>
+          </a:p>
+        </p:txBody>
+      </p:sp>
+      <p:sp>
+        <p:nvSpPr>
+          <p:cNvPr id="463180156" name="Slide Number Placeholder 3"/>
+          <p:cNvSpPr>
+            <a:spLocks noGrp="1"/>
+          </p:cNvSpPr>
+          <p:nvPr>
+            <p:ph type="sldNum" sz="quarter" idx="10"/>
+          </p:nvPr>
+        </p:nvSpPr>
+        <p:spPr bwMode="auto"/>
+        <p:txBody>
+          <a:bodyPr/>
+          <a:lstStyle/>
+          <a:p>
+            <a:pPr>
+              <a:defRPr/>
+            </a:pPr>
+            <a:fld id="{F2A168F9-40BE-E6FD-D8EF-159788315527}" type="slidenum">
+              <a:rPr/>
+              <a:t/>
+            </a:fld>
+            <a:endParaRPr/>
+          </a:p>
+        </p:txBody>
+      </p:sp>
+    </p:spTree>
+  </p:cSld>
+</p:notes>
+</file>
+
+<file path=ppt/notesSlides/notesSlide2.xml><?xml version="1.0" encoding="utf-8"?>
+<p:notes xmlns:a="http://schemas.openxmlformats.org/drawingml/2006/main" xmlns:r="http://schemas.openxmlformats.org/officeDocument/2006/relationships" xmlns:p="http://schemas.openxmlformats.org/presentationml/2006/main" xmlns:m="http://schemas.openxmlformats.org/officeDocument/2006/math" xmlns:w="http://schemas.openxmlformats.org/wordprocessingml/2006/main">
+  <p:cSld name="">
+    <p:spTree>
+      <p:nvGrpSpPr>
+        <p:cNvPr id="1" name=""/>
+        <p:cNvGrpSpPr/>
+        <p:nvPr/>
+      </p:nvGrpSpPr>
+      <p:grpSpPr bwMode="auto">
+        <a:xfrm>
+          <a:off x="0" y="0"/>
+          <a:ext cx="0" cy="0"/>
+          <a:chOff x="0" y="0"/>
+          <a:chExt cx="0" cy="0"/>
+        </a:xfrm>
+      </p:grpSpPr>
+      <p:sp>
+        <p:nvSpPr>
+          <p:cNvPr id="583261950" name="Slide Image Placeholder 1"/>
+          <p:cNvSpPr>
+            <a:spLocks noChangeAspect="1" noGrp="1" noRot="1"/>
+          </p:cNvSpPr>
+          <p:nvPr>
+            <p:ph type="sldImg"/>
+          </p:nvPr>
+        </p:nvSpPr>
+        <p:spPr bwMode="auto"/>
+      </p:sp>
+      <p:sp>
+        <p:nvSpPr>
+          <p:cNvPr id="867169278" name="Notes Placeholder 2"/>
+          <p:cNvSpPr>
+            <a:spLocks noGrp="1"/>
+          </p:cNvSpPr>
+          <p:nvPr>
+            <p:ph type="body" idx="1"/>
+          </p:nvPr>
+        </p:nvSpPr>
+        <p:spPr bwMode="auto"/>
+        <p:txBody>
+          <a:bodyPr/>
+          <a:lstStyle/>
+          <a:p>
+            <a:pPr>
+              <a:defRPr/>
+            </a:pPr>
+            <a:endParaRPr/>
+          </a:p>
+        </p:txBody>
+      </p:sp>
+      <p:sp>
+        <p:nvSpPr>
+          <p:cNvPr id="106477261" name="Slide Number Placeholder 3"/>
+          <p:cNvSpPr>
+            <a:spLocks noGrp="1"/>
+          </p:cNvSpPr>
+          <p:nvPr>
+            <p:ph type="sldNum" sz="quarter" idx="10"/>
+          </p:nvPr>
+        </p:nvSpPr>
+        <p:spPr bwMode="auto"/>
+        <p:txBody>
+          <a:bodyPr/>
+          <a:lstStyle/>
+          <a:p>
+            <a:pPr>
+              <a:defRPr/>
+            </a:pPr>
+            <a:fld id="{5BB0168F-06C4-57C6-8B1F-B182B84E491C}" type="slidenum">
+              <a:rPr/>
+              <a:t/>
+            </a:fld>
+            <a:endParaRPr/>
+          </a:p>
+        </p:txBody>
+      </p:sp>
+    </p:spTree>
+  </p:cSld>
+</p:notes>
+</file>
+
+<file path=ppt/notesSlides/notesSlide3.xml><?xml version="1.0" encoding="utf-8"?>
+<p:notes xmlns:a="http://schemas.openxmlformats.org/drawingml/2006/main" xmlns:r="http://schemas.openxmlformats.org/officeDocument/2006/relationships" xmlns:p="http://schemas.openxmlformats.org/presentationml/2006/main" xmlns:m="http://schemas.openxmlformats.org/officeDocument/2006/math" xmlns:w="http://schemas.openxmlformats.org/wordprocessingml/2006/main">
+  <p:cSld name="">
+    <p:spTree>
+      <p:nvGrpSpPr>
+        <p:cNvPr id="1" name=""/>
+        <p:cNvGrpSpPr/>
+        <p:nvPr/>
+      </p:nvGrpSpPr>
+      <p:grpSpPr bwMode="auto">
+        <a:xfrm>
+          <a:off x="0" y="0"/>
+          <a:ext cx="0" cy="0"/>
+          <a:chOff x="0" y="0"/>
+          <a:chExt cx="0" cy="0"/>
+        </a:xfrm>
+      </p:grpSpPr>
+      <p:sp>
+        <p:nvSpPr>
+          <p:cNvPr id="802292189" name="Slide Image Placeholder 1"/>
+          <p:cNvSpPr>
+            <a:spLocks noChangeAspect="1" noGrp="1" noRot="1"/>
+          </p:cNvSpPr>
+          <p:nvPr>
+            <p:ph type="sldImg"/>
+          </p:nvPr>
+        </p:nvSpPr>
+        <p:spPr bwMode="auto"/>
+      </p:sp>
+      <p:sp>
+        <p:nvSpPr>
+          <p:cNvPr id="749836041" name="Notes Placeholder 2"/>
+          <p:cNvSpPr>
+            <a:spLocks noGrp="1"/>
+          </p:cNvSpPr>
+          <p:nvPr>
+            <p:ph type="body" idx="1"/>
+          </p:nvPr>
+        </p:nvSpPr>
+        <p:spPr bwMode="auto"/>
+        <p:txBody>
+          <a:bodyPr/>
+          <a:lstStyle/>
+          <a:p>
+            <a:pPr>
+              <a:defRPr/>
+            </a:pPr>
+            <a:endParaRPr/>
+          </a:p>
+        </p:txBody>
+      </p:sp>
+      <p:sp>
+        <p:nvSpPr>
+          <p:cNvPr id="1324280182" name="Slide Number Placeholder 3"/>
+          <p:cNvSpPr>
+            <a:spLocks noGrp="1"/>
+          </p:cNvSpPr>
+          <p:nvPr>
+            <p:ph type="sldNum" sz="quarter" idx="10"/>
+          </p:nvPr>
+        </p:nvSpPr>
+        <p:spPr bwMode="auto"/>
+        <p:txBody>
+          <a:bodyPr/>
+          <a:lstStyle/>
+          <a:p>
+            <a:pPr>
+              <a:defRPr/>
+            </a:pPr>
+            <a:fld id="{3BEF0F4F-31C9-5C50-DDAA-1C1307AEAF81}" type="slidenum">
+              <a:rPr/>
+              <a:t/>
+            </a:fld>
+            <a:endParaRPr/>
+          </a:p>
+        </p:txBody>
+      </p:sp>
+    </p:spTree>
+  </p:cSld>
+</p:notes>
+</file>
+
+<file path=ppt/notesSlides/notesSlide4.xml><?xml version="1.0" encoding="utf-8"?>
+<p:notes xmlns:a="http://schemas.openxmlformats.org/drawingml/2006/main" xmlns:r="http://schemas.openxmlformats.org/officeDocument/2006/relationships" xmlns:p="http://schemas.openxmlformats.org/presentationml/2006/main" xmlns:m="http://schemas.openxmlformats.org/officeDocument/2006/math" xmlns:w="http://schemas.openxmlformats.org/wordprocessingml/2006/main">
+  <p:cSld name="">
+    <p:spTree>
+      <p:nvGrpSpPr>
+        <p:cNvPr id="1" name=""/>
+        <p:cNvGrpSpPr/>
+        <p:nvPr/>
+      </p:nvGrpSpPr>
+      <p:grpSpPr bwMode="auto">
+        <a:xfrm>
+          <a:off x="0" y="0"/>
+          <a:ext cx="0" cy="0"/>
+          <a:chOff x="0" y="0"/>
+          <a:chExt cx="0" cy="0"/>
+        </a:xfrm>
+      </p:grpSpPr>
+      <p:sp>
+        <p:nvSpPr>
+          <p:cNvPr id="1278359926" name="Slide Image Placeholder 1"/>
+          <p:cNvSpPr>
+            <a:spLocks noChangeAspect="1" noGrp="1" noRot="1"/>
+          </p:cNvSpPr>
+          <p:nvPr>
+            <p:ph type="sldImg"/>
+          </p:nvPr>
+        </p:nvSpPr>
+        <p:spPr bwMode="auto"/>
+      </p:sp>
+      <p:sp>
+        <p:nvSpPr>
+          <p:cNvPr id="1002307949" name="Notes Placeholder 2"/>
+          <p:cNvSpPr>
+            <a:spLocks noGrp="1"/>
+          </p:cNvSpPr>
+          <p:nvPr>
+            <p:ph type="body" idx="1"/>
+          </p:nvPr>
+        </p:nvSpPr>
+        <p:spPr bwMode="auto"/>
+        <p:txBody>
+          <a:bodyPr/>
+          <a:lstStyle/>
+          <a:p>
+            <a:pPr>
+              <a:defRPr/>
+            </a:pPr>
+            <a:endParaRPr/>
+          </a:p>
+        </p:txBody>
+      </p:sp>
+      <p:sp>
+        <p:nvSpPr>
+          <p:cNvPr id="1500187375" name="Slide Number Placeholder 3"/>
+          <p:cNvSpPr>
+            <a:spLocks noGrp="1"/>
+          </p:cNvSpPr>
+          <p:nvPr>
+            <p:ph type="sldNum" sz="quarter" idx="10"/>
+          </p:nvPr>
+        </p:nvSpPr>
+        <p:spPr bwMode="auto"/>
+        <p:txBody>
+          <a:bodyPr/>
+          <a:lstStyle/>
+          <a:p>
+            <a:pPr>
+              <a:defRPr/>
+            </a:pPr>
+            <a:fld id="{5AC4A158-43B7-D706-9CEC-F3B75FB5B899}" type="slidenum">
+              <a:rPr/>
+              <a:t/>
+            </a:fld>
+            <a:endParaRPr/>
+          </a:p>
+        </p:txBody>
+      </p:sp>
+    </p:spTree>
+  </p:cSld>
+</p:notes>
+</file>
+
+<file path=ppt/notesSlides/notesSlide5.xml><?xml version="1.0" encoding="utf-8"?>
+<p:notes xmlns:a="http://schemas.openxmlformats.org/drawingml/2006/main" xmlns:r="http://schemas.openxmlformats.org/officeDocument/2006/relationships" xmlns:p="http://schemas.openxmlformats.org/presentationml/2006/main" xmlns:m="http://schemas.openxmlformats.org/officeDocument/2006/math" xmlns:w="http://schemas.openxmlformats.org/wordprocessingml/2006/main">
+  <p:cSld name="">
+    <p:spTree>
+      <p:nvGrpSpPr>
+        <p:cNvPr id="1" name=""/>
+        <p:cNvGrpSpPr/>
+        <p:nvPr/>
+      </p:nvGrpSpPr>
+      <p:grpSpPr bwMode="auto">
+        <a:xfrm>
+          <a:off x="0" y="0"/>
+          <a:ext cx="0" cy="0"/>
+          <a:chOff x="0" y="0"/>
+          <a:chExt cx="0" cy="0"/>
+        </a:xfrm>
+      </p:grpSpPr>
+      <p:sp>
+        <p:nvSpPr>
+          <p:cNvPr id="2013874797" name="Slide Image Placeholder 1"/>
+          <p:cNvSpPr>
+            <a:spLocks noChangeAspect="1" noGrp="1" noRot="1"/>
+          </p:cNvSpPr>
+          <p:nvPr>
+            <p:ph type="sldImg"/>
+          </p:nvPr>
+        </p:nvSpPr>
+        <p:spPr bwMode="auto"/>
+      </p:sp>
+      <p:sp>
+        <p:nvSpPr>
+          <p:cNvPr id="969668432" name="Notes Placeholder 2"/>
+          <p:cNvSpPr>
+            <a:spLocks noGrp="1"/>
+          </p:cNvSpPr>
+          <p:nvPr>
+            <p:ph type="body" idx="1"/>
+          </p:nvPr>
+        </p:nvSpPr>
+        <p:spPr bwMode="auto"/>
+        <p:txBody>
+          <a:bodyPr/>
+          <a:lstStyle/>
+          <a:p>
+            <a:pPr>
+              <a:defRPr/>
+            </a:pPr>
+            <a:endParaRPr/>
+          </a:p>
+        </p:txBody>
+      </p:sp>
+      <p:sp>
+        <p:nvSpPr>
+          <p:cNvPr id="1014397385" name="Slide Number Placeholder 3"/>
+          <p:cNvSpPr>
+            <a:spLocks noGrp="1"/>
+          </p:cNvSpPr>
+          <p:nvPr>
+            <p:ph type="sldNum" sz="quarter" idx="10"/>
+          </p:nvPr>
+        </p:nvSpPr>
+        <p:spPr bwMode="auto"/>
+        <p:txBody>
+          <a:bodyPr/>
+          <a:lstStyle/>
+          <a:p>
+            <a:pPr>
+              <a:defRPr/>
+            </a:pPr>
+            <a:fld id="{04BC94E7-654D-14AD-78B0-7381F7E5A85C}" type="slidenum">
+              <a:rPr/>
+              <a:t/>
+            </a:fld>
+            <a:endParaRPr/>
+          </a:p>
+        </p:txBody>
+      </p:sp>
+    </p:spTree>
+  </p:cSld>
+</p:notes>
+</file>
+
+<file path=ppt/notesSlides/notesSlide6.xml><?xml version="1.0" encoding="utf-8"?>
+<p:notes xmlns:a="http://schemas.openxmlformats.org/drawingml/2006/main" xmlns:r="http://schemas.openxmlformats.org/officeDocument/2006/relationships" xmlns:p="http://schemas.openxmlformats.org/presentationml/2006/main" xmlns:m="http://schemas.openxmlformats.org/officeDocument/2006/math" xmlns:w="http://schemas.openxmlformats.org/wordprocessingml/2006/main">
+  <p:cSld name="">
+    <p:spTree>
+      <p:nvGrpSpPr>
+        <p:cNvPr id="1" name=""/>
+        <p:cNvGrpSpPr/>
+        <p:nvPr/>
+      </p:nvGrpSpPr>
+      <p:grpSpPr bwMode="auto">
+        <a:xfrm>
+          <a:off x="0" y="0"/>
+          <a:ext cx="0" cy="0"/>
+          <a:chOff x="0" y="0"/>
+          <a:chExt cx="0" cy="0"/>
+        </a:xfrm>
+      </p:grpSpPr>
+      <p:sp>
+        <p:nvSpPr>
+          <p:cNvPr id="201188208" name="Slide Image Placeholder 1"/>
+          <p:cNvSpPr>
+            <a:spLocks noChangeAspect="1" noGrp="1" noRot="1"/>
+          </p:cNvSpPr>
+          <p:nvPr>
+            <p:ph type="sldImg"/>
+          </p:nvPr>
+        </p:nvSpPr>
+        <p:spPr bwMode="auto"/>
+      </p:sp>
+      <p:sp>
+        <p:nvSpPr>
+          <p:cNvPr id="1362858354" name="Notes Placeholder 2"/>
+          <p:cNvSpPr>
+            <a:spLocks noGrp="1"/>
+          </p:cNvSpPr>
+          <p:nvPr>
+            <p:ph type="body" idx="1"/>
+          </p:nvPr>
+        </p:nvSpPr>
+        <p:spPr bwMode="auto"/>
+        <p:txBody>
+          <a:bodyPr/>
+          <a:lstStyle/>
+          <a:p>
+            <a:pPr>
+              <a:defRPr/>
+            </a:pPr>
+            <a:endParaRPr/>
+          </a:p>
+        </p:txBody>
+      </p:sp>
+      <p:sp>
+        <p:nvSpPr>
+          <p:cNvPr id="2089070354" name="Slide Number Placeholder 3"/>
+          <p:cNvSpPr>
+            <a:spLocks noGrp="1"/>
+          </p:cNvSpPr>
+          <p:nvPr>
+            <p:ph type="sldNum" sz="quarter" idx="10"/>
+          </p:nvPr>
+        </p:nvSpPr>
+        <p:spPr bwMode="auto"/>
+        <p:txBody>
+          <a:bodyPr/>
+          <a:lstStyle/>
+          <a:p>
+            <a:pPr>
+              <a:defRPr/>
+            </a:pPr>
+            <a:fld id="{1B711CF5-DF88-D4AD-0F18-DEC342A00880}" type="slidenum">
+              <a:rPr/>
+              <a:t/>
+            </a:fld>
+            <a:endParaRPr/>
+          </a:p>
+        </p:txBody>
+      </p:sp>
+    </p:spTree>
+  </p:cSld>
+</p:notes>
+</file>
+
+<file path=ppt/notesSlides/notesSlide7.xml><?xml version="1.0" encoding="utf-8"?>
+<p:notes xmlns:a="http://schemas.openxmlformats.org/drawingml/2006/main" xmlns:r="http://schemas.openxmlformats.org/officeDocument/2006/relationships" xmlns:p="http://schemas.openxmlformats.org/presentationml/2006/main" xmlns:m="http://schemas.openxmlformats.org/officeDocument/2006/math" xmlns:w="http://schemas.openxmlformats.org/wordprocessingml/2006/main">
+  <p:cSld name="">
+    <p:spTree>
+      <p:nvGrpSpPr>
+        <p:cNvPr id="1" name=""/>
+        <p:cNvGrpSpPr/>
+        <p:nvPr/>
+      </p:nvGrpSpPr>
+      <p:grpSpPr bwMode="auto">
+        <a:xfrm>
+          <a:off x="0" y="0"/>
+          <a:ext cx="0" cy="0"/>
+          <a:chOff x="0" y="0"/>
+          <a:chExt cx="0" cy="0"/>
+        </a:xfrm>
+      </p:grpSpPr>
+      <p:sp>
+        <p:nvSpPr>
+          <p:cNvPr id="905673971" name="Slide Image Placeholder 1"/>
+          <p:cNvSpPr>
+            <a:spLocks noChangeAspect="1" noGrp="1" noRot="1"/>
+          </p:cNvSpPr>
+          <p:nvPr>
+            <p:ph type="sldImg"/>
+          </p:nvPr>
+        </p:nvSpPr>
+        <p:spPr bwMode="auto"/>
+      </p:sp>
+      <p:sp>
+        <p:nvSpPr>
+          <p:cNvPr id="966474140" name="Notes Placeholder 2"/>
+          <p:cNvSpPr>
+            <a:spLocks noGrp="1"/>
+          </p:cNvSpPr>
+          <p:nvPr>
+            <p:ph type="body" idx="1"/>
+          </p:nvPr>
+        </p:nvSpPr>
+        <p:spPr bwMode="auto"/>
+        <p:txBody>
+          <a:bodyPr/>
+          <a:lstStyle/>
+          <a:p>
+            <a:pPr>
+              <a:defRPr/>
+            </a:pPr>
+            <a:endParaRPr/>
+          </a:p>
+        </p:txBody>
+      </p:sp>
+      <p:sp>
+        <p:nvSpPr>
+          <p:cNvPr id="1161142472" name="Slide Number Placeholder 3"/>
+          <p:cNvSpPr>
+            <a:spLocks noGrp="1"/>
+          </p:cNvSpPr>
+          <p:nvPr>
+            <p:ph type="sldNum" sz="quarter" idx="10"/>
+          </p:nvPr>
+        </p:nvSpPr>
+        <p:spPr bwMode="auto"/>
+        <p:txBody>
+          <a:bodyPr/>
+          <a:lstStyle/>
+          <a:p>
+            <a:pPr>
+              <a:defRPr/>
+            </a:pPr>
+            <a:fld id="{EAEAE41E-D0AE-53E4-7FDD-0E70B7D82711}" type="slidenum">
+              <a:rPr/>
+              <a:t/>
+            </a:fld>
+            <a:endParaRPr/>
+          </a:p>
+        </p:txBody>
+      </p:sp>
+    </p:spTree>
+  </p:cSld>
+</p:notes>
+</file>
+
+<file path=ppt/notesSlides/notesSlide8.xml><?xml version="1.0" encoding="utf-8"?>
+<p:notes xmlns:a="http://schemas.openxmlformats.org/drawingml/2006/main" xmlns:r="http://schemas.openxmlformats.org/officeDocument/2006/relationships" xmlns:p="http://schemas.openxmlformats.org/presentationml/2006/main" xmlns:m="http://schemas.openxmlformats.org/officeDocument/2006/math" xmlns:w="http://schemas.openxmlformats.org/wordprocessingml/2006/main">
+  <p:cSld name="">
+    <p:spTree>
+      <p:nvGrpSpPr>
+        <p:cNvPr id="1" name=""/>
+        <p:cNvGrpSpPr/>
+        <p:nvPr/>
+      </p:nvGrpSpPr>
+      <p:grpSpPr bwMode="auto">
+        <a:xfrm>
+          <a:off x="0" y="0"/>
+          <a:ext cx="0" cy="0"/>
+          <a:chOff x="0" y="0"/>
+          <a:chExt cx="0" cy="0"/>
+        </a:xfrm>
+      </p:grpSpPr>
+      <p:sp>
+        <p:nvSpPr>
+          <p:cNvPr id="1770666114" name="Slide Image Placeholder 1"/>
+          <p:cNvSpPr>
+            <a:spLocks noChangeAspect="1" noGrp="1" noRot="1"/>
+          </p:cNvSpPr>
+          <p:nvPr>
+            <p:ph type="sldImg"/>
+          </p:nvPr>
+        </p:nvSpPr>
+        <p:spPr bwMode="auto"/>
+      </p:sp>
+      <p:sp>
+        <p:nvSpPr>
+          <p:cNvPr id="1660373552" name="Notes Placeholder 2"/>
+          <p:cNvSpPr>
+            <a:spLocks noGrp="1"/>
+          </p:cNvSpPr>
+          <p:nvPr>
+            <p:ph type="body" idx="1"/>
+          </p:nvPr>
+        </p:nvSpPr>
+        <p:spPr bwMode="auto"/>
+        <p:txBody>
+          <a:bodyPr/>
+          <a:lstStyle/>
+          <a:p>
+            <a:pPr>
+              <a:defRPr/>
+            </a:pPr>
+            <a:endParaRPr/>
+          </a:p>
+        </p:txBody>
+      </p:sp>
+      <p:sp>
+        <p:nvSpPr>
+          <p:cNvPr id="1149413695" name="Slide Number Placeholder 3"/>
+          <p:cNvSpPr>
+            <a:spLocks noGrp="1"/>
+          </p:cNvSpPr>
+          <p:nvPr>
+            <p:ph type="sldNum" sz="quarter" idx="10"/>
+          </p:nvPr>
+        </p:nvSpPr>
+        <p:spPr bwMode="auto"/>
+        <p:txBody>
+          <a:bodyPr/>
+          <a:lstStyle/>
+          <a:p>
+            <a:pPr>
+              <a:defRPr/>
+            </a:pPr>
+            <a:fld id="{4A4ADBDF-8106-6B50-96C5-F02F48A2121D}" type="slidenum">
+              <a:rPr/>
+              <a:t/>
+            </a:fld>
+            <a:endParaRPr/>
+          </a:p>
+        </p:txBody>
+      </p:sp>
+    </p:spTree>
+  </p:cSld>
+</p:notes>
+</file>
+
+<file path=ppt/notesSlides/notesSlide9.xml><?xml version="1.0" encoding="utf-8"?>
+<p:notes xmlns:a="http://schemas.openxmlformats.org/drawingml/2006/main" xmlns:r="http://schemas.openxmlformats.org/officeDocument/2006/relationships" xmlns:p="http://schemas.openxmlformats.org/presentationml/2006/main" xmlns:m="http://schemas.openxmlformats.org/officeDocument/2006/math" xmlns:w="http://schemas.openxmlformats.org/wordprocessingml/2006/main">
+  <p:cSld name="">
+    <p:spTree>
+      <p:nvGrpSpPr>
+        <p:cNvPr id="1" name=""/>
+        <p:cNvGrpSpPr/>
+        <p:nvPr/>
+      </p:nvGrpSpPr>
+      <p:grpSpPr bwMode="auto">
+        <a:xfrm>
+          <a:off x="0" y="0"/>
+          <a:ext cx="0" cy="0"/>
+          <a:chOff x="0" y="0"/>
+          <a:chExt cx="0" cy="0"/>
+        </a:xfrm>
+      </p:grpSpPr>
+      <p:sp>
+        <p:nvSpPr>
+          <p:cNvPr id="989976508" name="Slide Image Placeholder 1"/>
+          <p:cNvSpPr>
+            <a:spLocks noChangeAspect="1" noGrp="1" noRot="1"/>
+          </p:cNvSpPr>
+          <p:nvPr>
+            <p:ph type="sldImg"/>
+          </p:nvPr>
+        </p:nvSpPr>
+        <p:spPr bwMode="auto"/>
+      </p:sp>
+      <p:sp>
+        <p:nvSpPr>
+          <p:cNvPr id="406285091" name="Notes Placeholder 2"/>
+          <p:cNvSpPr>
+            <a:spLocks noGrp="1"/>
+          </p:cNvSpPr>
+          <p:nvPr>
+            <p:ph type="body" idx="1"/>
+          </p:nvPr>
+        </p:nvSpPr>
+        <p:spPr bwMode="auto"/>
+        <p:txBody>
+          <a:bodyPr/>
+          <a:lstStyle/>
+          <a:p>
+            <a:pPr>
+              <a:defRPr/>
+            </a:pPr>
+            <a:endParaRPr/>
+          </a:p>
+        </p:txBody>
+      </p:sp>
+      <p:sp>
+        <p:nvSpPr>
+          <p:cNvPr id="1986487168" name="Slide Number Placeholder 3"/>
+          <p:cNvSpPr>
+            <a:spLocks noGrp="1"/>
+          </p:cNvSpPr>
+          <p:nvPr>
+            <p:ph type="sldNum" sz="quarter" idx="10"/>
+          </p:nvPr>
+        </p:nvSpPr>
+        <p:spPr bwMode="auto"/>
+        <p:txBody>
+          <a:bodyPr/>
+          <a:lstStyle/>
+          <a:p>
+            <a:pPr>
+              <a:defRPr/>
+            </a:pPr>
+            <a:fld id="{3869510A-3C3A-7070-D8C7-DC48B6016F9D}" type="slidenum">
+              <a:rPr/>
+              <a:t/>
+            </a:fld>
+            <a:endParaRPr/>
           </a:p>
         </p:txBody>
       </p:sp>
@@ -3717,6 +4713,5671 @@
               <a:t>P2</a:t>
             </a:r>
             <a:endParaRPr lang="en-US"/>
+          </a:p>
+        </p:txBody>
+      </p:sp>
+    </p:spTree>
+  </p:cSld>
+  <p:clrMapOvr>
+    <a:masterClrMapping/>
+  </p:clrMapOvr>
+  <mc:AlternateContent xmlns:mc="http://schemas.openxmlformats.org/markup-compatibility/2006">
+    <mc:Choice xmlns:p159="http://schemas.microsoft.com/office/powerpoint/2015/09/main" xmlns:p14="http://schemas.microsoft.com/office/powerpoint/2010/main" Requires="p159">
+      <p:transition p14:dur="2000" advClick="1"/>
+    </mc:Choice>
+    <mc:Fallback>
+      <p:transition advClick="1"/>
+    </mc:Fallback>
+  </mc:AlternateContent>
+</p:sld>
+</file>
+
+<file path=ppt/slides/slide10.xml><?xml version="1.0" encoding="utf-8"?>
+<p:sld xmlns:a="http://schemas.openxmlformats.org/drawingml/2006/main" xmlns:r="http://schemas.openxmlformats.org/officeDocument/2006/relationships" xmlns:p="http://schemas.openxmlformats.org/presentationml/2006/main" xmlns:m="http://schemas.openxmlformats.org/officeDocument/2006/math" xmlns:w="http://schemas.openxmlformats.org/wordprocessingml/2006/main" xmlns:mc="http://schemas.openxmlformats.org/markup-compatibility/2006" showMasterPhAnim="0" showMasterSp="1" show="1">
+  <p:cSld name="">
+    <p:spTree>
+      <p:nvGrpSpPr>
+        <p:cNvPr id="1" name=""/>
+        <p:cNvGrpSpPr/>
+        <p:nvPr/>
+      </p:nvGrpSpPr>
+      <p:grpSpPr bwMode="auto">
+        <a:xfrm>
+          <a:off x="0" y="0"/>
+          <a:ext cx="0" cy="0"/>
+          <a:chOff x="0" y="0"/>
+          <a:chExt cx="0" cy="0"/>
+        </a:xfrm>
+      </p:grpSpPr>
+      <p:sp>
+        <p:nvSpPr>
+          <p:cNvPr id="626176961" name="Title 1"/>
+          <p:cNvSpPr>
+            <a:spLocks noGrp="1"/>
+          </p:cNvSpPr>
+          <p:nvPr>
+            <p:ph type="title"/>
+          </p:nvPr>
+        </p:nvSpPr>
+        <p:spPr bwMode="auto">
+          <a:xfrm flipH="0" flipV="0">
+            <a:off x="838197" y="365121"/>
+            <a:ext cx="10515600" cy="616833"/>
+          </a:xfrm>
+        </p:spPr>
+        <p:txBody>
+          <a:bodyPr vertOverflow="overflow" horzOverflow="overflow" vert="horz" wrap="square" lIns="91440" tIns="45720" rIns="91440" bIns="45720" numCol="1" spcCol="0" rtlCol="0" fromWordArt="0" anchor="ctr" anchorCtr="0" forceAA="0" upright="0" compatLnSpc="0">
+            <a:normAutofit/>
+          </a:bodyPr>
+          <a:lstStyle/>
+          <a:p>
+            <a:pPr>
+              <a:defRPr/>
+            </a:pPr>
+            <a:r>
+              <a:rPr sz="2400"/>
+              <a:t>Скрипты: функции</a:t>
+            </a:r>
+            <a:endParaRPr sz="2400"/>
+          </a:p>
+        </p:txBody>
+      </p:sp>
+      <p:sp>
+        <p:nvSpPr>
+          <p:cNvPr id="1515147644" name="Content Placeholder 2"/>
+          <p:cNvSpPr>
+            <a:spLocks noGrp="1"/>
+          </p:cNvSpPr>
+          <p:nvPr>
+            <p:ph idx="1"/>
+          </p:nvPr>
+        </p:nvSpPr>
+        <p:spPr bwMode="auto">
+          <a:xfrm flipH="0" flipV="0">
+            <a:off x="769459" y="1109610"/>
+            <a:ext cx="10515600" cy="5371309"/>
+          </a:xfrm>
+        </p:spPr>
+        <p:txBody>
+          <a:bodyPr vertOverflow="overflow" horzOverflow="overflow" vert="horz" wrap="square" lIns="91440" tIns="45720" rIns="91440" bIns="45720" numCol="1" spcCol="0" rtlCol="0" fromWordArt="0" anchor="t" anchorCtr="0" forceAA="0" upright="0" compatLnSpc="0">
+            <a:normAutofit/>
+          </a:bodyPr>
+          <a:lstStyle/>
+          <a:p>
+            <a:pPr marL="283879" marR="0" indent="-283879" algn="l" defTabSz="914400">
+              <a:lnSpc>
+                <a:spcPct val="90000"/>
+              </a:lnSpc>
+              <a:spcBef>
+                <a:spcPts val="999"/>
+              </a:spcBef>
+              <a:spcAft>
+                <a:spcPts val="0"/>
+              </a:spcAft>
+              <a:buFont typeface="Arial"/>
+              <a:buAutoNum type="arabicPeriod" startAt="3"/>
+              <a:defRPr/>
+            </a:pPr>
+            <a:r>
+              <a:rPr lang="ru-RU" sz="1800" b="0" i="0" u="none" strike="noStrike" cap="none" spc="0">
+                <a:solidFill>
+                  <a:schemeClr val="tx1"/>
+                </a:solidFill>
+                <a:latin typeface="Arial"/>
+                <a:ea typeface="Arial"/>
+                <a:cs typeface="Arial"/>
+              </a:rPr>
+              <a:t>Возвращаемые значения</a:t>
+            </a:r>
+            <a:br>
+              <a:rPr sz="1800" b="0" i="0" u="none" strike="noStrike" cap="none" spc="0">
+                <a:solidFill>
+                  <a:schemeClr val="tx1"/>
+                </a:solidFill>
+                <a:latin typeface="Arial"/>
+                <a:cs typeface="Arial"/>
+              </a:rPr>
+            </a:br>
+            <a:br>
+              <a:rPr sz="1800" b="0" i="0" u="none" strike="noStrike" cap="none" spc="0">
+                <a:solidFill>
+                  <a:schemeClr val="tx1"/>
+                </a:solidFill>
+                <a:latin typeface="Arial"/>
+                <a:cs typeface="Arial"/>
+              </a:rPr>
+            </a:br>
+            <a:r>
+              <a:rPr lang="ru-RU" sz="1800" b="0" i="0" u="none" strike="noStrike" cap="none" spc="0">
+                <a:solidFill>
+                  <a:schemeClr val="tx1"/>
+                </a:solidFill>
+                <a:latin typeface="Arial"/>
+                <a:ea typeface="Arial"/>
+                <a:cs typeface="Arial"/>
+              </a:rPr>
+              <a:t>В Bash функция может возвращать статус завершения, используя команду </a:t>
+            </a:r>
+            <a:r>
+              <a:rPr lang="ru-RU" sz="1800" b="1" i="0" u="none" strike="noStrike" cap="none" spc="0">
+                <a:solidFill>
+                  <a:schemeClr val="tx1"/>
+                </a:solidFill>
+                <a:latin typeface="Arial"/>
+                <a:ea typeface="Arial"/>
+                <a:cs typeface="Arial"/>
+              </a:rPr>
+              <a:t>return</a:t>
+            </a:r>
+            <a:r>
+              <a:rPr lang="ru-RU" sz="1800" b="0" i="0" u="none" strike="noStrike" cap="none" spc="0">
+                <a:solidFill>
+                  <a:schemeClr val="tx1"/>
+                </a:solidFill>
+                <a:latin typeface="Arial"/>
+                <a:ea typeface="Arial"/>
+                <a:cs typeface="Arial"/>
+              </a:rPr>
+              <a:t>, которая возвращает </a:t>
+            </a:r>
+            <a:r>
+              <a:rPr lang="ru-RU" sz="1800" b="1" i="0" u="none" strike="noStrike" cap="none" spc="0">
+                <a:solidFill>
+                  <a:schemeClr val="tx1"/>
+                </a:solidFill>
+                <a:latin typeface="Arial"/>
+                <a:ea typeface="Arial"/>
+                <a:cs typeface="Arial"/>
+              </a:rPr>
+              <a:t>целое число</a:t>
+            </a:r>
+            <a:r>
+              <a:rPr lang="ru-RU" sz="1800" b="0" i="0" u="none" strike="noStrike" cap="none" spc="0">
+                <a:solidFill>
+                  <a:schemeClr val="tx1"/>
+                </a:solidFill>
+                <a:latin typeface="Arial"/>
+                <a:ea typeface="Arial"/>
+                <a:cs typeface="Arial"/>
+              </a:rPr>
+              <a:t> (как с обычной программой)</a:t>
+            </a:r>
+            <a:br>
+              <a:rPr lang="ru-RU" sz="1800" b="0" i="0" u="none" strike="noStrike" cap="none" spc="0">
+                <a:solidFill>
+                  <a:schemeClr val="tx1"/>
+                </a:solidFill>
+                <a:latin typeface="Arial"/>
+                <a:ea typeface="Arial"/>
+                <a:cs typeface="Arial"/>
+              </a:rPr>
+            </a:br>
+            <a:br>
+              <a:rPr lang="ru-RU" sz="1800" b="0" i="0" u="none" strike="noStrike" cap="none" spc="0">
+                <a:solidFill>
+                  <a:schemeClr val="tx1"/>
+                </a:solidFill>
+                <a:latin typeface="Arial"/>
+                <a:ea typeface="Arial"/>
+                <a:cs typeface="Arial"/>
+              </a:rPr>
+            </a:br>
+            <a:r>
+              <a:rPr lang="ru-RU" sz="1800" b="0" i="0" u="none" strike="noStrike" cap="none" spc="0">
+                <a:solidFill>
+                  <a:schemeClr val="tx1"/>
+                </a:solidFill>
+                <a:latin typeface="Arial"/>
+                <a:ea typeface="Arial"/>
+                <a:cs typeface="Arial"/>
+              </a:rPr>
+              <a:t>Для возврата </a:t>
+            </a:r>
+            <a:r>
+              <a:rPr lang="ru-RU" sz="1800" b="1" i="0" u="none" strike="noStrike" cap="none" spc="0">
+                <a:solidFill>
+                  <a:schemeClr val="tx1"/>
+                </a:solidFill>
+                <a:latin typeface="Arial"/>
+                <a:ea typeface="Arial"/>
+                <a:cs typeface="Arial"/>
+              </a:rPr>
+              <a:t>других </a:t>
+            </a:r>
+            <a:r>
+              <a:rPr lang="ru-RU" sz="1800" b="0" i="0" u="none" strike="noStrike" cap="none" spc="0">
+                <a:solidFill>
+                  <a:schemeClr val="tx1"/>
+                </a:solidFill>
+                <a:latin typeface="Arial"/>
+                <a:ea typeface="Arial"/>
+                <a:cs typeface="Arial"/>
+              </a:rPr>
+              <a:t>данных лучше использовать команду </a:t>
+            </a:r>
+            <a:r>
+              <a:rPr lang="ru-RU" sz="1800" b="1" i="0" u="none" strike="noStrike" cap="none" spc="0">
+                <a:solidFill>
+                  <a:schemeClr val="tx1"/>
+                </a:solidFill>
+                <a:latin typeface="Arial"/>
+                <a:ea typeface="Arial"/>
+                <a:cs typeface="Arial"/>
+              </a:rPr>
+              <a:t>echo</a:t>
+            </a:r>
+            <a:r>
+              <a:rPr lang="ru-RU" sz="1800" b="0" i="0" u="none" strike="noStrike" cap="none" spc="0">
+                <a:solidFill>
+                  <a:schemeClr val="tx1"/>
+                </a:solidFill>
+                <a:latin typeface="Arial"/>
+                <a:ea typeface="Arial"/>
+                <a:cs typeface="Arial"/>
+              </a:rPr>
+              <a:t>, поскольку Bash не поддерживает возвращение сложных данных через return.</a:t>
+            </a:r>
+            <a:br>
+              <a:rPr lang="ru-RU" sz="1800" b="0" i="0" u="none" strike="noStrike" cap="none" spc="0">
+                <a:solidFill>
+                  <a:schemeClr val="tx1"/>
+                </a:solidFill>
+                <a:latin typeface="Arial"/>
+                <a:ea typeface="Arial"/>
+                <a:cs typeface="Arial"/>
+              </a:rPr>
+            </a:br>
+            <a:br>
+              <a:rPr lang="ru-RU" sz="1800" b="0" i="0" u="none" strike="noStrike" cap="none" spc="0">
+                <a:solidFill>
+                  <a:schemeClr val="tx1"/>
+                </a:solidFill>
+                <a:latin typeface="Arial"/>
+                <a:ea typeface="Arial"/>
+                <a:cs typeface="Arial"/>
+              </a:rPr>
+            </a:br>
+            <a:r>
+              <a:rPr lang="ru-RU" sz="1800" b="0" i="0" u="none" strike="noStrike" cap="none" spc="0">
+                <a:solidFill>
+                  <a:schemeClr val="tx1"/>
+                </a:solidFill>
+                <a:latin typeface="Arial"/>
+                <a:ea typeface="Arial"/>
+                <a:cs typeface="Arial"/>
+              </a:rPr>
+              <a:t>	#!/bin/bash</a:t>
+            </a:r>
+            <a:br>
+              <a:rPr lang="ru-RU" sz="1800" b="0" i="0" u="none" strike="noStrike" cap="none" spc="0">
+                <a:solidFill>
+                  <a:schemeClr val="tx1"/>
+                </a:solidFill>
+                <a:latin typeface="Arial"/>
+                <a:ea typeface="Arial"/>
+                <a:cs typeface="Arial"/>
+              </a:rPr>
+            </a:br>
+            <a:r>
+              <a:rPr lang="ru-RU" sz="1800" b="0" i="0" u="none" strike="noStrike" cap="none" spc="0">
+                <a:solidFill>
+                  <a:schemeClr val="tx1"/>
+                </a:solidFill>
+                <a:latin typeface="Arial"/>
+                <a:ea typeface="Arial"/>
+                <a:cs typeface="Arial"/>
+              </a:rPr>
+              <a:t>	calculate() {</a:t>
+            </a:r>
+            <a:br>
+              <a:rPr lang="ru-RU" sz="1800" b="0" i="0" u="none" strike="noStrike" cap="none" spc="0">
+                <a:solidFill>
+                  <a:schemeClr val="tx1"/>
+                </a:solidFill>
+                <a:latin typeface="Arial"/>
+                <a:ea typeface="Arial"/>
+                <a:cs typeface="Arial"/>
+              </a:rPr>
+            </a:br>
+            <a:r>
+              <a:rPr lang="ru-RU" sz="1800" b="0" i="0" u="none" strike="noStrike" cap="none" spc="0">
+                <a:solidFill>
+                  <a:schemeClr val="tx1"/>
+                </a:solidFill>
+                <a:latin typeface="Arial"/>
+                <a:ea typeface="Arial"/>
+                <a:cs typeface="Arial"/>
+              </a:rPr>
+              <a:t>		sum=$(( $1 + $2 ))</a:t>
+            </a:r>
+            <a:br>
+              <a:rPr lang="ru-RU" sz="1800" b="0" i="0" u="none" strike="noStrike" cap="none" spc="0">
+                <a:solidFill>
+                  <a:schemeClr val="tx1"/>
+                </a:solidFill>
+                <a:latin typeface="Arial"/>
+                <a:ea typeface="Arial"/>
+                <a:cs typeface="Arial"/>
+              </a:rPr>
+            </a:br>
+            <a:r>
+              <a:rPr lang="ru-RU" sz="1800" b="0" i="0" u="none" strike="noStrike" cap="none" spc="0">
+                <a:solidFill>
+                  <a:schemeClr val="tx1"/>
+                </a:solidFill>
+                <a:latin typeface="Arial"/>
+                <a:ea typeface="Arial"/>
+                <a:cs typeface="Arial"/>
+              </a:rPr>
+              <a:t>		echo $sum  		# Возвращаем сумма через echo</a:t>
+            </a:r>
+            <a:br>
+              <a:rPr lang="ru-RU" sz="1800" b="0" i="0" u="none" strike="noStrike" cap="none" spc="0">
+                <a:solidFill>
+                  <a:schemeClr val="tx1"/>
+                </a:solidFill>
+                <a:latin typeface="Arial"/>
+                <a:ea typeface="Arial"/>
+                <a:cs typeface="Arial"/>
+              </a:rPr>
+            </a:br>
+            <a:r>
+              <a:rPr lang="ru-RU" sz="1800" b="0" i="0" u="none" strike="noStrike" cap="none" spc="0">
+                <a:solidFill>
+                  <a:schemeClr val="tx1"/>
+                </a:solidFill>
+                <a:latin typeface="Arial"/>
+                <a:ea typeface="Arial"/>
+                <a:cs typeface="Arial"/>
+              </a:rPr>
+              <a:t>	}</a:t>
+            </a:r>
+            <a:br>
+              <a:rPr lang="ru-RU" sz="1800" b="0" i="0" u="none" strike="noStrike" cap="none" spc="0">
+                <a:solidFill>
+                  <a:schemeClr val="tx1"/>
+                </a:solidFill>
+                <a:latin typeface="Arial"/>
+                <a:ea typeface="Arial"/>
+                <a:cs typeface="Arial"/>
+              </a:rPr>
+            </a:br>
+            <a:r>
+              <a:rPr lang="ru-RU" sz="1800" b="0" i="0" u="none" strike="noStrike" cap="none" spc="0">
+                <a:solidFill>
+                  <a:schemeClr val="tx1"/>
+                </a:solidFill>
+                <a:latin typeface="Arial"/>
+                <a:ea typeface="Arial"/>
+                <a:cs typeface="Arial"/>
+              </a:rPr>
+              <a:t>	result=$(calculate 5 10)</a:t>
+            </a:r>
+            <a:br>
+              <a:rPr lang="ru-RU" sz="1800" b="0" i="0" u="none" strike="noStrike" cap="none" spc="0">
+                <a:solidFill>
+                  <a:schemeClr val="tx1"/>
+                </a:solidFill>
+                <a:latin typeface="Arial"/>
+                <a:ea typeface="Arial"/>
+                <a:cs typeface="Arial"/>
+              </a:rPr>
+            </a:br>
+            <a:br>
+              <a:rPr lang="ru-RU" sz="1800" b="0" i="0" u="none" strike="noStrike" cap="none" spc="0">
+                <a:solidFill>
+                  <a:schemeClr val="tx1"/>
+                </a:solidFill>
+                <a:latin typeface="Arial"/>
+                <a:ea typeface="Arial"/>
+                <a:cs typeface="Arial"/>
+              </a:rPr>
+            </a:br>
+            <a:r>
+              <a:rPr lang="ru-RU" sz="1800" b="0" i="0" u="none" strike="noStrike" cap="none" spc="0">
+                <a:solidFill>
+                  <a:schemeClr val="tx1"/>
+                </a:solidFill>
+                <a:latin typeface="Arial"/>
+                <a:ea typeface="Arial"/>
+                <a:cs typeface="Arial"/>
+              </a:rPr>
+              <a:t>	echo "The sum is: $result"</a:t>
+            </a:r>
+            <a:br>
+              <a:rPr lang="ru-RU" sz="1800" b="0" i="0" u="none" strike="noStrike" cap="none" spc="0">
+                <a:solidFill>
+                  <a:schemeClr val="tx1"/>
+                </a:solidFill>
+                <a:latin typeface="Arial"/>
+                <a:ea typeface="Arial"/>
+                <a:cs typeface="Arial"/>
+              </a:rPr>
+            </a:br>
+            <a:endParaRPr sz="1800" b="0" i="0" u="none" strike="noStrike" cap="none" spc="0">
+              <a:solidFill>
+                <a:schemeClr val="tx1"/>
+              </a:solidFill>
+              <a:latin typeface="Arial"/>
+              <a:cs typeface="Arial"/>
+            </a:endParaRPr>
+          </a:p>
+        </p:txBody>
+      </p:sp>
+    </p:spTree>
+  </p:cSld>
+  <p:clrMapOvr>
+    <a:masterClrMapping/>
+  </p:clrMapOvr>
+  <mc:AlternateContent xmlns:mc="http://schemas.openxmlformats.org/markup-compatibility/2006">
+    <mc:Choice xmlns:p159="http://schemas.microsoft.com/office/powerpoint/2015/09/main" xmlns:p14="http://schemas.microsoft.com/office/powerpoint/2010/main" Requires="p159">
+      <p:transition p14:dur="2000" advClick="1"/>
+    </mc:Choice>
+    <mc:Fallback>
+      <p:transition advClick="1"/>
+    </mc:Fallback>
+  </mc:AlternateContent>
+</p:sld>
+</file>
+
+<file path=ppt/slides/slide11.xml><?xml version="1.0" encoding="utf-8"?>
+<p:sld xmlns:a="http://schemas.openxmlformats.org/drawingml/2006/main" xmlns:r="http://schemas.openxmlformats.org/officeDocument/2006/relationships" xmlns:p="http://schemas.openxmlformats.org/presentationml/2006/main" xmlns:m="http://schemas.openxmlformats.org/officeDocument/2006/math" xmlns:w="http://schemas.openxmlformats.org/wordprocessingml/2006/main" xmlns:mc="http://schemas.openxmlformats.org/markup-compatibility/2006" showMasterPhAnim="0" showMasterSp="1" show="1">
+  <p:cSld name="">
+    <p:spTree>
+      <p:nvGrpSpPr>
+        <p:cNvPr id="1" name=""/>
+        <p:cNvGrpSpPr/>
+        <p:nvPr/>
+      </p:nvGrpSpPr>
+      <p:grpSpPr bwMode="auto">
+        <a:xfrm>
+          <a:off x="0" y="0"/>
+          <a:ext cx="0" cy="0"/>
+          <a:chOff x="0" y="0"/>
+          <a:chExt cx="0" cy="0"/>
+        </a:xfrm>
+      </p:grpSpPr>
+      <p:sp>
+        <p:nvSpPr>
+          <p:cNvPr id="1898083571" name="Title 1"/>
+          <p:cNvSpPr>
+            <a:spLocks noGrp="1"/>
+          </p:cNvSpPr>
+          <p:nvPr>
+            <p:ph type="title"/>
+          </p:nvPr>
+        </p:nvSpPr>
+        <p:spPr bwMode="auto">
+          <a:xfrm flipH="0" flipV="0">
+            <a:off x="838197" y="365121"/>
+            <a:ext cx="10515600" cy="616833"/>
+          </a:xfrm>
+        </p:spPr>
+        <p:txBody>
+          <a:bodyPr vertOverflow="overflow" horzOverflow="overflow" vert="horz" wrap="square" lIns="91440" tIns="45720" rIns="91440" bIns="45720" numCol="1" spcCol="0" rtlCol="0" fromWordArt="0" anchor="ctr" anchorCtr="0" forceAA="0" upright="0" compatLnSpc="0">
+            <a:normAutofit/>
+          </a:bodyPr>
+          <a:lstStyle/>
+          <a:p>
+            <a:pPr>
+              <a:defRPr/>
+            </a:pPr>
+            <a:r>
+              <a:rPr sz="2400"/>
+              <a:t>Скрипты: массивы</a:t>
+            </a:r>
+            <a:endParaRPr sz="2400"/>
+          </a:p>
+        </p:txBody>
+      </p:sp>
+      <p:sp>
+        <p:nvSpPr>
+          <p:cNvPr id="229541102" name="Content Placeholder 2"/>
+          <p:cNvSpPr>
+            <a:spLocks noGrp="1"/>
+          </p:cNvSpPr>
+          <p:nvPr>
+            <p:ph idx="1"/>
+          </p:nvPr>
+        </p:nvSpPr>
+        <p:spPr bwMode="auto">
+          <a:xfrm flipH="0" flipV="0">
+            <a:off x="769459" y="1109610"/>
+            <a:ext cx="10515600" cy="5371309"/>
+          </a:xfrm>
+        </p:spPr>
+        <p:txBody>
+          <a:bodyPr vertOverflow="overflow" horzOverflow="overflow" vert="horz" wrap="square" lIns="91440" tIns="45720" rIns="91440" bIns="45720" numCol="1" spcCol="0" rtlCol="0" fromWordArt="0" anchor="t" anchorCtr="0" forceAA="0" upright="0" compatLnSpc="0">
+            <a:normAutofit/>
+          </a:bodyPr>
+          <a:lstStyle/>
+          <a:p>
+            <a:pPr marL="283879" marR="0" indent="-283879" algn="l" defTabSz="914400">
+              <a:lnSpc>
+                <a:spcPct val="90000"/>
+              </a:lnSpc>
+              <a:spcBef>
+                <a:spcPts val="999"/>
+              </a:spcBef>
+              <a:spcAft>
+                <a:spcPts val="0"/>
+              </a:spcAft>
+              <a:buFont typeface="Arial"/>
+              <a:buAutoNum type="arabicPeriod" startAt="1"/>
+              <a:defRPr/>
+            </a:pPr>
+            <a:r>
+              <a:rPr lang="ru-RU" sz="1800" b="0" i="0" u="none" strike="noStrike" cap="none" spc="0">
+                <a:solidFill>
+                  <a:schemeClr val="tx1"/>
+                </a:solidFill>
+                <a:latin typeface="Arial"/>
+                <a:ea typeface="Arial"/>
+                <a:cs typeface="Arial"/>
+              </a:rPr>
+              <a:t>Объявление массивов</a:t>
+            </a:r>
+            <a:br>
+              <a:rPr lang="ru-RU" sz="1800" b="0" i="0" u="none" strike="noStrike" cap="none" spc="0">
+                <a:solidFill>
+                  <a:schemeClr val="tx1"/>
+                </a:solidFill>
+                <a:latin typeface="Arial"/>
+                <a:ea typeface="Arial"/>
+                <a:cs typeface="Arial"/>
+              </a:rPr>
+            </a:br>
+            <a:br>
+              <a:rPr lang="ru-RU" sz="1800" b="0" i="0" u="none" strike="noStrike" cap="none" spc="0">
+                <a:solidFill>
+                  <a:schemeClr val="tx1"/>
+                </a:solidFill>
+                <a:latin typeface="Arial"/>
+                <a:ea typeface="Arial"/>
+                <a:cs typeface="Arial"/>
+              </a:rPr>
+            </a:br>
+            <a:r>
+              <a:rPr lang="ru-RU" sz="1800" b="0" i="0" u="none" strike="noStrike" cap="none" spc="0">
+                <a:solidFill>
+                  <a:schemeClr val="tx1"/>
+                </a:solidFill>
+                <a:latin typeface="Arial"/>
+                <a:ea typeface="Arial"/>
+                <a:cs typeface="Arial"/>
+              </a:rPr>
+              <a:t>А) Создание и присвоение значений списком:</a:t>
+            </a:r>
+            <a:br>
+              <a:rPr lang="ru-RU" sz="1800" b="0" i="0" u="none" strike="noStrike" cap="none" spc="0">
+                <a:solidFill>
+                  <a:schemeClr val="tx1"/>
+                </a:solidFill>
+                <a:latin typeface="Arial"/>
+                <a:ea typeface="Arial"/>
+                <a:cs typeface="Arial"/>
+              </a:rPr>
+            </a:br>
+            <a:r>
+              <a:rPr lang="ru-RU" sz="1800" b="0" i="0" u="none" strike="noStrike" cap="none" spc="0">
+                <a:solidFill>
+                  <a:schemeClr val="tx1"/>
+                </a:solidFill>
+                <a:latin typeface="Arial"/>
+                <a:ea typeface="Arial"/>
+                <a:cs typeface="Arial"/>
+              </a:rPr>
+              <a:t>		</a:t>
+            </a:r>
+            <a:br>
+              <a:rPr lang="ru-RU" sz="1800" b="0" i="0" u="none" strike="noStrike" cap="none" spc="0">
+                <a:solidFill>
+                  <a:schemeClr val="tx1"/>
+                </a:solidFill>
+                <a:latin typeface="Arial"/>
+                <a:ea typeface="Arial"/>
+                <a:cs typeface="Arial"/>
+              </a:rPr>
+            </a:br>
+            <a:r>
+              <a:rPr lang="ru-RU" sz="1800" b="0" i="0" u="none" strike="noStrike" cap="none" spc="0">
+                <a:solidFill>
+                  <a:schemeClr val="tx1"/>
+                </a:solidFill>
+                <a:latin typeface="Arial"/>
+                <a:ea typeface="Arial"/>
+                <a:cs typeface="Arial"/>
+              </a:rPr>
+              <a:t>		</a:t>
+            </a:r>
+            <a:br>
+              <a:rPr lang="ru-RU" sz="1800" b="0" i="0" u="none" strike="noStrike" cap="none" spc="0">
+                <a:solidFill>
+                  <a:schemeClr val="tx1"/>
+                </a:solidFill>
+                <a:latin typeface="Arial"/>
+                <a:ea typeface="Arial"/>
+                <a:cs typeface="Arial"/>
+              </a:rPr>
+            </a:br>
+            <a:br>
+              <a:rPr lang="ru-RU" sz="1800" b="0" i="0" u="none" strike="noStrike" cap="none" spc="0">
+                <a:solidFill>
+                  <a:schemeClr val="tx1"/>
+                </a:solidFill>
+                <a:latin typeface="Arial"/>
+                <a:ea typeface="Arial"/>
+                <a:cs typeface="Arial"/>
+              </a:rPr>
+            </a:br>
+            <a:r>
+              <a:rPr lang="ru-RU" sz="1800" b="0" i="0" u="none" strike="noStrike" cap="none" spc="0">
+                <a:solidFill>
+                  <a:schemeClr val="tx1"/>
+                </a:solidFill>
+                <a:latin typeface="Arial"/>
+                <a:ea typeface="Arial"/>
+                <a:cs typeface="Arial"/>
+              </a:rPr>
+              <a:t>Б) </a:t>
+            </a:r>
+            <a:r>
+              <a:rPr lang="ru-RU" sz="1800" b="0" i="0" u="none" strike="noStrike" cap="none" spc="0">
+                <a:solidFill>
+                  <a:schemeClr val="tx1"/>
+                </a:solidFill>
+                <a:latin typeface="Arial"/>
+                <a:ea typeface="Arial"/>
+                <a:cs typeface="Arial"/>
+              </a:rPr>
+              <a:t>Присвоение отдельных значений по индексу:</a:t>
+            </a:r>
+            <a:br>
+              <a:rPr lang="ru-RU" sz="1800" b="0" i="0" u="none" strike="noStrike" cap="none" spc="0">
+                <a:solidFill>
+                  <a:schemeClr val="tx1"/>
+                </a:solidFill>
+                <a:latin typeface="Arial"/>
+                <a:ea typeface="Arial"/>
+                <a:cs typeface="Arial"/>
+              </a:rPr>
+            </a:br>
+            <a:br>
+              <a:rPr lang="ru-RU" sz="1800" b="0" i="0" u="none" strike="noStrike" cap="none" spc="0">
+                <a:solidFill>
+                  <a:schemeClr val="tx1"/>
+                </a:solidFill>
+                <a:latin typeface="Arial"/>
+                <a:ea typeface="Arial"/>
+                <a:cs typeface="Arial"/>
+              </a:rPr>
+            </a:br>
+            <a:r>
+              <a:rPr lang="ru-RU" sz="1800" b="0" i="0" u="none" strike="noStrike" cap="none" spc="0">
+                <a:solidFill>
+                  <a:schemeClr val="tx1"/>
+                </a:solidFill>
+                <a:latin typeface="Arial"/>
+                <a:ea typeface="Arial"/>
+                <a:cs typeface="Arial"/>
+              </a:rPr>
+              <a:t>		array[0]="apple"</a:t>
+            </a:r>
+            <a:br>
+              <a:rPr lang="ru-RU" sz="1800" b="0" i="0" u="none" strike="noStrike" cap="none" spc="0">
+                <a:solidFill>
+                  <a:schemeClr val="tx1"/>
+                </a:solidFill>
+                <a:latin typeface="Arial"/>
+                <a:ea typeface="Arial"/>
+                <a:cs typeface="Arial"/>
+              </a:rPr>
+            </a:br>
+            <a:r>
+              <a:rPr lang="ru-RU" sz="1800" b="0" i="0" u="none" strike="noStrike" cap="none" spc="0">
+                <a:solidFill>
+                  <a:schemeClr val="tx1"/>
+                </a:solidFill>
+                <a:latin typeface="Arial"/>
+                <a:ea typeface="Arial"/>
+                <a:cs typeface="Arial"/>
+              </a:rPr>
+              <a:t>		</a:t>
+            </a:r>
+            <a:r>
+              <a:rPr lang="ru-RU" sz="1800" b="0" i="0" u="none" strike="noStrike" cap="none" spc="0">
+                <a:solidFill>
+                  <a:schemeClr val="tx1"/>
+                </a:solidFill>
+                <a:latin typeface="Arial"/>
+                <a:ea typeface="Arial"/>
+                <a:cs typeface="Arial"/>
+              </a:rPr>
+              <a:t>array[1]="banana"</a:t>
+            </a:r>
+            <a:br>
+              <a:rPr lang="ru-RU" sz="1800" b="0" i="0" u="none" strike="noStrike" cap="none" spc="0">
+                <a:solidFill>
+                  <a:schemeClr val="tx1"/>
+                </a:solidFill>
+                <a:latin typeface="Arial"/>
+                <a:ea typeface="Arial"/>
+                <a:cs typeface="Arial"/>
+              </a:rPr>
+            </a:br>
+            <a:r>
+              <a:rPr lang="ru-RU" sz="1800" b="0" i="0" u="none" strike="noStrike" cap="none" spc="0">
+                <a:solidFill>
+                  <a:schemeClr val="tx1"/>
+                </a:solidFill>
+                <a:latin typeface="Arial"/>
+                <a:ea typeface="Arial"/>
+                <a:cs typeface="Arial"/>
+              </a:rPr>
+              <a:t>		</a:t>
+            </a:r>
+            <a:r>
+              <a:rPr lang="ru-RU" sz="1800" b="0" i="0" u="none" strike="noStrike" cap="none" spc="0">
+                <a:solidFill>
+                  <a:schemeClr val="tx1"/>
+                </a:solidFill>
+                <a:latin typeface="Arial"/>
+                <a:ea typeface="Arial"/>
+                <a:cs typeface="Arial"/>
+              </a:rPr>
+              <a:t>array[2]="cherry"</a:t>
+            </a:r>
+            <a:endParaRPr lang="ru-RU" sz="1800" b="0" i="0" u="none" strike="noStrike" cap="none" spc="0">
+              <a:solidFill>
+                <a:schemeClr val="tx1"/>
+              </a:solidFill>
+              <a:latin typeface="Arial"/>
+              <a:ea typeface="Arial"/>
+              <a:cs typeface="Arial"/>
+            </a:endParaRPr>
+          </a:p>
+          <a:p>
+            <a:pPr marL="283879" marR="0" indent="-283879" algn="l" defTabSz="914400">
+              <a:lnSpc>
+                <a:spcPct val="90000"/>
+              </a:lnSpc>
+              <a:spcBef>
+                <a:spcPts val="999"/>
+              </a:spcBef>
+              <a:spcAft>
+                <a:spcPts val="0"/>
+              </a:spcAft>
+              <a:buFont typeface="Arial"/>
+              <a:buAutoNum type="arabicPeriod" startAt="1"/>
+              <a:defRPr/>
+            </a:pPr>
+            <a:r>
+              <a:rPr lang="ru-RU" sz="1800" b="0" i="0" u="none" strike="noStrike" cap="none" spc="0">
+                <a:solidFill>
+                  <a:schemeClr val="tx1"/>
+                </a:solidFill>
+                <a:latin typeface="Arial"/>
+                <a:ea typeface="Arial"/>
+                <a:cs typeface="Arial"/>
+              </a:rPr>
+              <a:t>Обращение к элементам массива</a:t>
+            </a:r>
+            <a:br>
+              <a:rPr lang="ru-RU" sz="1800" b="0" i="0" u="none" strike="noStrike" cap="none" spc="0">
+                <a:solidFill>
+                  <a:schemeClr val="tx1"/>
+                </a:solidFill>
+                <a:latin typeface="Arial"/>
+                <a:ea typeface="Arial"/>
+                <a:cs typeface="Arial"/>
+              </a:rPr>
+            </a:br>
+            <a:br>
+              <a:rPr lang="ru-RU" sz="1800" b="0" i="0" u="none" strike="noStrike" cap="none" spc="0">
+                <a:solidFill>
+                  <a:schemeClr val="tx1"/>
+                </a:solidFill>
+                <a:latin typeface="Arial"/>
+                <a:ea typeface="Arial"/>
+                <a:cs typeface="Arial"/>
+              </a:rPr>
+            </a:br>
+            <a:r>
+              <a:rPr lang="ru-RU" sz="1800" b="0" i="0" u="none" strike="noStrike" cap="none" spc="0">
+                <a:solidFill>
+                  <a:schemeClr val="tx1"/>
+                </a:solidFill>
+                <a:latin typeface="Arial"/>
+                <a:ea typeface="Arial"/>
+                <a:cs typeface="Arial"/>
+              </a:rPr>
+              <a:t>			${array[N]}</a:t>
+            </a:r>
+            <a:br>
+              <a:rPr lang="ru-RU" sz="1800" b="0" i="0" u="none" strike="noStrike" cap="none" spc="0">
+                <a:solidFill>
+                  <a:schemeClr val="tx1"/>
+                </a:solidFill>
+                <a:latin typeface="Arial"/>
+                <a:ea typeface="Arial"/>
+                <a:cs typeface="Arial"/>
+              </a:rPr>
+            </a:br>
+            <a:br>
+              <a:rPr lang="ru-RU" sz="1800" b="0" i="0" u="none" strike="noStrike" cap="none" spc="0">
+                <a:solidFill>
+                  <a:schemeClr val="tx1"/>
+                </a:solidFill>
+                <a:latin typeface="Arial"/>
+                <a:ea typeface="Arial"/>
+                <a:cs typeface="Arial"/>
+              </a:rPr>
+            </a:br>
+            <a:r>
+              <a:rPr lang="ru-RU" sz="1800" b="0" i="0" u="none" strike="noStrike" cap="none" spc="0">
+                <a:solidFill>
+                  <a:schemeClr val="tx1"/>
+                </a:solidFill>
+                <a:latin typeface="Arial"/>
+                <a:ea typeface="Arial"/>
+                <a:cs typeface="Arial"/>
+              </a:rPr>
+              <a:t>  			</a:t>
+            </a:r>
+            <a:r>
+              <a:rPr lang="ru-RU" sz="1800" b="0" i="0" u="none" strike="noStrike" cap="none" spc="0">
+                <a:solidFill>
+                  <a:schemeClr val="tx1"/>
+                </a:solidFill>
+                <a:latin typeface="Arial"/>
+                <a:ea typeface="Arial"/>
+                <a:cs typeface="Arial"/>
+              </a:rPr>
+              <a:t>echo ${array[1]}		# Выведет "banana"</a:t>
+            </a:r>
+            <a:br>
+              <a:rPr lang="ru-RU" sz="1800" b="0" i="0" u="none" strike="noStrike" cap="none" spc="0">
+                <a:solidFill>
+                  <a:schemeClr val="tx1"/>
+                </a:solidFill>
+                <a:latin typeface="Arial"/>
+                <a:ea typeface="Arial"/>
+                <a:cs typeface="Arial"/>
+              </a:rPr>
+            </a:br>
+            <a:br>
+              <a:rPr lang="ru-RU" sz="1800" b="0" i="0" u="none" strike="noStrike" cap="none" spc="0">
+                <a:solidFill>
+                  <a:schemeClr val="tx1"/>
+                </a:solidFill>
+                <a:latin typeface="Arial"/>
+                <a:ea typeface="Arial"/>
+                <a:cs typeface="Arial"/>
+              </a:rPr>
+            </a:br>
+            <a:r>
+              <a:rPr lang="ru-RU" sz="1800" b="0" i="0" u="none" strike="noStrike" cap="none" spc="0">
+                <a:solidFill>
+                  <a:schemeClr val="tx1"/>
+                </a:solidFill>
+                <a:latin typeface="Arial"/>
+                <a:ea typeface="Arial"/>
+                <a:cs typeface="Arial"/>
+              </a:rPr>
+              <a:t>Для получения всех элементов массива можно использовать @:</a:t>
+            </a:r>
+            <a:br>
+              <a:rPr lang="ru-RU" sz="1800" b="0" i="0" u="none" strike="noStrike" cap="none" spc="0">
+                <a:solidFill>
+                  <a:schemeClr val="tx1"/>
+                </a:solidFill>
+                <a:latin typeface="Arial"/>
+                <a:ea typeface="Arial"/>
+                <a:cs typeface="Arial"/>
+              </a:rPr>
+            </a:br>
+            <a:br>
+              <a:rPr lang="ru-RU" sz="1800" b="0" i="0" u="none" strike="noStrike" cap="none" spc="0">
+                <a:solidFill>
+                  <a:schemeClr val="tx1"/>
+                </a:solidFill>
+                <a:latin typeface="Arial"/>
+                <a:ea typeface="Arial"/>
+                <a:cs typeface="Arial"/>
+              </a:rPr>
+            </a:br>
+            <a:r>
+              <a:rPr lang="ru-RU" sz="1800" b="0" i="0" u="none" strike="noStrike" cap="none" spc="0">
+                <a:solidFill>
+                  <a:schemeClr val="tx1"/>
+                </a:solidFill>
+                <a:latin typeface="Arial"/>
+                <a:ea typeface="Arial"/>
+                <a:cs typeface="Arial"/>
+              </a:rPr>
+              <a:t>			</a:t>
+            </a:r>
+            <a:r>
+              <a:rPr lang="ru-RU" sz="1800" b="0" i="0" u="none" strike="noStrike" cap="none" spc="0">
+                <a:solidFill>
+                  <a:schemeClr val="tx1"/>
+                </a:solidFill>
+                <a:latin typeface="Arial"/>
+                <a:ea typeface="Arial"/>
+                <a:cs typeface="Arial"/>
+              </a:rPr>
+              <a:t>echo ${array[@]}  	# Выведет все элементы массива</a:t>
+            </a:r>
+            <a:endParaRPr sz="1800" b="0" i="0" u="none" strike="noStrike" cap="none" spc="0">
+              <a:solidFill>
+                <a:schemeClr val="tx1"/>
+              </a:solidFill>
+              <a:latin typeface="Arial"/>
+              <a:cs typeface="Arial"/>
+            </a:endParaRPr>
+          </a:p>
+        </p:txBody>
+      </p:sp>
+    </p:spTree>
+  </p:cSld>
+  <p:clrMapOvr>
+    <a:masterClrMapping/>
+  </p:clrMapOvr>
+  <mc:AlternateContent xmlns:mc="http://schemas.openxmlformats.org/markup-compatibility/2006">
+    <mc:Choice xmlns:p159="http://schemas.microsoft.com/office/powerpoint/2015/09/main" xmlns:p14="http://schemas.microsoft.com/office/powerpoint/2010/main" Requires="p159">
+      <p:transition p14:dur="2000" advClick="1"/>
+    </mc:Choice>
+    <mc:Fallback>
+      <p:transition advClick="1"/>
+    </mc:Fallback>
+  </mc:AlternateContent>
+</p:sld>
+</file>
+
+<file path=ppt/slides/slide12.xml><?xml version="1.0" encoding="utf-8"?>
+<p:sld xmlns:a="http://schemas.openxmlformats.org/drawingml/2006/main" xmlns:r="http://schemas.openxmlformats.org/officeDocument/2006/relationships" xmlns:p="http://schemas.openxmlformats.org/presentationml/2006/main" xmlns:m="http://schemas.openxmlformats.org/officeDocument/2006/math" xmlns:w="http://schemas.openxmlformats.org/wordprocessingml/2006/main" xmlns:mc="http://schemas.openxmlformats.org/markup-compatibility/2006" showMasterPhAnim="0" showMasterSp="1" show="1">
+  <p:cSld name="">
+    <p:spTree>
+      <p:nvGrpSpPr>
+        <p:cNvPr id="1" name=""/>
+        <p:cNvGrpSpPr/>
+        <p:nvPr/>
+      </p:nvGrpSpPr>
+      <p:grpSpPr bwMode="auto">
+        <a:xfrm>
+          <a:off x="0" y="0"/>
+          <a:ext cx="0" cy="0"/>
+          <a:chOff x="0" y="0"/>
+          <a:chExt cx="0" cy="0"/>
+        </a:xfrm>
+      </p:grpSpPr>
+      <p:sp>
+        <p:nvSpPr>
+          <p:cNvPr id="320086941" name="Title 1"/>
+          <p:cNvSpPr>
+            <a:spLocks noGrp="1"/>
+          </p:cNvSpPr>
+          <p:nvPr>
+            <p:ph type="title"/>
+          </p:nvPr>
+        </p:nvSpPr>
+        <p:spPr bwMode="auto">
+          <a:xfrm flipH="0" flipV="0">
+            <a:off x="838197" y="365121"/>
+            <a:ext cx="10515600" cy="616833"/>
+          </a:xfrm>
+        </p:spPr>
+        <p:txBody>
+          <a:bodyPr vertOverflow="overflow" horzOverflow="overflow" vert="horz" wrap="square" lIns="91440" tIns="45720" rIns="91440" bIns="45720" numCol="1" spcCol="0" rtlCol="0" fromWordArt="0" anchor="ctr" anchorCtr="0" forceAA="0" upright="0" compatLnSpc="0">
+            <a:normAutofit/>
+          </a:bodyPr>
+          <a:lstStyle/>
+          <a:p>
+            <a:pPr>
+              <a:defRPr/>
+            </a:pPr>
+            <a:r>
+              <a:rPr sz="2400"/>
+              <a:t>Скрипты: массивы</a:t>
+            </a:r>
+            <a:endParaRPr sz="2400"/>
+          </a:p>
+        </p:txBody>
+      </p:sp>
+      <p:sp>
+        <p:nvSpPr>
+          <p:cNvPr id="380837529" name="Content Placeholder 2"/>
+          <p:cNvSpPr>
+            <a:spLocks noGrp="1"/>
+          </p:cNvSpPr>
+          <p:nvPr>
+            <p:ph idx="1"/>
+          </p:nvPr>
+        </p:nvSpPr>
+        <p:spPr bwMode="auto">
+          <a:xfrm flipH="0" flipV="0">
+            <a:off x="769459" y="1109610"/>
+            <a:ext cx="10515600" cy="5371309"/>
+          </a:xfrm>
+        </p:spPr>
+        <p:txBody>
+          <a:bodyPr vertOverflow="overflow" horzOverflow="overflow" vert="horz" wrap="square" lIns="91440" tIns="45720" rIns="91440" bIns="45720" numCol="1" spcCol="0" rtlCol="0" fromWordArt="0" anchor="t" anchorCtr="0" forceAA="0" upright="0" compatLnSpc="0">
+            <a:normAutofit/>
+          </a:bodyPr>
+          <a:lstStyle/>
+          <a:p>
+            <a:pPr marL="283879" marR="0" indent="-283879" algn="l" defTabSz="914400">
+              <a:lnSpc>
+                <a:spcPct val="90000"/>
+              </a:lnSpc>
+              <a:spcBef>
+                <a:spcPts val="999"/>
+              </a:spcBef>
+              <a:spcAft>
+                <a:spcPts val="0"/>
+              </a:spcAft>
+              <a:buFont typeface="Arial"/>
+              <a:buAutoNum type="arabicPeriod" startAt="3"/>
+              <a:defRPr/>
+            </a:pPr>
+            <a:r>
+              <a:rPr lang="ru-RU" sz="1800" b="0" i="0" u="none" strike="noStrike" cap="none" spc="0">
+                <a:solidFill>
+                  <a:schemeClr val="tx1"/>
+                </a:solidFill>
+                <a:latin typeface="Arial"/>
+                <a:ea typeface="Arial"/>
+                <a:cs typeface="Arial"/>
+              </a:rPr>
+              <a:t>Длина массива</a:t>
+            </a:r>
+            <a:r>
+              <a:rPr lang="ru-RU" sz="1800" b="0" i="0" u="none" strike="noStrike" cap="none" spc="0">
+                <a:solidFill>
+                  <a:schemeClr val="tx1"/>
+                </a:solidFill>
+                <a:latin typeface="Arial"/>
+                <a:ea typeface="Arial"/>
+                <a:cs typeface="Arial"/>
+              </a:rPr>
+              <a:t>: </a:t>
+            </a:r>
+            <a:r>
+              <a:rPr lang="ru-RU" sz="1800" b="0" i="0" u="none" strike="noStrike" cap="none" spc="0">
+                <a:solidFill>
+                  <a:schemeClr val="tx1"/>
+                </a:solidFill>
+                <a:latin typeface="Arial"/>
+                <a:ea typeface="Arial"/>
+                <a:cs typeface="Arial"/>
+              </a:rPr>
+              <a:t>#array[@]</a:t>
+            </a:r>
+            <a:br>
+              <a:rPr lang="ru-RU" sz="1800" b="0" i="0" u="none" strike="noStrike" cap="none" spc="0">
+                <a:solidFill>
+                  <a:schemeClr val="tx1"/>
+                </a:solidFill>
+                <a:latin typeface="Arial"/>
+                <a:ea typeface="Arial"/>
+                <a:cs typeface="Arial"/>
+              </a:rPr>
+            </a:br>
+            <a:br>
+              <a:rPr lang="ru-RU" sz="1800" b="0" i="0" u="none" strike="noStrike" cap="none" spc="0">
+                <a:solidFill>
+                  <a:schemeClr val="tx1"/>
+                </a:solidFill>
+                <a:latin typeface="Arial"/>
+                <a:ea typeface="Arial"/>
+                <a:cs typeface="Arial"/>
+              </a:rPr>
+            </a:br>
+            <a:r>
+              <a:rPr lang="ru-RU" sz="1800" b="0" i="0" u="none" strike="noStrike" cap="none" spc="0">
+                <a:solidFill>
+                  <a:schemeClr val="tx1"/>
+                </a:solidFill>
+                <a:latin typeface="Arial"/>
+                <a:ea typeface="Arial"/>
+                <a:cs typeface="Arial"/>
+              </a:rPr>
+              <a:t>			echo ${#array[@]}</a:t>
+            </a:r>
+            <a:endParaRPr lang="ru-RU" sz="1800" b="0" i="0" u="none" strike="noStrike" cap="none" spc="0">
+              <a:solidFill>
+                <a:schemeClr val="tx1"/>
+              </a:solidFill>
+              <a:latin typeface="Arial"/>
+              <a:ea typeface="Arial"/>
+              <a:cs typeface="Arial"/>
+            </a:endParaRPr>
+          </a:p>
+          <a:p>
+            <a:pPr marL="283879" marR="0" indent="-283879" algn="l" defTabSz="914400">
+              <a:lnSpc>
+                <a:spcPct val="90000"/>
+              </a:lnSpc>
+              <a:spcBef>
+                <a:spcPts val="999"/>
+              </a:spcBef>
+              <a:spcAft>
+                <a:spcPts val="0"/>
+              </a:spcAft>
+              <a:buFont typeface="Arial"/>
+              <a:buAutoNum type="arabicPeriod" startAt="3"/>
+              <a:defRPr/>
+            </a:pPr>
+            <a:r>
+              <a:rPr lang="ru-RU" sz="1800" b="0" i="0" u="none" strike="noStrike" cap="none" spc="0">
+                <a:solidFill>
+                  <a:schemeClr val="tx1"/>
+                </a:solidFill>
+                <a:latin typeface="Arial"/>
+                <a:ea typeface="Arial"/>
+                <a:cs typeface="Arial"/>
+              </a:rPr>
+              <a:t>Перебор массива</a:t>
+            </a:r>
+            <a:br>
+              <a:rPr lang="ru-RU" sz="1800" b="0" i="0" u="none" strike="noStrike" cap="none" spc="0">
+                <a:solidFill>
+                  <a:schemeClr val="tx1"/>
+                </a:solidFill>
+                <a:latin typeface="Arial"/>
+                <a:ea typeface="Arial"/>
+                <a:cs typeface="Arial"/>
+              </a:rPr>
+            </a:br>
+            <a:br>
+              <a:rPr lang="ru-RU" sz="1800" b="0" i="0" u="none" strike="noStrike" cap="none" spc="0">
+                <a:solidFill>
+                  <a:schemeClr val="tx1"/>
+                </a:solidFill>
+                <a:latin typeface="Arial"/>
+                <a:ea typeface="Arial"/>
+                <a:cs typeface="Arial"/>
+              </a:rPr>
+            </a:br>
+            <a:r>
+              <a:rPr lang="ru-RU" sz="1800" b="0" i="0" u="none" strike="noStrike" cap="none" spc="0">
+                <a:solidFill>
+                  <a:schemeClr val="tx1"/>
+                </a:solidFill>
+                <a:latin typeface="Arial"/>
+                <a:ea typeface="Arial"/>
+                <a:cs typeface="Arial"/>
+              </a:rPr>
+              <a:t>			</a:t>
+            </a:r>
+            <a:r>
+              <a:rPr lang="ru-RU" sz="1800" b="0" i="0" u="none" strike="noStrike" cap="none" spc="0">
+                <a:solidFill>
+                  <a:schemeClr val="tx1"/>
+                </a:solidFill>
+                <a:latin typeface="Arial"/>
+                <a:ea typeface="Arial"/>
+                <a:cs typeface="Arial"/>
+              </a:rPr>
+              <a:t>for fruit in "${fruits[@]}"; do</a:t>
+            </a:r>
+            <a:br>
+              <a:rPr lang="ru-RU" sz="1800" b="0" i="0" u="none" strike="noStrike" cap="none" spc="0">
+                <a:solidFill>
+                  <a:schemeClr val="tx1"/>
+                </a:solidFill>
+                <a:latin typeface="Arial"/>
+                <a:ea typeface="Arial"/>
+                <a:cs typeface="Arial"/>
+              </a:rPr>
+            </a:br>
+            <a:br>
+              <a:rPr lang="ru-RU" sz="1800" b="0" i="0" u="none" strike="noStrike" cap="none" spc="0">
+                <a:solidFill>
+                  <a:schemeClr val="tx1"/>
+                </a:solidFill>
+                <a:latin typeface="Arial"/>
+                <a:ea typeface="Arial"/>
+                <a:cs typeface="Arial"/>
+              </a:rPr>
+            </a:br>
+            <a:r>
+              <a:rPr lang="ru-RU" sz="1800" b="0" i="0" u="none" strike="noStrike" cap="none" spc="0">
+                <a:solidFill>
+                  <a:schemeClr val="tx1"/>
+                </a:solidFill>
+                <a:latin typeface="Arial"/>
+                <a:ea typeface="Arial"/>
+                <a:cs typeface="Arial"/>
+              </a:rPr>
+              <a:t>  			</a:t>
+            </a:r>
+            <a:r>
+              <a:rPr lang="ru-RU" sz="1800" b="0" i="0" u="none" strike="noStrike" cap="none" spc="0">
+                <a:solidFill>
+                  <a:schemeClr val="tx1"/>
+                </a:solidFill>
+                <a:latin typeface="Arial"/>
+                <a:ea typeface="Arial"/>
+                <a:cs typeface="Arial"/>
+              </a:rPr>
+              <a:t>	echo $fruit</a:t>
+            </a:r>
+            <a:br>
+              <a:rPr lang="ru-RU" sz="1800" b="0" i="0" u="none" strike="noStrike" cap="none" spc="0">
+                <a:solidFill>
+                  <a:schemeClr val="tx1"/>
+                </a:solidFill>
+                <a:latin typeface="Arial"/>
+                <a:ea typeface="Arial"/>
+                <a:cs typeface="Arial"/>
+              </a:rPr>
+            </a:br>
+            <a:r>
+              <a:rPr lang="ru-RU" sz="1800" b="0" i="0" u="none" strike="noStrike" cap="none" spc="0">
+                <a:solidFill>
+                  <a:schemeClr val="tx1"/>
+                </a:solidFill>
+                <a:latin typeface="Arial"/>
+                <a:ea typeface="Arial"/>
+                <a:cs typeface="Arial"/>
+              </a:rPr>
+              <a:t>			</a:t>
+            </a:r>
+            <a:r>
+              <a:rPr lang="ru-RU" sz="1800" b="0" i="0" u="none" strike="noStrike" cap="none" spc="0">
+                <a:solidFill>
+                  <a:schemeClr val="tx1"/>
+                </a:solidFill>
+                <a:latin typeface="Arial"/>
+                <a:ea typeface="Arial"/>
+                <a:cs typeface="Arial"/>
+              </a:rPr>
+              <a:t>done</a:t>
+            </a:r>
+            <a:endParaRPr lang="ru-RU" sz="1800" b="0" i="0" u="none" strike="noStrike" cap="none" spc="0">
+              <a:solidFill>
+                <a:schemeClr val="tx1"/>
+              </a:solidFill>
+              <a:latin typeface="Arial"/>
+              <a:ea typeface="Arial"/>
+              <a:cs typeface="Arial"/>
+            </a:endParaRPr>
+          </a:p>
+          <a:p>
+            <a:pPr marL="283879" marR="0" indent="-283879" algn="l" defTabSz="914400">
+              <a:lnSpc>
+                <a:spcPct val="90000"/>
+              </a:lnSpc>
+              <a:spcBef>
+                <a:spcPts val="999"/>
+              </a:spcBef>
+              <a:spcAft>
+                <a:spcPts val="0"/>
+              </a:spcAft>
+              <a:buFont typeface="Arial"/>
+              <a:buAutoNum type="arabicPeriod" startAt="3"/>
+              <a:defRPr/>
+            </a:pPr>
+            <a:r>
+              <a:rPr lang="ru-RU" sz="1800" b="0" i="0" u="none" strike="noStrike" cap="none" spc="0">
+                <a:solidFill>
+                  <a:schemeClr val="tx1"/>
+                </a:solidFill>
+                <a:latin typeface="Arial"/>
+                <a:ea typeface="Arial"/>
+                <a:cs typeface="Arial"/>
+              </a:rPr>
+              <a:t>Удаление элемента массива:</a:t>
+            </a:r>
+            <a:br>
+              <a:rPr lang="ru-RU" sz="1800" b="0" i="0" u="none" strike="noStrike" cap="none" spc="0">
+                <a:solidFill>
+                  <a:schemeClr val="tx1"/>
+                </a:solidFill>
+                <a:latin typeface="Arial"/>
+                <a:ea typeface="Arial"/>
+                <a:cs typeface="Arial"/>
+              </a:rPr>
+            </a:br>
+            <a:r>
+              <a:rPr lang="ru-RU" sz="1800" b="0" i="0" u="none" strike="noStrike" cap="none" spc="0">
+                <a:solidFill>
+                  <a:schemeClr val="tx1"/>
+                </a:solidFill>
+                <a:latin typeface="Arial"/>
+                <a:ea typeface="Arial"/>
+                <a:cs typeface="Arial"/>
+              </a:rPr>
+              <a:t>		</a:t>
+            </a:r>
+            <a:br>
+              <a:rPr lang="ru-RU" sz="1800" b="0" i="0" u="none" strike="noStrike" cap="none" spc="0">
+                <a:solidFill>
+                  <a:schemeClr val="tx1"/>
+                </a:solidFill>
+                <a:latin typeface="Arial"/>
+                <a:ea typeface="Arial"/>
+                <a:cs typeface="Arial"/>
+              </a:rPr>
+            </a:br>
+            <a:r>
+              <a:rPr lang="ru-RU" sz="1800" b="0" i="0" u="none" strike="noStrike" cap="none" spc="0">
+                <a:solidFill>
+                  <a:schemeClr val="tx1"/>
+                </a:solidFill>
+                <a:latin typeface="Arial"/>
+                <a:ea typeface="Arial"/>
+                <a:cs typeface="Arial"/>
+              </a:rPr>
+              <a:t>			</a:t>
+            </a:r>
+            <a:r>
+              <a:rPr lang="ru-RU" sz="1800" b="0" i="0" u="none" strike="noStrike" cap="none" spc="0">
+                <a:solidFill>
+                  <a:schemeClr val="tx1"/>
+                </a:solidFill>
+                <a:latin typeface="Arial"/>
+                <a:ea typeface="Arial"/>
+                <a:cs typeface="Arial"/>
+              </a:rPr>
+              <a:t>unset array[N]	# </a:t>
+            </a:r>
+            <a:r>
+              <a:rPr lang="ru-RU" sz="1800" b="0" i="0" u="none" strike="noStrike" cap="none" spc="0">
+                <a:solidFill>
+                  <a:schemeClr val="tx1"/>
+                </a:solidFill>
+                <a:latin typeface="Arial"/>
+                <a:ea typeface="Arial"/>
+                <a:cs typeface="Arial"/>
+              </a:rPr>
+              <a:t>Удаляет элемент с индексом N</a:t>
+            </a:r>
+            <a:br>
+              <a:rPr lang="ru-RU" sz="1800" b="0" i="0" u="none" strike="noStrike" cap="none" spc="0">
+                <a:solidFill>
+                  <a:schemeClr val="tx1"/>
+                </a:solidFill>
+                <a:latin typeface="Arial"/>
+                <a:ea typeface="Arial"/>
+                <a:cs typeface="Arial"/>
+              </a:rPr>
+            </a:br>
+            <a:br>
+              <a:rPr lang="ru-RU" sz="1800" b="0" i="0" u="none" strike="noStrike" cap="none" spc="0">
+                <a:solidFill>
+                  <a:schemeClr val="tx1"/>
+                </a:solidFill>
+                <a:latin typeface="Arial"/>
+                <a:ea typeface="Arial"/>
+                <a:cs typeface="Arial"/>
+              </a:rPr>
+            </a:br>
+            <a:r>
+              <a:rPr lang="ru-RU" sz="1800" b="0" i="0" u="none" strike="noStrike" cap="none" spc="0">
+                <a:solidFill>
+                  <a:schemeClr val="tx1"/>
+                </a:solidFill>
+                <a:latin typeface="Arial"/>
+                <a:ea typeface="Arial"/>
+                <a:cs typeface="Arial"/>
+              </a:rPr>
+              <a:t>Удаление не сдвигает индексы!</a:t>
+            </a:r>
+            <a:br>
+              <a:rPr lang="ru-RU" sz="1800" b="0" i="0" u="none" strike="noStrike" cap="none" spc="0">
+                <a:solidFill>
+                  <a:schemeClr val="tx1"/>
+                </a:solidFill>
+                <a:latin typeface="Arial"/>
+                <a:ea typeface="Arial"/>
+                <a:cs typeface="Arial"/>
+              </a:rPr>
+            </a:br>
+            <a:br>
+              <a:rPr lang="ru-RU" sz="1800" b="0" i="0" u="none" strike="noStrike" cap="none" spc="0">
+                <a:solidFill>
+                  <a:schemeClr val="tx1"/>
+                </a:solidFill>
+                <a:latin typeface="Arial"/>
+                <a:ea typeface="Arial"/>
+                <a:cs typeface="Arial"/>
+              </a:rPr>
+            </a:br>
+            <a:r>
+              <a:rPr lang="ru-RU" sz="1800" b="0" i="0" u="none" strike="noStrike" cap="none" spc="0">
+                <a:solidFill>
+                  <a:schemeClr val="tx1"/>
+                </a:solidFill>
+                <a:latin typeface="Arial"/>
+                <a:ea typeface="Arial"/>
+                <a:cs typeface="Arial"/>
+              </a:rPr>
+              <a:t>			</a:t>
+            </a:r>
+            <a:r>
+              <a:rPr lang="ru-RU" sz="1800" b="0" i="0" u="none" strike="noStrike" cap="none" spc="0">
+                <a:solidFill>
+                  <a:schemeClr val="tx1"/>
+                </a:solidFill>
+                <a:latin typeface="Arial"/>
+                <a:ea typeface="Arial"/>
+                <a:cs typeface="Arial"/>
+              </a:rPr>
+              <a:t>array=(значение1   значение2   значение3)</a:t>
+            </a:r>
+            <a:br>
+              <a:rPr lang="ru-RU" sz="1800" b="0" i="0" u="none" strike="noStrike" cap="none" spc="0">
+                <a:solidFill>
+                  <a:schemeClr val="tx1"/>
+                </a:solidFill>
+                <a:latin typeface="Arial"/>
+                <a:ea typeface="Arial"/>
+                <a:cs typeface="Arial"/>
+              </a:rPr>
+            </a:br>
+            <a:r>
+              <a:rPr lang="ru-RU" sz="1800" b="0" i="0" u="none" strike="noStrike" cap="none" spc="0">
+                <a:solidFill>
+                  <a:schemeClr val="tx1"/>
+                </a:solidFill>
+                <a:latin typeface="Arial"/>
+                <a:ea typeface="Arial"/>
+                <a:cs typeface="Arial"/>
+              </a:rPr>
+              <a:t>			</a:t>
+            </a:r>
+            <a:r>
+              <a:rPr lang="ru-RU" sz="1800" b="0" i="0" u="none" strike="noStrike" cap="none" spc="0">
+                <a:solidFill>
+                  <a:schemeClr val="tx1"/>
+                </a:solidFill>
+                <a:latin typeface="Arial"/>
+                <a:ea typeface="Arial"/>
+                <a:cs typeface="Arial"/>
+              </a:rPr>
+              <a:t>unset array[1]</a:t>
+            </a:r>
+            <a:br>
+              <a:rPr lang="ru-RU" sz="1800" b="0" i="0" u="none" strike="noStrike" cap="none" spc="0">
+                <a:solidFill>
+                  <a:schemeClr val="tx1"/>
+                </a:solidFill>
+                <a:latin typeface="Arial"/>
+                <a:ea typeface="Arial"/>
+                <a:cs typeface="Arial"/>
+              </a:rPr>
+            </a:br>
+            <a:br>
+              <a:rPr lang="ru-RU" sz="1800" b="0" i="0" u="none" strike="noStrike" cap="none" spc="0">
+                <a:solidFill>
+                  <a:schemeClr val="tx1"/>
+                </a:solidFill>
+                <a:latin typeface="Arial"/>
+                <a:ea typeface="Arial"/>
+                <a:cs typeface="Arial"/>
+              </a:rPr>
+            </a:br>
+            <a:r>
+              <a:rPr lang="ru-RU" sz="1800" b="0" i="0" u="none" strike="noStrike" cap="none" spc="0">
+                <a:solidFill>
+                  <a:schemeClr val="tx1"/>
+                </a:solidFill>
+                <a:latin typeface="Arial"/>
+                <a:ea typeface="Arial"/>
+                <a:cs typeface="Arial"/>
+              </a:rPr>
+              <a:t>			</a:t>
+            </a:r>
+            <a:r>
+              <a:rPr lang="ru-RU" sz="1800" b="0" i="0" u="none" strike="noStrike" cap="none" spc="0">
+                <a:solidFill>
+                  <a:schemeClr val="tx1"/>
+                </a:solidFill>
+                <a:latin typeface="Arial"/>
+                <a:ea typeface="Arial"/>
+                <a:cs typeface="Arial"/>
+              </a:rPr>
+              <a:t>array[1] теперь не определён (так как его значение удалено)</a:t>
+            </a:r>
+            <a:endParaRPr sz="1800" b="0" i="0" u="none" strike="noStrike" cap="none" spc="0">
+              <a:solidFill>
+                <a:schemeClr val="tx1"/>
+              </a:solidFill>
+              <a:latin typeface="Arial"/>
+              <a:cs typeface="Arial"/>
+            </a:endParaRPr>
+          </a:p>
+        </p:txBody>
+      </p:sp>
+    </p:spTree>
+  </p:cSld>
+  <p:clrMapOvr>
+    <a:masterClrMapping/>
+  </p:clrMapOvr>
+  <mc:AlternateContent xmlns:mc="http://schemas.openxmlformats.org/markup-compatibility/2006">
+    <mc:Choice xmlns:p159="http://schemas.microsoft.com/office/powerpoint/2015/09/main" xmlns:p14="http://schemas.microsoft.com/office/powerpoint/2010/main" Requires="p159">
+      <p:transition p14:dur="2000" advClick="1"/>
+    </mc:Choice>
+    <mc:Fallback>
+      <p:transition advClick="1"/>
+    </mc:Fallback>
+  </mc:AlternateContent>
+</p:sld>
+</file>
+
+<file path=ppt/slides/slide13.xml><?xml version="1.0" encoding="utf-8"?>
+<p:sld xmlns:a="http://schemas.openxmlformats.org/drawingml/2006/main" xmlns:r="http://schemas.openxmlformats.org/officeDocument/2006/relationships" xmlns:p="http://schemas.openxmlformats.org/presentationml/2006/main" xmlns:m="http://schemas.openxmlformats.org/officeDocument/2006/math" xmlns:w="http://schemas.openxmlformats.org/wordprocessingml/2006/main" xmlns:mc="http://schemas.openxmlformats.org/markup-compatibility/2006" showMasterPhAnim="0" showMasterSp="1" show="1">
+  <p:cSld name="">
+    <p:spTree>
+      <p:nvGrpSpPr>
+        <p:cNvPr id="1" name=""/>
+        <p:cNvGrpSpPr/>
+        <p:nvPr/>
+      </p:nvGrpSpPr>
+      <p:grpSpPr bwMode="auto">
+        <a:xfrm>
+          <a:off x="0" y="0"/>
+          <a:ext cx="0" cy="0"/>
+          <a:chOff x="0" y="0"/>
+          <a:chExt cx="0" cy="0"/>
+        </a:xfrm>
+      </p:grpSpPr>
+      <p:sp>
+        <p:nvSpPr>
+          <p:cNvPr id="2120381469" name="Title 1"/>
+          <p:cNvSpPr>
+            <a:spLocks noGrp="1"/>
+          </p:cNvSpPr>
+          <p:nvPr>
+            <p:ph type="title"/>
+          </p:nvPr>
+        </p:nvSpPr>
+        <p:spPr bwMode="auto">
+          <a:xfrm flipH="0" flipV="0">
+            <a:off x="838197" y="365121"/>
+            <a:ext cx="10515600" cy="616833"/>
+          </a:xfrm>
+        </p:spPr>
+        <p:txBody>
+          <a:bodyPr vertOverflow="overflow" horzOverflow="overflow" vert="horz" wrap="square" lIns="91440" tIns="45720" rIns="91440" bIns="45720" numCol="1" spcCol="0" rtlCol="0" fromWordArt="0" anchor="ctr" anchorCtr="0" forceAA="0" upright="0" compatLnSpc="0">
+            <a:normAutofit/>
+          </a:bodyPr>
+          <a:lstStyle/>
+          <a:p>
+            <a:pPr>
+              <a:defRPr/>
+            </a:pPr>
+            <a:r>
+              <a:rPr sz="2400"/>
+              <a:t>Скрипты: массивы</a:t>
+            </a:r>
+            <a:endParaRPr sz="2400"/>
+          </a:p>
+        </p:txBody>
+      </p:sp>
+      <p:sp>
+        <p:nvSpPr>
+          <p:cNvPr id="1235353226" name="Content Placeholder 2"/>
+          <p:cNvSpPr>
+            <a:spLocks noGrp="1"/>
+          </p:cNvSpPr>
+          <p:nvPr>
+            <p:ph idx="1"/>
+          </p:nvPr>
+        </p:nvSpPr>
+        <p:spPr bwMode="auto">
+          <a:xfrm flipH="0" flipV="0">
+            <a:off x="769459" y="1109610"/>
+            <a:ext cx="10515600" cy="5371309"/>
+          </a:xfrm>
+        </p:spPr>
+        <p:txBody>
+          <a:bodyPr vertOverflow="overflow" horzOverflow="overflow" vert="horz" wrap="square" lIns="91440" tIns="45720" rIns="91440" bIns="45720" numCol="2" spcCol="0" rtlCol="0" fromWordArt="0" anchor="t" anchorCtr="0" forceAA="0" upright="0" compatLnSpc="0">
+            <a:normAutofit/>
+          </a:bodyPr>
+          <a:lstStyle/>
+          <a:p>
+            <a:pPr marL="0" indent="0">
+              <a:buFont typeface="Arial"/>
+              <a:buNone/>
+              <a:defRPr/>
+            </a:pPr>
+            <a:r>
+              <a:rPr lang="ru-RU" sz="1800" b="0" i="0" u="none" strike="noStrike" cap="none" spc="0">
+                <a:solidFill>
+                  <a:schemeClr val="tx1"/>
+                </a:solidFill>
+                <a:latin typeface="Arial"/>
+                <a:ea typeface="Arial"/>
+                <a:cs typeface="Arial"/>
+              </a:rPr>
+              <a:t>#!/bin/bash</a:t>
+            </a:r>
+            <a:endParaRPr lang="ru-RU" sz="2800" b="0" i="0" u="none" strike="noStrike" cap="none" spc="0">
+              <a:solidFill>
+                <a:schemeClr val="tx1"/>
+              </a:solidFill>
+              <a:latin typeface="Arial"/>
+              <a:cs typeface="Arial"/>
+            </a:endParaRPr>
+          </a:p>
+          <a:p>
+            <a:pPr marL="0" indent="0">
+              <a:buFont typeface="Arial"/>
+              <a:buNone/>
+              <a:defRPr/>
+            </a:pPr>
+            <a:r>
+              <a:rPr lang="ru-RU" sz="1800" b="0" i="0" u="none" strike="noStrike" cap="none" spc="0">
+                <a:solidFill>
+                  <a:schemeClr val="tx1"/>
+                </a:solidFill>
+                <a:latin typeface="Arial"/>
+                <a:ea typeface="Arial"/>
+                <a:cs typeface="Arial"/>
+              </a:rPr>
+              <a:t>names=("Alice" "Bob" "Charlie")</a:t>
+            </a:r>
+            <a:br>
+              <a:rPr lang="ru-RU" sz="1800" b="0" i="0" u="none" strike="noStrike" cap="none" spc="0">
+                <a:solidFill>
+                  <a:schemeClr val="tx1"/>
+                </a:solidFill>
+                <a:latin typeface="Arial"/>
+                <a:ea typeface="Arial"/>
+                <a:cs typeface="Arial"/>
+              </a:rPr>
+            </a:br>
+            <a:endParaRPr lang="ru-RU" sz="2800" b="0" i="0" u="none" strike="noStrike" cap="none" spc="0">
+              <a:solidFill>
+                <a:schemeClr val="tx1"/>
+              </a:solidFill>
+              <a:latin typeface="Arial"/>
+              <a:cs typeface="Arial"/>
+            </a:endParaRPr>
+          </a:p>
+          <a:p>
+            <a:pPr marL="0" indent="0">
+              <a:buFont typeface="Arial"/>
+              <a:buNone/>
+              <a:defRPr/>
+            </a:pPr>
+            <a:r>
+              <a:rPr lang="ru-RU" sz="1800" b="0" i="0" u="none" strike="noStrike" cap="none" spc="0">
+                <a:solidFill>
+                  <a:schemeClr val="tx1"/>
+                </a:solidFill>
+                <a:latin typeface="Arial"/>
+                <a:ea typeface="Arial"/>
+                <a:cs typeface="Arial"/>
+              </a:rPr>
+              <a:t># Вывод всех имен</a:t>
+            </a:r>
+            <a:endParaRPr lang="ru-RU" sz="2800" b="0" i="0" u="none" strike="noStrike" cap="none" spc="0">
+              <a:solidFill>
+                <a:schemeClr val="tx1"/>
+              </a:solidFill>
+              <a:latin typeface="Arial"/>
+              <a:cs typeface="Arial"/>
+            </a:endParaRPr>
+          </a:p>
+          <a:p>
+            <a:pPr marL="0" indent="0">
+              <a:buFont typeface="Arial"/>
+              <a:buNone/>
+              <a:defRPr/>
+            </a:pPr>
+            <a:r>
+              <a:rPr lang="ru-RU" sz="1800" b="0" i="0" u="none" strike="noStrike" cap="none" spc="0">
+                <a:solidFill>
+                  <a:schemeClr val="tx1"/>
+                </a:solidFill>
+                <a:latin typeface="Arial"/>
+                <a:ea typeface="Arial"/>
+                <a:cs typeface="Arial"/>
+              </a:rPr>
+              <a:t>echo "All names: ${names[@]}"</a:t>
+            </a:r>
+            <a:endParaRPr lang="ru-RU" sz="2800" b="0" i="0" u="none" strike="noStrike" cap="none" spc="0">
+              <a:solidFill>
+                <a:schemeClr val="tx1"/>
+              </a:solidFill>
+              <a:latin typeface="Arial"/>
+              <a:cs typeface="Arial"/>
+            </a:endParaRPr>
+          </a:p>
+          <a:p>
+            <a:pPr marL="0" indent="0">
+              <a:buFont typeface="Arial"/>
+              <a:buNone/>
+              <a:defRPr/>
+            </a:pPr>
+            <a:endParaRPr lang="ru-RU" sz="2800" b="0" i="0" u="none" strike="noStrike" cap="none" spc="0">
+              <a:solidFill>
+                <a:schemeClr val="tx1"/>
+              </a:solidFill>
+              <a:latin typeface="Arial"/>
+              <a:cs typeface="Arial"/>
+            </a:endParaRPr>
+          </a:p>
+          <a:p>
+            <a:pPr marL="0" indent="0">
+              <a:buFont typeface="Arial"/>
+              <a:buNone/>
+              <a:defRPr/>
+            </a:pPr>
+            <a:r>
+              <a:rPr lang="ru-RU" sz="1800" b="0" i="0" u="none" strike="noStrike" cap="none" spc="0">
+                <a:solidFill>
+                  <a:schemeClr val="tx1"/>
+                </a:solidFill>
+                <a:latin typeface="Arial"/>
+                <a:ea typeface="Arial"/>
+                <a:cs typeface="Arial"/>
+              </a:rPr>
+              <a:t># Добавление нового имени</a:t>
+            </a:r>
+            <a:endParaRPr lang="ru-RU" sz="2800" b="0" i="0" u="none" strike="noStrike" cap="none" spc="0">
+              <a:solidFill>
+                <a:schemeClr val="tx1"/>
+              </a:solidFill>
+              <a:latin typeface="Arial"/>
+              <a:cs typeface="Arial"/>
+            </a:endParaRPr>
+          </a:p>
+          <a:p>
+            <a:pPr marL="0" indent="0">
+              <a:buFont typeface="Arial"/>
+              <a:buNone/>
+              <a:defRPr/>
+            </a:pPr>
+            <a:r>
+              <a:rPr lang="ru-RU" sz="1800" b="0" i="0" u="none" strike="noStrike" cap="none" spc="0">
+                <a:solidFill>
+                  <a:schemeClr val="tx1"/>
+                </a:solidFill>
+                <a:latin typeface="Arial"/>
+                <a:ea typeface="Arial"/>
+                <a:cs typeface="Arial"/>
+              </a:rPr>
+              <a:t>names+=("David")</a:t>
+            </a:r>
+            <a:br>
+              <a:rPr lang="ru-RU" sz="1800" b="0" i="0" u="none" strike="noStrike" cap="none" spc="0">
+                <a:solidFill>
+                  <a:schemeClr val="tx1"/>
+                </a:solidFill>
+                <a:latin typeface="Arial"/>
+                <a:ea typeface="Arial"/>
+                <a:cs typeface="Arial"/>
+              </a:rPr>
+            </a:br>
+            <a:endParaRPr lang="ru-RU" sz="2800" b="0" i="0" u="none" strike="noStrike" cap="none" spc="0">
+              <a:solidFill>
+                <a:schemeClr val="tx1"/>
+              </a:solidFill>
+              <a:latin typeface="Arial"/>
+              <a:cs typeface="Arial"/>
+            </a:endParaRPr>
+          </a:p>
+          <a:p>
+            <a:pPr marL="0" indent="0">
+              <a:buFont typeface="Arial"/>
+              <a:buNone/>
+              <a:defRPr/>
+            </a:pPr>
+            <a:r>
+              <a:rPr lang="ru-RU" sz="1800" b="0" i="0" u="none" strike="noStrike" cap="none" spc="0">
+                <a:solidFill>
+                  <a:schemeClr val="tx1"/>
+                </a:solidFill>
+                <a:latin typeface="Arial"/>
+                <a:ea typeface="Arial"/>
+                <a:cs typeface="Arial"/>
+              </a:rPr>
+              <a:t>names[1]="Ben"</a:t>
+            </a:r>
+            <a:br>
+              <a:rPr lang="ru-RU" sz="1800" b="0" i="0" u="none" strike="noStrike" cap="none" spc="0">
+                <a:solidFill>
+                  <a:schemeClr val="tx1"/>
+                </a:solidFill>
+                <a:latin typeface="Arial"/>
+                <a:ea typeface="Arial"/>
+                <a:cs typeface="Arial"/>
+              </a:rPr>
+            </a:br>
+            <a:r>
+              <a:rPr lang="ru-RU" sz="1800" b="0" i="0" u="none" strike="noStrike" cap="none" spc="0">
+                <a:solidFill>
+                  <a:schemeClr val="tx1"/>
+                </a:solidFill>
+                <a:latin typeface="Arial"/>
+                <a:ea typeface="Arial"/>
+                <a:cs typeface="Arial"/>
+              </a:rPr>
+              <a:t>echo "Updated names: ${names[@]}"</a:t>
+            </a:r>
+            <a:br>
+              <a:rPr lang="ru-RU" sz="1800" b="0" i="0" u="none" strike="noStrike" cap="none" spc="0">
+                <a:solidFill>
+                  <a:schemeClr val="tx1"/>
+                </a:solidFill>
+                <a:latin typeface="Arial"/>
+                <a:ea typeface="Arial"/>
+                <a:cs typeface="Arial"/>
+              </a:rPr>
+            </a:br>
+            <a:endParaRPr lang="ru-RU" sz="2800" b="0" i="0" u="none" strike="noStrike" cap="none" spc="0">
+              <a:solidFill>
+                <a:schemeClr val="tx1"/>
+              </a:solidFill>
+              <a:latin typeface="Arial"/>
+              <a:cs typeface="Arial"/>
+            </a:endParaRPr>
+          </a:p>
+          <a:p>
+            <a:pPr marL="0" indent="0">
+              <a:buFont typeface="Arial"/>
+              <a:buNone/>
+              <a:defRPr/>
+            </a:pPr>
+            <a:r>
+              <a:rPr lang="ru-RU" sz="1800" b="0" i="0" u="none" strike="noStrike" cap="none" spc="0">
+                <a:solidFill>
+                  <a:schemeClr val="tx1"/>
+                </a:solidFill>
+                <a:latin typeface="Arial"/>
+                <a:ea typeface="Arial"/>
+                <a:cs typeface="Arial"/>
+              </a:rPr>
+              <a:t># Вывод количества имен</a:t>
+            </a:r>
+            <a:endParaRPr lang="ru-RU" sz="2800" b="0" i="0" u="none" strike="noStrike" cap="none" spc="0">
+              <a:solidFill>
+                <a:schemeClr val="tx1"/>
+              </a:solidFill>
+              <a:latin typeface="Arial"/>
+              <a:cs typeface="Arial"/>
+            </a:endParaRPr>
+          </a:p>
+          <a:p>
+            <a:pPr marL="0" indent="0">
+              <a:buFont typeface="Arial"/>
+              <a:buNone/>
+              <a:defRPr/>
+            </a:pPr>
+            <a:r>
+              <a:rPr lang="ru-RU" sz="1800" b="0" i="0" u="none" strike="noStrike" cap="none" spc="0">
+                <a:solidFill>
+                  <a:schemeClr val="tx1"/>
+                </a:solidFill>
+                <a:latin typeface="Arial"/>
+                <a:ea typeface="Arial"/>
+                <a:cs typeface="Arial"/>
+              </a:rPr>
+              <a:t>echo "Number of names: ${#names[@]}"</a:t>
+            </a:r>
+            <a:endParaRPr lang="ru-RU" sz="2800" b="0" i="0" u="none" strike="noStrike" cap="none" spc="0">
+              <a:solidFill>
+                <a:schemeClr val="tx1"/>
+              </a:solidFill>
+              <a:latin typeface="Arial"/>
+              <a:cs typeface="Arial"/>
+            </a:endParaRPr>
+          </a:p>
+          <a:p>
+            <a:pPr marL="0" indent="0">
+              <a:buFont typeface="Arial"/>
+              <a:buNone/>
+              <a:defRPr/>
+            </a:pPr>
+            <a:r>
+              <a:rPr lang="ru-RU" sz="1800" b="0" i="0" u="none" strike="noStrike" cap="none" spc="0">
+                <a:solidFill>
+                  <a:schemeClr val="tx1"/>
+                </a:solidFill>
+                <a:latin typeface="Arial"/>
+                <a:ea typeface="Arial"/>
+                <a:cs typeface="Arial"/>
+              </a:rPr>
+              <a:t># Перебор массива и вывод каждого элемента</a:t>
+            </a:r>
+            <a:endParaRPr lang="ru-RU" sz="2800" b="0" i="0" u="none" strike="noStrike" cap="none" spc="0">
+              <a:solidFill>
+                <a:schemeClr val="tx1"/>
+              </a:solidFill>
+              <a:latin typeface="Arial"/>
+              <a:cs typeface="Arial"/>
+            </a:endParaRPr>
+          </a:p>
+          <a:p>
+            <a:pPr marL="0" indent="0">
+              <a:buFont typeface="Arial"/>
+              <a:buNone/>
+              <a:defRPr/>
+            </a:pPr>
+            <a:r>
+              <a:rPr lang="ru-RU" sz="1800" b="0" i="0" u="none" strike="noStrike" cap="none" spc="0">
+                <a:solidFill>
+                  <a:schemeClr val="tx1"/>
+                </a:solidFill>
+                <a:latin typeface="Arial"/>
+                <a:ea typeface="Arial"/>
+                <a:cs typeface="Arial"/>
+              </a:rPr>
+              <a:t>for name in "${names[@]}"; do</a:t>
+            </a:r>
+            <a:endParaRPr lang="ru-RU" sz="2800" b="0" i="0" u="none" strike="noStrike" cap="none" spc="0">
+              <a:solidFill>
+                <a:schemeClr val="tx1"/>
+              </a:solidFill>
+              <a:latin typeface="Arial"/>
+              <a:cs typeface="Arial"/>
+            </a:endParaRPr>
+          </a:p>
+          <a:p>
+            <a:pPr marL="0" indent="0">
+              <a:buFont typeface="Arial"/>
+              <a:buNone/>
+              <a:defRPr/>
+            </a:pPr>
+            <a:r>
+              <a:rPr lang="ru-RU" sz="1800" b="0" i="0" u="none" strike="noStrike" cap="none" spc="0">
+                <a:solidFill>
+                  <a:schemeClr val="tx1"/>
+                </a:solidFill>
+                <a:latin typeface="Arial"/>
+                <a:ea typeface="Arial"/>
+                <a:cs typeface="Arial"/>
+              </a:rPr>
+              <a:t>  echo "Hello, $name!"</a:t>
+            </a:r>
+            <a:endParaRPr lang="ru-RU" sz="2800" b="0" i="0" u="none" strike="noStrike" cap="none" spc="0">
+              <a:solidFill>
+                <a:schemeClr val="tx1"/>
+              </a:solidFill>
+              <a:latin typeface="Arial"/>
+              <a:cs typeface="Arial"/>
+            </a:endParaRPr>
+          </a:p>
+          <a:p>
+            <a:pPr marL="0" indent="0">
+              <a:buFont typeface="Arial"/>
+              <a:buNone/>
+              <a:defRPr/>
+            </a:pPr>
+            <a:r>
+              <a:rPr lang="ru-RU" sz="1800" b="0" i="0" u="none" strike="noStrike" cap="none" spc="0">
+                <a:solidFill>
+                  <a:schemeClr val="tx1"/>
+                </a:solidFill>
+                <a:latin typeface="Arial"/>
+                <a:ea typeface="Arial"/>
+                <a:cs typeface="Arial"/>
+              </a:rPr>
+              <a:t>done</a:t>
+            </a:r>
+            <a:br>
+              <a:rPr lang="ru-RU" sz="1800" b="0" i="0" u="none" strike="noStrike" cap="none" spc="0">
+                <a:solidFill>
+                  <a:schemeClr val="tx1"/>
+                </a:solidFill>
+                <a:latin typeface="Arial"/>
+                <a:ea typeface="Arial"/>
+                <a:cs typeface="Arial"/>
+              </a:rPr>
+            </a:br>
+            <a:br>
+              <a:rPr lang="ru-RU" sz="1800" b="0" i="0" u="none" strike="noStrike" cap="none" spc="0">
+                <a:solidFill>
+                  <a:schemeClr val="tx1"/>
+                </a:solidFill>
+                <a:latin typeface="Arial"/>
+                <a:ea typeface="Arial"/>
+                <a:cs typeface="Arial"/>
+              </a:rPr>
+            </a:br>
+            <a:r>
+              <a:rPr lang="ru-RU" sz="1800" b="0" i="0" u="none" strike="noStrike" cap="none" spc="0">
+                <a:solidFill>
+                  <a:schemeClr val="tx1"/>
+                </a:solidFill>
+                <a:latin typeface="Arial"/>
+                <a:ea typeface="Arial"/>
+                <a:cs typeface="Arial"/>
+              </a:rPr>
+              <a:t># удалим 1 переменную</a:t>
+            </a:r>
+            <a:br>
+              <a:rPr lang="ru-RU" sz="1800" b="0" i="0" u="none" strike="noStrike" cap="none" spc="0">
+                <a:solidFill>
+                  <a:schemeClr val="tx1"/>
+                </a:solidFill>
+                <a:latin typeface="Arial"/>
+                <a:ea typeface="Arial"/>
+                <a:cs typeface="Arial"/>
+              </a:rPr>
+            </a:br>
+            <a:r>
+              <a:rPr lang="ru-RU" sz="1800" b="0" i="0" u="none" strike="noStrike" cap="none" spc="0">
+                <a:solidFill>
+                  <a:schemeClr val="tx1"/>
+                </a:solidFill>
+                <a:latin typeface="Arial"/>
+                <a:ea typeface="Arial"/>
+                <a:cs typeface="Arial"/>
+              </a:rPr>
+              <a:t>unset names[1]</a:t>
+            </a:r>
+            <a:br>
+              <a:rPr lang="ru-RU" sz="1800" b="0" i="0" u="none" strike="noStrike" cap="none" spc="0">
+                <a:solidFill>
+                  <a:schemeClr val="tx1"/>
+                </a:solidFill>
+                <a:latin typeface="Arial"/>
+                <a:ea typeface="Arial"/>
+                <a:cs typeface="Arial"/>
+              </a:rPr>
+            </a:br>
+            <a:endParaRPr lang="ru-RU" sz="1800" b="0" i="0" u="none" strike="noStrike" cap="none" spc="0">
+              <a:solidFill>
+                <a:schemeClr val="tx1"/>
+              </a:solidFill>
+              <a:latin typeface="Arial"/>
+              <a:cs typeface="Arial"/>
+            </a:endParaRPr>
+          </a:p>
+          <a:p>
+            <a:pPr marL="0" indent="0">
+              <a:buFont typeface="Arial"/>
+              <a:buNone/>
+              <a:defRPr/>
+            </a:pPr>
+            <a:r>
+              <a:rPr lang="ru-RU" sz="1800" b="0" i="0" u="none" strike="noStrike" cap="none" spc="0">
+                <a:solidFill>
+                  <a:schemeClr val="tx1"/>
+                </a:solidFill>
+                <a:latin typeface="Arial"/>
+                <a:ea typeface="Arial"/>
+                <a:cs typeface="Arial"/>
+              </a:rPr>
+              <a:t>echo "deleted element - ${name[1]}"</a:t>
+            </a:r>
+            <a:endParaRPr lang="ru-RU" sz="1800" b="0" i="0" u="none" strike="noStrike" cap="none" spc="0">
+              <a:solidFill>
+                <a:schemeClr val="tx1"/>
+              </a:solidFill>
+              <a:latin typeface="Arial"/>
+              <a:cs typeface="Arial"/>
+            </a:endParaRPr>
+          </a:p>
+          <a:p>
+            <a:pPr marL="0" indent="0">
+              <a:buFont typeface="Arial"/>
+              <a:buNone/>
+              <a:defRPr/>
+            </a:pPr>
+            <a:r>
+              <a:rPr lang="ru-RU" sz="1800" b="0" i="0" u="none" strike="noStrike" cap="none" spc="0">
+                <a:solidFill>
+                  <a:schemeClr val="tx1"/>
+                </a:solidFill>
+                <a:latin typeface="Arial"/>
+                <a:ea typeface="Arial"/>
+                <a:cs typeface="Arial"/>
+              </a:rPr>
+              <a:t>echo "All names: ${names[@]}"</a:t>
+            </a:r>
+            <a:br>
+              <a:rPr lang="ru-RU" sz="1800" b="0" i="0" u="none" strike="noStrike" cap="none" spc="0">
+                <a:solidFill>
+                  <a:schemeClr val="tx1"/>
+                </a:solidFill>
+                <a:latin typeface="Arial"/>
+                <a:ea typeface="Arial"/>
+                <a:cs typeface="Arial"/>
+              </a:rPr>
+            </a:br>
+            <a:br>
+              <a:rPr lang="ru-RU" sz="1800" b="0" i="0" u="none" strike="noStrike" cap="none" spc="0">
+                <a:solidFill>
+                  <a:schemeClr val="tx1"/>
+                </a:solidFill>
+                <a:latin typeface="Arial"/>
+                <a:ea typeface="Arial"/>
+                <a:cs typeface="Arial"/>
+              </a:rPr>
+            </a:br>
+            <a:endParaRPr/>
+          </a:p>
+        </p:txBody>
+      </p:sp>
+    </p:spTree>
+  </p:cSld>
+  <p:clrMapOvr>
+    <a:masterClrMapping/>
+  </p:clrMapOvr>
+  <mc:AlternateContent xmlns:mc="http://schemas.openxmlformats.org/markup-compatibility/2006">
+    <mc:Choice xmlns:p159="http://schemas.microsoft.com/office/powerpoint/2015/09/main" xmlns:p14="http://schemas.microsoft.com/office/powerpoint/2010/main" Requires="p159">
+      <p:transition p14:dur="2000" advClick="1"/>
+    </mc:Choice>
+    <mc:Fallback>
+      <p:transition advClick="1"/>
+    </mc:Fallback>
+  </mc:AlternateContent>
+</p:sld>
+</file>
+
+<file path=ppt/slides/slide2.xml><?xml version="1.0" encoding="utf-8"?>
+<p:sld xmlns:a="http://schemas.openxmlformats.org/drawingml/2006/main" xmlns:r="http://schemas.openxmlformats.org/officeDocument/2006/relationships" xmlns:p="http://schemas.openxmlformats.org/presentationml/2006/main" xmlns:m="http://schemas.openxmlformats.org/officeDocument/2006/math" xmlns:w="http://schemas.openxmlformats.org/wordprocessingml/2006/main" xmlns:mc="http://schemas.openxmlformats.org/markup-compatibility/2006" showMasterPhAnim="0" showMasterSp="1" show="1">
+  <p:cSld name="">
+    <p:spTree>
+      <p:nvGrpSpPr>
+        <p:cNvPr id="1" name=""/>
+        <p:cNvGrpSpPr/>
+        <p:nvPr/>
+      </p:nvGrpSpPr>
+      <p:grpSpPr bwMode="auto">
+        <a:xfrm>
+          <a:off x="0" y="0"/>
+          <a:ext cx="0" cy="0"/>
+          <a:chOff x="0" y="0"/>
+          <a:chExt cx="0" cy="0"/>
+        </a:xfrm>
+      </p:grpSpPr>
+      <p:sp>
+        <p:nvSpPr>
+          <p:cNvPr id="2125678051" name="Title 1"/>
+          <p:cNvSpPr>
+            <a:spLocks noGrp="1"/>
+          </p:cNvSpPr>
+          <p:nvPr>
+            <p:ph type="title"/>
+          </p:nvPr>
+        </p:nvSpPr>
+        <p:spPr bwMode="auto">
+          <a:xfrm flipH="0" flipV="0">
+            <a:off x="838197" y="365121"/>
+            <a:ext cx="10515600" cy="616833"/>
+          </a:xfrm>
+        </p:spPr>
+        <p:txBody>
+          <a:bodyPr vertOverflow="overflow" horzOverflow="overflow" vert="horz" wrap="square" lIns="91440" tIns="45720" rIns="91440" bIns="45720" numCol="1" spcCol="0" rtlCol="0" fromWordArt="0" anchor="ctr" anchorCtr="0" forceAA="0" upright="0" compatLnSpc="0">
+            <a:normAutofit/>
+          </a:bodyPr>
+          <a:lstStyle/>
+          <a:p>
+            <a:pPr>
+              <a:defRPr/>
+            </a:pPr>
+            <a:r>
+              <a:rPr sz="2400"/>
+              <a:t>Скрипты: параметры командной строки</a:t>
+            </a:r>
+            <a:endParaRPr sz="2400"/>
+          </a:p>
+        </p:txBody>
+      </p:sp>
+      <p:sp>
+        <p:nvSpPr>
+          <p:cNvPr id="51962171" name="Content Placeholder 2"/>
+          <p:cNvSpPr>
+            <a:spLocks noGrp="1"/>
+          </p:cNvSpPr>
+          <p:nvPr>
+            <p:ph idx="1"/>
+          </p:nvPr>
+        </p:nvSpPr>
+        <p:spPr bwMode="auto">
+          <a:xfrm flipH="0" flipV="0">
+            <a:off x="838197" y="1109610"/>
+            <a:ext cx="10515600" cy="5371310"/>
+          </a:xfrm>
+        </p:spPr>
+        <p:txBody>
+          <a:bodyPr vertOverflow="overflow" horzOverflow="overflow" vert="horz" wrap="square" lIns="91440" tIns="45720" rIns="91440" bIns="45720" numCol="1" spcCol="0" rtlCol="0" fromWordArt="0" anchor="t" anchorCtr="0" forceAA="0" upright="0" compatLnSpc="0">
+            <a:normAutofit/>
+          </a:bodyPr>
+          <a:lstStyle/>
+          <a:p>
+            <a:pPr marL="0" indent="0">
+              <a:buFont typeface="Arial"/>
+              <a:buNone/>
+              <a:defRPr/>
+            </a:pPr>
+            <a:r>
+              <a:rPr sz="1800"/>
+              <a:t>Как вы уже могли заметить, у многих команд есть аргументы:</a:t>
+            </a:r>
+            <a:endParaRPr sz="1800"/>
+          </a:p>
+          <a:p>
+            <a:pPr marL="0" indent="0">
+              <a:buFont typeface="Arial"/>
+              <a:buNone/>
+              <a:defRPr/>
+            </a:pPr>
+            <a:r>
+              <a:rPr sz="1800"/>
+              <a:t>			cp fileName newFileName</a:t>
+            </a:r>
+            <a:br>
+              <a:rPr sz="1800"/>
+            </a:br>
+            <a:endParaRPr sz="1800"/>
+          </a:p>
+          <a:p>
+            <a:pPr marL="0" indent="0">
+              <a:buFont typeface="Arial"/>
+              <a:buNone/>
+              <a:defRPr/>
+            </a:pPr>
+            <a:r>
+              <a:rPr sz="1800"/>
+              <a:t>Скрипт тоже можно запустить с аргументами:</a:t>
+            </a:r>
+            <a:endParaRPr sz="1800"/>
+          </a:p>
+          <a:p>
+            <a:pPr marL="0" indent="0">
+              <a:buFont typeface="Arial"/>
+              <a:buNone/>
+              <a:defRPr/>
+            </a:pPr>
+            <a:r>
+              <a:rPr sz="1800"/>
+              <a:t>			./script arg1 arg2 arg3...</a:t>
+            </a:r>
+            <a:br>
+              <a:rPr sz="1800"/>
+            </a:br>
+            <a:br>
+              <a:rPr sz="1800"/>
+            </a:br>
+            <a:r>
+              <a:rPr sz="1800"/>
+              <a:t>Как получить параметры в программе:</a:t>
+            </a:r>
+            <a:endParaRPr sz="1800"/>
+          </a:p>
+          <a:p>
+            <a:pPr>
+              <a:defRPr/>
+            </a:pPr>
+            <a:r>
+              <a:rPr sz="1800"/>
+              <a:t>$0 – имя программы (./script)</a:t>
+            </a:r>
+            <a:endParaRPr sz="1800"/>
+          </a:p>
+          <a:p>
+            <a:pPr>
+              <a:defRPr/>
+            </a:pPr>
+            <a:r>
+              <a:rPr sz="1800"/>
+              <a:t>$1 - $9 – первые 9 аргументов</a:t>
+            </a:r>
+            <a:endParaRPr sz="1800"/>
+          </a:p>
+          <a:p>
+            <a:pPr>
+              <a:defRPr/>
+            </a:pPr>
+            <a:r>
+              <a:rPr sz="1800"/>
+              <a:t>${N} </a:t>
+            </a:r>
+            <a:r>
+              <a:rPr lang="ru-RU" sz="1800" b="0" i="0" u="none" strike="noStrike" cap="none" spc="0">
+                <a:solidFill>
+                  <a:schemeClr val="tx1"/>
+                </a:solidFill>
+                <a:latin typeface="Arial"/>
+                <a:ea typeface="Arial"/>
+                <a:cs typeface="Arial"/>
+              </a:rPr>
+              <a:t>– </a:t>
+            </a:r>
+            <a:r>
+              <a:rPr sz="1800"/>
+              <a:t>10 и далее аргумент (${10})</a:t>
+            </a:r>
+            <a:endParaRPr sz="1800"/>
+          </a:p>
+          <a:p>
+            <a:pPr marL="0" indent="0">
+              <a:buFont typeface="Arial"/>
+              <a:buNone/>
+              <a:defRPr/>
+            </a:pPr>
+            <a:r>
+              <a:rPr sz="1800"/>
+              <a:t>Запустим программу так: 		</a:t>
+            </a:r>
+            <a:r>
+              <a:rPr sz="1800" b="1"/>
+              <a:t>./script arg1 arg2</a:t>
+            </a:r>
+            <a:endParaRPr sz="1800"/>
+          </a:p>
+          <a:p>
+            <a:pPr marL="0" indent="0">
+              <a:buFont typeface="Arial"/>
+              <a:buNone/>
+              <a:defRPr/>
+            </a:pPr>
+            <a:r>
+              <a:rPr lang="ru-RU" sz="1800" b="0" i="0" u="none" strike="noStrike" cap="none" spc="0">
+                <a:solidFill>
+                  <a:schemeClr val="tx1"/>
+                </a:solidFill>
+                <a:latin typeface="Arial"/>
+                <a:ea typeface="Arial"/>
+                <a:cs typeface="Arial"/>
+              </a:rPr>
+              <a:t>				#!/bin/bash</a:t>
+            </a:r>
+            <a:endParaRPr lang="ru-RU" sz="1800" b="0" i="0" u="none" strike="noStrike" cap="none" spc="0">
+              <a:solidFill>
+                <a:schemeClr val="tx1"/>
+              </a:solidFill>
+              <a:latin typeface="Arial"/>
+              <a:cs typeface="Arial"/>
+            </a:endParaRPr>
+          </a:p>
+          <a:p>
+            <a:pPr marL="0" indent="0">
+              <a:buFont typeface="Arial"/>
+              <a:buNone/>
+              <a:defRPr/>
+            </a:pPr>
+            <a:r>
+              <a:rPr lang="ru-RU" sz="1800" b="0" i="0" u="none" strike="noStrike" cap="none" spc="0">
+                <a:solidFill>
+                  <a:schemeClr val="tx1"/>
+                </a:solidFill>
+                <a:latin typeface="Arial"/>
+                <a:ea typeface="Arial"/>
+                <a:cs typeface="Arial"/>
+              </a:rPr>
+              <a:t>				echo $0</a:t>
+            </a:r>
+            <a:endParaRPr lang="ru-RU" sz="1800" b="0" i="0" u="none" strike="noStrike" cap="none" spc="0">
+              <a:solidFill>
+                <a:schemeClr val="tx1"/>
+              </a:solidFill>
+              <a:latin typeface="Arial"/>
+              <a:cs typeface="Arial"/>
+            </a:endParaRPr>
+          </a:p>
+          <a:p>
+            <a:pPr marL="0" indent="0">
+              <a:buFont typeface="Arial"/>
+              <a:buNone/>
+              <a:defRPr/>
+            </a:pPr>
+            <a:r>
+              <a:rPr lang="ru-RU" sz="1800" b="0" i="0" u="none" strike="noStrike" cap="none" spc="0">
+                <a:solidFill>
+                  <a:schemeClr val="tx1"/>
+                </a:solidFill>
+                <a:latin typeface="Arial"/>
+                <a:ea typeface="Arial"/>
+                <a:cs typeface="Arial"/>
+              </a:rPr>
+              <a:t>				echo $1</a:t>
+            </a:r>
+            <a:endParaRPr lang="ru-RU" sz="1800" b="0" i="0" u="none" strike="noStrike" cap="none" spc="0">
+              <a:solidFill>
+                <a:schemeClr val="tx1"/>
+              </a:solidFill>
+              <a:latin typeface="Arial"/>
+              <a:cs typeface="Arial"/>
+            </a:endParaRPr>
+          </a:p>
+          <a:p>
+            <a:pPr marL="0" indent="0">
+              <a:buFont typeface="Arial"/>
+              <a:buNone/>
+              <a:defRPr/>
+            </a:pPr>
+            <a:r>
+              <a:rPr lang="ru-RU" sz="1800" b="0" i="0" u="none" strike="noStrike" cap="none" spc="0">
+                <a:solidFill>
+                  <a:schemeClr val="tx1"/>
+                </a:solidFill>
+                <a:latin typeface="Arial"/>
+                <a:ea typeface="Arial"/>
+                <a:cs typeface="Arial"/>
+              </a:rPr>
+              <a:t>				echo $2</a:t>
+            </a:r>
+            <a:endParaRPr sz="1800"/>
+          </a:p>
+        </p:txBody>
+      </p:sp>
+    </p:spTree>
+  </p:cSld>
+  <p:clrMapOvr>
+    <a:masterClrMapping/>
+  </p:clrMapOvr>
+  <mc:AlternateContent xmlns:mc="http://schemas.openxmlformats.org/markup-compatibility/2006">
+    <mc:Choice xmlns:p159="http://schemas.microsoft.com/office/powerpoint/2015/09/main" xmlns:p14="http://schemas.microsoft.com/office/powerpoint/2010/main" Requires="p159">
+      <p:transition p14:dur="2000" advClick="1"/>
+    </mc:Choice>
+    <mc:Fallback>
+      <p:transition advClick="1"/>
+    </mc:Fallback>
+  </mc:AlternateContent>
+</p:sld>
+</file>
+
+<file path=ppt/slides/slide3.xml><?xml version="1.0" encoding="utf-8"?>
+<p:sld xmlns:a="http://schemas.openxmlformats.org/drawingml/2006/main" xmlns:r="http://schemas.openxmlformats.org/officeDocument/2006/relationships" xmlns:p="http://schemas.openxmlformats.org/presentationml/2006/main" xmlns:m="http://schemas.openxmlformats.org/officeDocument/2006/math" xmlns:w="http://schemas.openxmlformats.org/wordprocessingml/2006/main" xmlns:mc="http://schemas.openxmlformats.org/markup-compatibility/2006" showMasterPhAnim="0" showMasterSp="1" show="1">
+  <p:cSld name="">
+    <p:spTree>
+      <p:nvGrpSpPr>
+        <p:cNvPr id="1" name=""/>
+        <p:cNvGrpSpPr/>
+        <p:nvPr/>
+      </p:nvGrpSpPr>
+      <p:grpSpPr bwMode="auto">
+        <a:xfrm>
+          <a:off x="0" y="0"/>
+          <a:ext cx="0" cy="0"/>
+          <a:chOff x="0" y="0"/>
+          <a:chExt cx="0" cy="0"/>
+        </a:xfrm>
+      </p:grpSpPr>
+      <p:sp>
+        <p:nvSpPr>
+          <p:cNvPr id="1922297700" name="Title 1"/>
+          <p:cNvSpPr>
+            <a:spLocks noGrp="1"/>
+          </p:cNvSpPr>
+          <p:nvPr>
+            <p:ph type="title"/>
+          </p:nvPr>
+        </p:nvSpPr>
+        <p:spPr bwMode="auto">
+          <a:xfrm flipH="0" flipV="0">
+            <a:off x="838197" y="365121"/>
+            <a:ext cx="10515600" cy="616833"/>
+          </a:xfrm>
+        </p:spPr>
+        <p:txBody>
+          <a:bodyPr vertOverflow="overflow" horzOverflow="overflow" vert="horz" wrap="square" lIns="91440" tIns="45720" rIns="91440" bIns="45720" numCol="1" spcCol="0" rtlCol="0" fromWordArt="0" anchor="ctr" anchorCtr="0" forceAA="0" upright="0" compatLnSpc="0">
+            <a:normAutofit/>
+          </a:bodyPr>
+          <a:lstStyle/>
+          <a:p>
+            <a:pPr>
+              <a:defRPr/>
+            </a:pPr>
+            <a:r>
+              <a:rPr sz="2400"/>
+              <a:t>Скрипты: параметры командной строки</a:t>
+            </a:r>
+            <a:endParaRPr sz="2400"/>
+          </a:p>
+        </p:txBody>
+      </p:sp>
+      <p:sp>
+        <p:nvSpPr>
+          <p:cNvPr id="287165375" name="Content Placeholder 2"/>
+          <p:cNvSpPr>
+            <a:spLocks noGrp="1"/>
+          </p:cNvSpPr>
+          <p:nvPr>
+            <p:ph idx="1"/>
+          </p:nvPr>
+        </p:nvSpPr>
+        <p:spPr bwMode="auto">
+          <a:xfrm flipH="0" flipV="0">
+            <a:off x="838197" y="1109610"/>
+            <a:ext cx="10515600" cy="5371310"/>
+          </a:xfrm>
+        </p:spPr>
+        <p:txBody>
+          <a:bodyPr vertOverflow="overflow" horzOverflow="overflow" vert="horz" wrap="square" lIns="91440" tIns="45720" rIns="91440" bIns="45720" numCol="1" spcCol="0" rtlCol="0" fromWordArt="0" anchor="t" anchorCtr="0" forceAA="0" upright="0" compatLnSpc="0">
+            <a:normAutofit/>
+          </a:bodyPr>
+          <a:lstStyle/>
+          <a:p>
+            <a:pPr>
+              <a:defRPr/>
+            </a:pPr>
+            <a:r>
+              <a:rPr lang="ru-RU" sz="1800" b="0" i="0" u="none" strike="noStrike" cap="none" spc="0">
+                <a:solidFill>
+                  <a:schemeClr val="tx1"/>
+                </a:solidFill>
+                <a:latin typeface="Arial"/>
+                <a:ea typeface="Arial"/>
+                <a:cs typeface="Arial"/>
+              </a:rPr>
+              <a:t>$@</a:t>
+            </a:r>
+            <a:r>
+              <a:rPr sz="1800"/>
+              <a:t> – все аргументы в виде списка (не содержит имя программы)</a:t>
+            </a:r>
+            <a:endParaRPr sz="1800"/>
+          </a:p>
+          <a:p>
+            <a:pPr>
+              <a:defRPr/>
+            </a:pPr>
+            <a:r>
+              <a:rPr lang="ru-RU" sz="1800" b="0" i="0" u="none" strike="noStrike" cap="none" spc="0">
+                <a:solidFill>
+                  <a:schemeClr val="tx1"/>
+                </a:solidFill>
+                <a:latin typeface="Arial"/>
+                <a:ea typeface="Arial"/>
+                <a:cs typeface="Arial"/>
+              </a:rPr>
+              <a:t>$*</a:t>
+            </a:r>
+            <a:r>
+              <a:rPr sz="1800"/>
+              <a:t> – все аргументы в виде строки (</a:t>
+            </a:r>
+            <a:r>
+              <a:rPr lang="ru-RU" sz="1800" b="0" i="0" u="none" strike="noStrike" cap="none" spc="0">
+                <a:solidFill>
+                  <a:schemeClr val="tx1"/>
+                </a:solidFill>
+                <a:latin typeface="Arial"/>
+                <a:ea typeface="Arial"/>
+                <a:cs typeface="Arial"/>
+              </a:rPr>
+              <a:t>не содержит имя программы</a:t>
+            </a:r>
+            <a:r>
+              <a:rPr sz="1800"/>
+              <a:t>)</a:t>
+            </a:r>
+            <a:endParaRPr sz="1800"/>
+          </a:p>
+          <a:p>
+            <a:pPr>
+              <a:defRPr/>
+            </a:pPr>
+            <a:r>
+              <a:rPr sz="1800"/>
+              <a:t>$# – количество аргументов</a:t>
+            </a:r>
+            <a:endParaRPr sz="1800"/>
+          </a:p>
+          <a:p>
+            <a:pPr marL="0" indent="0">
+              <a:buFont typeface="Arial"/>
+              <a:buNone/>
+              <a:defRPr/>
+            </a:pPr>
+            <a:endParaRPr sz="1800"/>
+          </a:p>
+          <a:p>
+            <a:pPr marL="0" indent="0">
+              <a:buFont typeface="Arial"/>
+              <a:buNone/>
+              <a:defRPr/>
+            </a:pPr>
+            <a:r>
+              <a:rPr lang="ru-RU" sz="1800" b="0" i="0" u="none" strike="noStrike" cap="none" spc="0">
+                <a:solidFill>
+                  <a:schemeClr val="tx1"/>
+                </a:solidFill>
+                <a:latin typeface="Arial"/>
+                <a:ea typeface="Arial"/>
+                <a:cs typeface="Arial"/>
+              </a:rPr>
+              <a:t>			#!/bin/bash</a:t>
+            </a:r>
+            <a:endParaRPr lang="ru-RU" sz="1800" b="0" i="0" u="none" strike="noStrike" cap="none" spc="0">
+              <a:solidFill>
+                <a:schemeClr val="tx1"/>
+              </a:solidFill>
+              <a:latin typeface="Arial"/>
+              <a:cs typeface="Arial"/>
+            </a:endParaRPr>
+          </a:p>
+          <a:p>
+            <a:pPr marL="0" indent="0">
+              <a:buFont typeface="Arial"/>
+              <a:buNone/>
+              <a:defRPr/>
+            </a:pPr>
+            <a:r>
+              <a:rPr lang="ru-RU" sz="1800" b="0" i="0" u="none" strike="noStrike" cap="none" spc="0">
+                <a:solidFill>
+                  <a:schemeClr val="tx1"/>
+                </a:solidFill>
+                <a:latin typeface="Arial"/>
+                <a:ea typeface="Arial"/>
+                <a:cs typeface="Arial"/>
+              </a:rPr>
+              <a:t>			</a:t>
+            </a:r>
+            <a:r>
+              <a:rPr lang="ru-RU" sz="1800" b="0" i="0" u="none" strike="noStrike" cap="none" spc="0">
+                <a:solidFill>
+                  <a:schemeClr val="tx1"/>
+                </a:solidFill>
+                <a:latin typeface="Arial"/>
+                <a:ea typeface="Arial"/>
+                <a:cs typeface="Arial"/>
+              </a:rPr>
+              <a:t>echo "Все аргументы: $*"</a:t>
+            </a:r>
+            <a:endParaRPr lang="ru-RU" sz="1800" b="0" i="0" u="none" strike="noStrike" cap="none" spc="0">
+              <a:solidFill>
+                <a:schemeClr val="tx1"/>
+              </a:solidFill>
+              <a:latin typeface="Arial"/>
+              <a:cs typeface="Arial"/>
+            </a:endParaRPr>
+          </a:p>
+          <a:p>
+            <a:pPr marL="0" indent="0">
+              <a:buFont typeface="Arial"/>
+              <a:buNone/>
+              <a:defRPr/>
+            </a:pPr>
+            <a:r>
+              <a:rPr lang="ru-RU" sz="1800" b="0" i="0" u="none" strike="noStrike" cap="none" spc="0">
+                <a:solidFill>
+                  <a:schemeClr val="tx1"/>
+                </a:solidFill>
+                <a:latin typeface="Arial"/>
+                <a:ea typeface="Arial"/>
+                <a:cs typeface="Arial"/>
+              </a:rPr>
+              <a:t>			</a:t>
+            </a:r>
+            <a:r>
+              <a:rPr lang="ru-RU" sz="1800" b="0" i="0" u="none" strike="noStrike" cap="none" spc="0">
+                <a:solidFill>
+                  <a:schemeClr val="tx1"/>
+                </a:solidFill>
+                <a:latin typeface="Arial"/>
+                <a:ea typeface="Arial"/>
+                <a:cs typeface="Arial"/>
+              </a:rPr>
+              <a:t>echo "Всего аргументов: $#"</a:t>
+            </a:r>
+            <a:endParaRPr lang="ru-RU" sz="1800" b="0" i="0" u="none" strike="noStrike" cap="none" spc="0">
+              <a:solidFill>
+                <a:schemeClr val="tx1"/>
+              </a:solidFill>
+              <a:latin typeface="Arial"/>
+              <a:cs typeface="Arial"/>
+            </a:endParaRPr>
+          </a:p>
+          <a:p>
+            <a:pPr marL="0" indent="0">
+              <a:buFont typeface="Arial"/>
+              <a:buNone/>
+              <a:defRPr/>
+            </a:pPr>
+            <a:r>
+              <a:rPr lang="ru-RU" sz="1800" b="0" i="0" u="none" strike="noStrike" cap="none" spc="0">
+                <a:solidFill>
+                  <a:schemeClr val="tx1"/>
+                </a:solidFill>
+                <a:latin typeface="Arial"/>
+                <a:ea typeface="Arial"/>
+                <a:cs typeface="Arial"/>
+              </a:rPr>
+              <a:t>			</a:t>
+            </a:r>
+            <a:r>
+              <a:rPr lang="ru-RU" sz="1800" b="0" i="0" u="none" strike="noStrike" cap="none" spc="0">
+                <a:solidFill>
+                  <a:schemeClr val="tx1"/>
+                </a:solidFill>
+                <a:latin typeface="Arial"/>
+                <a:ea typeface="Arial"/>
+                <a:cs typeface="Arial"/>
+              </a:rPr>
+              <a:t>for arg in $@</a:t>
+            </a:r>
+            <a:endParaRPr lang="ru-RU" sz="1800" b="0" i="0" u="none" strike="noStrike" cap="none" spc="0">
+              <a:solidFill>
+                <a:schemeClr val="tx1"/>
+              </a:solidFill>
+              <a:latin typeface="Arial"/>
+              <a:cs typeface="Arial"/>
+            </a:endParaRPr>
+          </a:p>
+          <a:p>
+            <a:pPr marL="0" indent="0">
+              <a:buFont typeface="Arial"/>
+              <a:buNone/>
+              <a:defRPr/>
+            </a:pPr>
+            <a:r>
+              <a:rPr lang="ru-RU" sz="1800" b="0" i="0" u="none" strike="noStrike" cap="none" spc="0">
+                <a:solidFill>
+                  <a:schemeClr val="tx1"/>
+                </a:solidFill>
+                <a:latin typeface="Arial"/>
+                <a:ea typeface="Arial"/>
+                <a:cs typeface="Arial"/>
+              </a:rPr>
+              <a:t>			</a:t>
+            </a:r>
+            <a:r>
+              <a:rPr lang="ru-RU" sz="1800" b="0" i="0" u="none" strike="noStrike" cap="none" spc="0">
+                <a:solidFill>
+                  <a:schemeClr val="tx1"/>
+                </a:solidFill>
+                <a:latin typeface="Arial"/>
+                <a:ea typeface="Arial"/>
+                <a:cs typeface="Arial"/>
+              </a:rPr>
+              <a:t>do</a:t>
+            </a:r>
+            <a:endParaRPr lang="ru-RU" sz="1800" b="0" i="0" u="none" strike="noStrike" cap="none" spc="0">
+              <a:solidFill>
+                <a:schemeClr val="tx1"/>
+              </a:solidFill>
+              <a:latin typeface="Arial"/>
+              <a:cs typeface="Arial"/>
+            </a:endParaRPr>
+          </a:p>
+          <a:p>
+            <a:pPr marL="0" indent="0">
+              <a:buFont typeface="Arial"/>
+              <a:buNone/>
+              <a:defRPr/>
+            </a:pPr>
+            <a:r>
+              <a:rPr lang="ru-RU" sz="1800" b="0" i="0" u="none" strike="noStrike" cap="none" spc="0">
+                <a:solidFill>
+                  <a:schemeClr val="tx1"/>
+                </a:solidFill>
+                <a:latin typeface="Arial"/>
+                <a:ea typeface="Arial"/>
+                <a:cs typeface="Arial"/>
+              </a:rPr>
+              <a:t>			</a:t>
+            </a:r>
+            <a:r>
+              <a:rPr lang="ru-RU" sz="1800" b="0" i="0" u="none" strike="noStrike" cap="none" spc="0">
+                <a:solidFill>
+                  <a:schemeClr val="tx1"/>
+                </a:solidFill>
+                <a:latin typeface="Arial"/>
+                <a:ea typeface="Arial"/>
+                <a:cs typeface="Arial"/>
+              </a:rPr>
+              <a:t>	if [ -n $arg ]</a:t>
+            </a:r>
+            <a:endParaRPr lang="ru-RU" sz="1800" b="0" i="0" u="none" strike="noStrike" cap="none" spc="0">
+              <a:solidFill>
+                <a:schemeClr val="tx1"/>
+              </a:solidFill>
+              <a:latin typeface="Arial"/>
+              <a:cs typeface="Arial"/>
+            </a:endParaRPr>
+          </a:p>
+          <a:p>
+            <a:pPr marL="0" indent="0">
+              <a:buFont typeface="Arial"/>
+              <a:buNone/>
+              <a:defRPr/>
+            </a:pPr>
+            <a:r>
+              <a:rPr lang="ru-RU" sz="1800" b="0" i="0" u="none" strike="noStrike" cap="none" spc="0">
+                <a:solidFill>
+                  <a:schemeClr val="tx1"/>
+                </a:solidFill>
+                <a:latin typeface="Arial"/>
+                <a:ea typeface="Arial"/>
+                <a:cs typeface="Arial"/>
+              </a:rPr>
+              <a:t>			</a:t>
+            </a:r>
+            <a:r>
+              <a:rPr lang="ru-RU" sz="1800" b="0" i="0" u="none" strike="noStrike" cap="none" spc="0">
+                <a:solidFill>
+                  <a:schemeClr val="tx1"/>
+                </a:solidFill>
+                <a:latin typeface="Arial"/>
+                <a:ea typeface="Arial"/>
+                <a:cs typeface="Arial"/>
+              </a:rPr>
+              <a:t>	</a:t>
+            </a:r>
+            <a:r>
+              <a:rPr lang="ru-RU" sz="1800" b="0" i="0" u="none" strike="noStrike" cap="none" spc="0">
+                <a:solidFill>
+                  <a:schemeClr val="tx1"/>
+                </a:solidFill>
+                <a:latin typeface="Arial"/>
+                <a:ea typeface="Arial"/>
+                <a:cs typeface="Arial"/>
+              </a:rPr>
+              <a:t>then</a:t>
+            </a:r>
+            <a:endParaRPr lang="ru-RU" sz="1800" b="0" i="0" u="none" strike="noStrike" cap="none" spc="0">
+              <a:solidFill>
+                <a:schemeClr val="tx1"/>
+              </a:solidFill>
+              <a:latin typeface="Arial"/>
+              <a:cs typeface="Arial"/>
+            </a:endParaRPr>
+          </a:p>
+          <a:p>
+            <a:pPr marL="0" indent="0">
+              <a:buFont typeface="Arial"/>
+              <a:buNone/>
+              <a:defRPr/>
+            </a:pPr>
+            <a:r>
+              <a:rPr lang="ru-RU" sz="1800" b="0" i="0" u="none" strike="noStrike" cap="none" spc="0">
+                <a:solidFill>
+                  <a:schemeClr val="tx1"/>
+                </a:solidFill>
+                <a:latin typeface="Arial"/>
+                <a:ea typeface="Arial"/>
+                <a:cs typeface="Arial"/>
+              </a:rPr>
+              <a:t>			</a:t>
+            </a:r>
+            <a:r>
+              <a:rPr lang="ru-RU" sz="1800" b="0" i="0" u="none" strike="noStrike" cap="none" spc="0">
+                <a:solidFill>
+                  <a:schemeClr val="tx1"/>
+                </a:solidFill>
+                <a:latin typeface="Arial"/>
+                <a:ea typeface="Arial"/>
+                <a:cs typeface="Arial"/>
+              </a:rPr>
+              <a:t>	</a:t>
+            </a:r>
+            <a:r>
+              <a:rPr lang="ru-RU" sz="1800" b="0" i="0" u="none" strike="noStrike" cap="none" spc="0">
+                <a:solidFill>
+                  <a:schemeClr val="tx1"/>
+                </a:solidFill>
+                <a:latin typeface="Arial"/>
+                <a:ea typeface="Arial"/>
+                <a:cs typeface="Arial"/>
+              </a:rPr>
+              <a:t>	echo $arg</a:t>
+            </a:r>
+            <a:endParaRPr lang="ru-RU" sz="1800" b="0" i="0" u="none" strike="noStrike" cap="none" spc="0">
+              <a:solidFill>
+                <a:schemeClr val="tx1"/>
+              </a:solidFill>
+              <a:latin typeface="Arial"/>
+              <a:cs typeface="Arial"/>
+            </a:endParaRPr>
+          </a:p>
+          <a:p>
+            <a:pPr marL="0" indent="0">
+              <a:buFont typeface="Arial"/>
+              <a:buNone/>
+              <a:defRPr/>
+            </a:pPr>
+            <a:r>
+              <a:rPr lang="ru-RU" sz="1800" b="0" i="0" u="none" strike="noStrike" cap="none" spc="0">
+                <a:solidFill>
+                  <a:schemeClr val="tx1"/>
+                </a:solidFill>
+                <a:latin typeface="Arial"/>
+                <a:ea typeface="Arial"/>
+                <a:cs typeface="Arial"/>
+              </a:rPr>
+              <a:t>			</a:t>
+            </a:r>
+            <a:r>
+              <a:rPr lang="ru-RU" sz="1800" b="0" i="0" u="none" strike="noStrike" cap="none" spc="0">
+                <a:solidFill>
+                  <a:schemeClr val="tx1"/>
+                </a:solidFill>
+                <a:latin typeface="Arial"/>
+                <a:ea typeface="Arial"/>
+                <a:cs typeface="Arial"/>
+              </a:rPr>
+              <a:t>	</a:t>
+            </a:r>
+            <a:r>
+              <a:rPr lang="ru-RU" sz="1800" b="0" i="0" u="none" strike="noStrike" cap="none" spc="0">
+                <a:solidFill>
+                  <a:schemeClr val="tx1"/>
+                </a:solidFill>
+                <a:latin typeface="Arial"/>
+                <a:ea typeface="Arial"/>
+                <a:cs typeface="Arial"/>
+              </a:rPr>
+              <a:t>fi</a:t>
+            </a:r>
+            <a:endParaRPr lang="ru-RU" sz="1800" b="0" i="0" u="none" strike="noStrike" cap="none" spc="0">
+              <a:solidFill>
+                <a:schemeClr val="tx1"/>
+              </a:solidFill>
+              <a:latin typeface="Arial"/>
+              <a:cs typeface="Arial"/>
+            </a:endParaRPr>
+          </a:p>
+          <a:p>
+            <a:pPr marL="0" indent="0">
+              <a:buFont typeface="Arial"/>
+              <a:buNone/>
+              <a:defRPr/>
+            </a:pPr>
+            <a:r>
+              <a:rPr lang="ru-RU" sz="1800" b="0" i="0" u="none" strike="noStrike" cap="none" spc="0">
+                <a:solidFill>
+                  <a:schemeClr val="tx1"/>
+                </a:solidFill>
+                <a:latin typeface="Arial"/>
+                <a:ea typeface="Arial"/>
+                <a:cs typeface="Arial"/>
+              </a:rPr>
+              <a:t>			</a:t>
+            </a:r>
+            <a:r>
+              <a:rPr lang="ru-RU" sz="1800" b="0" i="0" u="none" strike="noStrike" cap="none" spc="0">
+                <a:solidFill>
+                  <a:schemeClr val="tx1"/>
+                </a:solidFill>
+                <a:latin typeface="Arial"/>
+                <a:ea typeface="Arial"/>
+                <a:cs typeface="Arial"/>
+              </a:rPr>
+              <a:t>done</a:t>
+            </a:r>
+            <a:endParaRPr sz="1800"/>
+          </a:p>
+        </p:txBody>
+      </p:sp>
+    </p:spTree>
+  </p:cSld>
+  <p:clrMapOvr>
+    <a:masterClrMapping/>
+  </p:clrMapOvr>
+  <mc:AlternateContent xmlns:mc="http://schemas.openxmlformats.org/markup-compatibility/2006">
+    <mc:Choice xmlns:p159="http://schemas.microsoft.com/office/powerpoint/2015/09/main" xmlns:p14="http://schemas.microsoft.com/office/powerpoint/2010/main" Requires="p159">
+      <p:transition p14:dur="2000" advClick="1"/>
+    </mc:Choice>
+    <mc:Fallback>
+      <p:transition advClick="1"/>
+    </mc:Fallback>
+  </mc:AlternateContent>
+</p:sld>
+</file>
+
+<file path=ppt/slides/slide4.xml><?xml version="1.0" encoding="utf-8"?>
+<p:sld xmlns:a="http://schemas.openxmlformats.org/drawingml/2006/main" xmlns:r="http://schemas.openxmlformats.org/officeDocument/2006/relationships" xmlns:p="http://schemas.openxmlformats.org/presentationml/2006/main" xmlns:m="http://schemas.openxmlformats.org/officeDocument/2006/math" xmlns:w="http://schemas.openxmlformats.org/wordprocessingml/2006/main" xmlns:mc="http://schemas.openxmlformats.org/markup-compatibility/2006" showMasterPhAnim="0" showMasterSp="1" show="1">
+  <p:cSld name="">
+    <p:spTree>
+      <p:nvGrpSpPr>
+        <p:cNvPr id="1" name=""/>
+        <p:cNvGrpSpPr/>
+        <p:nvPr/>
+      </p:nvGrpSpPr>
+      <p:grpSpPr bwMode="auto">
+        <a:xfrm>
+          <a:off x="0" y="0"/>
+          <a:ext cx="0" cy="0"/>
+          <a:chOff x="0" y="0"/>
+          <a:chExt cx="0" cy="0"/>
+        </a:xfrm>
+      </p:grpSpPr>
+      <p:sp>
+        <p:nvSpPr>
+          <p:cNvPr id="1736026322" name="Title 1"/>
+          <p:cNvSpPr>
+            <a:spLocks noGrp="1"/>
+          </p:cNvSpPr>
+          <p:nvPr>
+            <p:ph type="title"/>
+          </p:nvPr>
+        </p:nvSpPr>
+        <p:spPr bwMode="auto">
+          <a:xfrm flipH="0" flipV="0">
+            <a:off x="838197" y="365121"/>
+            <a:ext cx="10515600" cy="616833"/>
+          </a:xfrm>
+        </p:spPr>
+        <p:txBody>
+          <a:bodyPr vertOverflow="overflow" horzOverflow="overflow" vert="horz" wrap="square" lIns="91440" tIns="45720" rIns="91440" bIns="45720" numCol="1" spcCol="0" rtlCol="0" fromWordArt="0" anchor="ctr" anchorCtr="0" forceAA="0" upright="0" compatLnSpc="0">
+            <a:normAutofit/>
+          </a:bodyPr>
+          <a:lstStyle/>
+          <a:p>
+            <a:pPr>
+              <a:defRPr/>
+            </a:pPr>
+            <a:r>
+              <a:rPr sz="2400"/>
+              <a:t>Скрипты: параметры командной строки</a:t>
+            </a:r>
+            <a:endParaRPr sz="2400"/>
+          </a:p>
+        </p:txBody>
+      </p:sp>
+      <p:sp>
+        <p:nvSpPr>
+          <p:cNvPr id="1572470580" name="Content Placeholder 2"/>
+          <p:cNvSpPr>
+            <a:spLocks noGrp="1"/>
+          </p:cNvSpPr>
+          <p:nvPr>
+            <p:ph idx="1"/>
+          </p:nvPr>
+        </p:nvSpPr>
+        <p:spPr bwMode="auto">
+          <a:xfrm flipH="0" flipV="0">
+            <a:off x="838197" y="1109610"/>
+            <a:ext cx="10515600" cy="5371310"/>
+          </a:xfrm>
+        </p:spPr>
+        <p:txBody>
+          <a:bodyPr vertOverflow="overflow" horzOverflow="overflow" vert="horz" wrap="square" lIns="91440" tIns="45720" rIns="91440" bIns="45720" numCol="1" spcCol="0" rtlCol="0" fromWordArt="0" anchor="t" anchorCtr="0" forceAA="0" upright="0" compatLnSpc="0">
+            <a:normAutofit/>
+          </a:bodyPr>
+          <a:lstStyle/>
+          <a:p>
+            <a:pPr marL="0" indent="0">
+              <a:buFont typeface="Arial"/>
+              <a:buNone/>
+              <a:defRPr/>
+            </a:pPr>
+            <a:r>
+              <a:rPr sz="1800"/>
+              <a:t>Задача: после ключа «-f» следующим аргументом будет идти имя файла. Необходимо вывести на экран содержимое этого файла.</a:t>
+            </a:r>
+            <a:endParaRPr sz="1800"/>
+          </a:p>
+          <a:p>
+            <a:pPr marL="0" indent="0">
+              <a:buFont typeface="Arial"/>
+              <a:buNone/>
+              <a:defRPr/>
+            </a:pPr>
+            <a:r>
+              <a:rPr sz="1800"/>
+              <a:t>			./script arg1 –f filename arg2</a:t>
+            </a:r>
+            <a:br>
+              <a:rPr sz="1800"/>
+            </a:br>
+            <a:br>
+              <a:rPr sz="1800"/>
+            </a:br>
+            <a:r>
+              <a:rPr sz="1800"/>
+              <a:t>Что нам понадобится:</a:t>
+            </a:r>
+            <a:endParaRPr sz="1800"/>
+          </a:p>
+          <a:p>
+            <a:pPr marL="283878" indent="-283878">
+              <a:buFont typeface="Arial"/>
+              <a:buAutoNum type="arabicPeriod"/>
+              <a:defRPr/>
+            </a:pPr>
+            <a:r>
+              <a:rPr sz="1800"/>
+              <a:t>$# – количество аргументов</a:t>
+            </a:r>
+            <a:endParaRPr sz="1800"/>
+          </a:p>
+          <a:p>
+            <a:pPr marL="283878" indent="-283878">
+              <a:buFont typeface="Arial"/>
+              <a:buAutoNum type="arabicPeriod"/>
+              <a:defRPr/>
+            </a:pPr>
+            <a:r>
+              <a:rPr sz="1800"/>
+              <a:t>Команда </a:t>
+            </a:r>
+            <a:r>
+              <a:rPr sz="1800" b="1"/>
+              <a:t>shift</a:t>
+            </a:r>
+            <a:r>
+              <a:rPr sz="1800" b="0"/>
+              <a:t>: </a:t>
+            </a:r>
+            <a:r>
+              <a:rPr lang="ru-RU" sz="1800" b="0" i="0" u="none" strike="noStrike" cap="none" spc="0">
+                <a:solidFill>
+                  <a:schemeClr val="tx1"/>
+                </a:solidFill>
+                <a:latin typeface="Arial"/>
+                <a:ea typeface="Arial"/>
+                <a:cs typeface="Arial"/>
+              </a:rPr>
+              <a:t>используется для сдвига позиционных параметров командной строки влево. </a:t>
+            </a:r>
+            <a:br>
+              <a:rPr lang="ru-RU" sz="1800" b="0" i="0" u="none" strike="noStrike" cap="none" spc="0">
+                <a:solidFill>
+                  <a:schemeClr val="tx1"/>
+                </a:solidFill>
+                <a:latin typeface="Arial"/>
+                <a:ea typeface="Arial"/>
+                <a:cs typeface="Arial"/>
+              </a:rPr>
+            </a:br>
+            <a:br>
+              <a:rPr lang="ru-RU" sz="1800" b="0" i="0" u="none" strike="noStrike" cap="none" spc="0">
+                <a:solidFill>
+                  <a:schemeClr val="tx1"/>
+                </a:solidFill>
+                <a:latin typeface="Arial"/>
+                <a:ea typeface="Arial"/>
+                <a:cs typeface="Arial"/>
+              </a:rPr>
+            </a:br>
+            <a:r>
+              <a:rPr lang="ru-RU" sz="1800" b="0" i="0" u="none" strike="noStrike" cap="none" spc="0">
+                <a:solidFill>
+                  <a:schemeClr val="tx1"/>
+                </a:solidFill>
+                <a:latin typeface="Arial"/>
+                <a:ea typeface="Arial"/>
+                <a:cs typeface="Arial"/>
+              </a:rPr>
+              <a:t>Это означает, что каждый аргумент перемещается на одну позицию назад, а первый аргумент удаляется. В результате $1 становится равным значению бывшего $2, $2 – значению бывшего $3 и так далее. </a:t>
+            </a:r>
+            <a:br>
+              <a:rPr lang="ru-RU" sz="1800" b="0" i="0" u="none" strike="noStrike" cap="none" spc="0">
+                <a:solidFill>
+                  <a:schemeClr val="tx1"/>
+                </a:solidFill>
+                <a:latin typeface="Arial"/>
+                <a:ea typeface="Arial"/>
+                <a:cs typeface="Arial"/>
+              </a:rPr>
+            </a:br>
+            <a:br>
+              <a:rPr lang="ru-RU" sz="1800" b="0" i="0" u="none" strike="noStrike" cap="none" spc="0">
+                <a:solidFill>
+                  <a:schemeClr val="tx1"/>
+                </a:solidFill>
+                <a:latin typeface="Arial"/>
+                <a:ea typeface="Arial"/>
+                <a:cs typeface="Arial"/>
+              </a:rPr>
+            </a:br>
+            <a:r>
+              <a:rPr lang="ru-RU" sz="1800" b="0" i="0" u="none" strike="noStrike" cap="none" spc="0">
+                <a:solidFill>
+                  <a:schemeClr val="tx1"/>
+                </a:solidFill>
+                <a:latin typeface="Arial"/>
+                <a:ea typeface="Arial"/>
+                <a:cs typeface="Arial"/>
+              </a:rPr>
+              <a:t>shift N – сдвиг аргументов на N позиций.</a:t>
+            </a:r>
+            <a:endParaRPr lang="ru-RU" sz="1800" b="0" i="0" u="none" strike="noStrike" cap="none" spc="0">
+              <a:solidFill>
+                <a:schemeClr val="tx1"/>
+              </a:solidFill>
+              <a:latin typeface="Arial"/>
+              <a:ea typeface="Arial"/>
+              <a:cs typeface="Arial"/>
+            </a:endParaRPr>
+          </a:p>
+          <a:p>
+            <a:pPr marL="283878" indent="-283878">
+              <a:buFont typeface="Arial"/>
+              <a:buAutoNum type="arabicPeriod"/>
+              <a:defRPr/>
+            </a:pPr>
+            <a:r>
+              <a:rPr lang="ru-RU" sz="1800" b="0" i="0" u="none" strike="noStrike" cap="none" spc="0">
+                <a:solidFill>
+                  <a:schemeClr val="tx1"/>
+                </a:solidFill>
+                <a:latin typeface="Arial"/>
+                <a:ea typeface="Arial"/>
+                <a:cs typeface="Arial"/>
+              </a:rPr>
+              <a:t>Ключ для проверки, что строка пустая: –z str</a:t>
+            </a:r>
+            <a:endParaRPr lang="ru-RU" sz="1800" b="0" i="0" u="none" strike="noStrike" cap="none" spc="0">
+              <a:solidFill>
+                <a:schemeClr val="tx1"/>
+              </a:solidFill>
+              <a:latin typeface="Arial"/>
+              <a:ea typeface="Arial"/>
+              <a:cs typeface="Arial"/>
+            </a:endParaRPr>
+          </a:p>
+          <a:p>
+            <a:pPr marL="283878" indent="-283878">
+              <a:buFont typeface="Arial"/>
+              <a:buAutoNum type="arabicPeriod"/>
+              <a:defRPr/>
+            </a:pPr>
+            <a:r>
+              <a:rPr lang="ru-RU" sz="1800" b="0" i="0" u="none" strike="noStrike" cap="none" spc="0">
+                <a:solidFill>
+                  <a:schemeClr val="tx1"/>
+                </a:solidFill>
+                <a:latin typeface="Arial"/>
+                <a:ea typeface="Arial"/>
+                <a:cs typeface="Arial"/>
+              </a:rPr>
+              <a:t>Команда преждевременного завершения скрипта: exit</a:t>
+            </a:r>
+            <a:endParaRPr lang="ru-RU" sz="1800"/>
+          </a:p>
+        </p:txBody>
+      </p:sp>
+    </p:spTree>
+  </p:cSld>
+  <p:clrMapOvr>
+    <a:masterClrMapping/>
+  </p:clrMapOvr>
+  <mc:AlternateContent xmlns:mc="http://schemas.openxmlformats.org/markup-compatibility/2006">
+    <mc:Choice xmlns:p159="http://schemas.microsoft.com/office/powerpoint/2015/09/main" xmlns:p14="http://schemas.microsoft.com/office/powerpoint/2010/main" Requires="p159">
+      <p:transition p14:dur="2000" advClick="1"/>
+    </mc:Choice>
+    <mc:Fallback>
+      <p:transition advClick="1"/>
+    </mc:Fallback>
+  </mc:AlternateContent>
+</p:sld>
+</file>
+
+<file path=ppt/slides/slide5.xml><?xml version="1.0" encoding="utf-8"?>
+<p:sld xmlns:a="http://schemas.openxmlformats.org/drawingml/2006/main" xmlns:r="http://schemas.openxmlformats.org/officeDocument/2006/relationships" xmlns:p="http://schemas.openxmlformats.org/presentationml/2006/main" xmlns:m="http://schemas.openxmlformats.org/officeDocument/2006/math" xmlns:w="http://schemas.openxmlformats.org/wordprocessingml/2006/main" xmlns:mc="http://schemas.openxmlformats.org/markup-compatibility/2006" showMasterPhAnim="0" showMasterSp="1" show="1">
+  <p:cSld name="">
+    <p:spTree>
+      <p:nvGrpSpPr>
+        <p:cNvPr id="1" name=""/>
+        <p:cNvGrpSpPr/>
+        <p:nvPr/>
+      </p:nvGrpSpPr>
+      <p:grpSpPr bwMode="auto">
+        <a:xfrm>
+          <a:off x="0" y="0"/>
+          <a:ext cx="0" cy="0"/>
+          <a:chOff x="0" y="0"/>
+          <a:chExt cx="0" cy="0"/>
+        </a:xfrm>
+      </p:grpSpPr>
+      <p:sp>
+        <p:nvSpPr>
+          <p:cNvPr id="710317515" name="Title 1"/>
+          <p:cNvSpPr>
+            <a:spLocks noGrp="1"/>
+          </p:cNvSpPr>
+          <p:nvPr>
+            <p:ph type="title"/>
+          </p:nvPr>
+        </p:nvSpPr>
+        <p:spPr bwMode="auto">
+          <a:xfrm flipH="0" flipV="0">
+            <a:off x="838197" y="365121"/>
+            <a:ext cx="10515600" cy="616833"/>
+          </a:xfrm>
+        </p:spPr>
+        <p:txBody>
+          <a:bodyPr vertOverflow="overflow" horzOverflow="overflow" vert="horz" wrap="square" lIns="91440" tIns="45720" rIns="91440" bIns="45720" numCol="1" spcCol="0" rtlCol="0" fromWordArt="0" anchor="ctr" anchorCtr="0" forceAA="0" upright="0" compatLnSpc="0">
+            <a:normAutofit/>
+          </a:bodyPr>
+          <a:lstStyle/>
+          <a:p>
+            <a:pPr>
+              <a:defRPr/>
+            </a:pPr>
+            <a:r>
+              <a:rPr sz="2400"/>
+              <a:t>Скрипты: параметры командной строки</a:t>
+            </a:r>
+            <a:endParaRPr sz="2400"/>
+          </a:p>
+        </p:txBody>
+      </p:sp>
+      <p:sp>
+        <p:nvSpPr>
+          <p:cNvPr id="1243182099" name="Content Placeholder 2"/>
+          <p:cNvSpPr>
+            <a:spLocks noGrp="1"/>
+          </p:cNvSpPr>
+          <p:nvPr>
+            <p:ph idx="1"/>
+          </p:nvPr>
+        </p:nvSpPr>
+        <p:spPr bwMode="auto">
+          <a:xfrm flipH="0" flipV="0">
+            <a:off x="838197" y="1109610"/>
+            <a:ext cx="10515600" cy="5371310"/>
+          </a:xfrm>
+        </p:spPr>
+        <p:txBody>
+          <a:bodyPr vertOverflow="overflow" horzOverflow="overflow" vert="horz" wrap="square" lIns="91440" tIns="45720" rIns="91440" bIns="45720" numCol="2" spcCol="0" rtlCol="0" fromWordArt="0" anchor="t" anchorCtr="0" forceAA="0" upright="0" compatLnSpc="0">
+            <a:normAutofit/>
+          </a:bodyPr>
+          <a:lstStyle/>
+          <a:p>
+            <a:pPr marL="0" indent="0">
+              <a:buFont typeface="Arial"/>
+              <a:buNone/>
+              <a:defRPr/>
+            </a:pPr>
+            <a:r>
+              <a:rPr lang="ru-RU" sz="1800" b="0" i="0" u="none" strike="noStrike" cap="none" spc="0">
+                <a:solidFill>
+                  <a:schemeClr val="tx1"/>
+                </a:solidFill>
+                <a:latin typeface="Arial"/>
+                <a:ea typeface="Arial"/>
+                <a:cs typeface="Arial"/>
+              </a:rPr>
+              <a:t>#!/bin/bash</a:t>
+            </a:r>
+            <a:endParaRPr sz="2400" b="0" i="0" u="none" strike="noStrike" cap="none" spc="0">
+              <a:solidFill>
+                <a:schemeClr val="tx1"/>
+              </a:solidFill>
+              <a:latin typeface="Arial"/>
+              <a:cs typeface="Arial"/>
+            </a:endParaRPr>
+          </a:p>
+          <a:p>
+            <a:pPr marL="0" indent="0">
+              <a:buFont typeface="Arial"/>
+              <a:buNone/>
+              <a:defRPr/>
+            </a:pPr>
+            <a:r>
+              <a:rPr lang="ru-RU" sz="1800" b="0" i="0" u="none" strike="noStrike" cap="none" spc="0">
+                <a:solidFill>
+                  <a:schemeClr val="tx1"/>
+                </a:solidFill>
+                <a:latin typeface="Arial"/>
+                <a:ea typeface="Arial"/>
+                <a:cs typeface="Arial"/>
+              </a:rPr>
+              <a:t>filename=""</a:t>
+            </a:r>
+            <a:endParaRPr sz="2400" b="0" i="0" u="none" strike="noStrike" cap="none" spc="0">
+              <a:solidFill>
+                <a:schemeClr val="tx1"/>
+              </a:solidFill>
+              <a:latin typeface="Arial"/>
+              <a:cs typeface="Arial"/>
+            </a:endParaRPr>
+          </a:p>
+          <a:p>
+            <a:pPr marL="0" indent="0">
+              <a:buFont typeface="Arial"/>
+              <a:buNone/>
+              <a:defRPr/>
+            </a:pPr>
+            <a:r>
+              <a:rPr lang="ru-RU" sz="1800" b="0" i="0" u="none" strike="noStrike" cap="none" spc="0">
+                <a:solidFill>
+                  <a:schemeClr val="tx1"/>
+                </a:solidFill>
+                <a:latin typeface="Arial"/>
+                <a:ea typeface="Arial"/>
+                <a:cs typeface="Arial"/>
+              </a:rPr>
+              <a:t>while [ $# \&gt; 0 ] </a:t>
+            </a:r>
+            <a:endParaRPr sz="2400" b="0" i="0" u="none" strike="noStrike" cap="none" spc="0">
+              <a:solidFill>
+                <a:schemeClr val="tx1"/>
+              </a:solidFill>
+              <a:latin typeface="Arial"/>
+              <a:cs typeface="Arial"/>
+            </a:endParaRPr>
+          </a:p>
+          <a:p>
+            <a:pPr marL="0" indent="0">
+              <a:buFont typeface="Arial"/>
+              <a:buNone/>
+              <a:defRPr/>
+            </a:pPr>
+            <a:r>
+              <a:rPr lang="ru-RU" sz="1800" b="0" i="0" u="none" strike="noStrike" cap="none" spc="0">
+                <a:solidFill>
+                  <a:schemeClr val="tx1"/>
+                </a:solidFill>
+                <a:latin typeface="Arial"/>
+                <a:ea typeface="Arial"/>
+                <a:cs typeface="Arial"/>
+              </a:rPr>
+              <a:t>do</a:t>
+            </a:r>
+            <a:endParaRPr sz="2400" b="0" i="0" u="none" strike="noStrike" cap="none" spc="0">
+              <a:solidFill>
+                <a:schemeClr val="tx1"/>
+              </a:solidFill>
+              <a:latin typeface="Arial"/>
+              <a:cs typeface="Arial"/>
+            </a:endParaRPr>
+          </a:p>
+          <a:p>
+            <a:pPr marL="0" indent="0">
+              <a:buFont typeface="Arial"/>
+              <a:buNone/>
+              <a:defRPr/>
+            </a:pPr>
+            <a:r>
+              <a:rPr lang="ru-RU" sz="1800" b="0" i="0" u="none" strike="noStrike" cap="none" spc="0">
+                <a:solidFill>
+                  <a:schemeClr val="tx1"/>
+                </a:solidFill>
+                <a:latin typeface="Arial"/>
+                <a:ea typeface="Arial"/>
+                <a:cs typeface="Arial"/>
+              </a:rPr>
+              <a:t>    if [ $1 == "-f" ]</a:t>
+            </a:r>
+            <a:endParaRPr sz="2400" b="0" i="0" u="none" strike="noStrike" cap="none" spc="0">
+              <a:solidFill>
+                <a:schemeClr val="tx1"/>
+              </a:solidFill>
+              <a:latin typeface="Arial"/>
+              <a:cs typeface="Arial"/>
+            </a:endParaRPr>
+          </a:p>
+          <a:p>
+            <a:pPr marL="0" indent="0">
+              <a:buFont typeface="Arial"/>
+              <a:buNone/>
+              <a:defRPr/>
+            </a:pPr>
+            <a:r>
+              <a:rPr lang="ru-RU" sz="1800" b="0" i="0" u="none" strike="noStrike" cap="none" spc="0">
+                <a:solidFill>
+                  <a:schemeClr val="tx1"/>
+                </a:solidFill>
+                <a:latin typeface="Arial"/>
+                <a:ea typeface="Arial"/>
+                <a:cs typeface="Arial"/>
+              </a:rPr>
+              <a:t>    then</a:t>
+            </a:r>
+            <a:endParaRPr sz="2400" b="0" i="0" u="none" strike="noStrike" cap="none" spc="0">
+              <a:solidFill>
+                <a:schemeClr val="tx1"/>
+              </a:solidFill>
+              <a:latin typeface="Arial"/>
+              <a:cs typeface="Arial"/>
+            </a:endParaRPr>
+          </a:p>
+          <a:p>
+            <a:pPr marL="0" indent="0">
+              <a:buFont typeface="Arial"/>
+              <a:buNone/>
+              <a:defRPr/>
+            </a:pPr>
+            <a:r>
+              <a:rPr lang="ru-RU" sz="1800" b="0" i="0" u="none" strike="noStrike" cap="none" spc="0">
+                <a:solidFill>
+                  <a:schemeClr val="tx1"/>
+                </a:solidFill>
+                <a:latin typeface="Arial"/>
+                <a:ea typeface="Arial"/>
+                <a:cs typeface="Arial"/>
+              </a:rPr>
+              <a:t>            filename="$2"</a:t>
+            </a:r>
+            <a:endParaRPr sz="2400" b="0" i="0" u="none" strike="noStrike" cap="none" spc="0">
+              <a:solidFill>
+                <a:schemeClr val="tx1"/>
+              </a:solidFill>
+              <a:latin typeface="Arial"/>
+              <a:cs typeface="Arial"/>
+            </a:endParaRPr>
+          </a:p>
+          <a:p>
+            <a:pPr marL="0" indent="0">
+              <a:buFont typeface="Arial"/>
+              <a:buNone/>
+              <a:defRPr/>
+            </a:pPr>
+            <a:r>
+              <a:rPr lang="ru-RU" sz="1800" b="0" i="0" u="none" strike="noStrike" cap="none" spc="0">
+                <a:solidFill>
+                  <a:schemeClr val="tx1"/>
+                </a:solidFill>
+                <a:latin typeface="Arial"/>
+                <a:ea typeface="Arial"/>
+                <a:cs typeface="Arial"/>
+              </a:rPr>
+              <a:t>            break</a:t>
+            </a:r>
+            <a:endParaRPr sz="2400" b="0" i="0" u="none" strike="noStrike" cap="none" spc="0">
+              <a:solidFill>
+                <a:schemeClr val="tx1"/>
+              </a:solidFill>
+              <a:latin typeface="Arial"/>
+              <a:cs typeface="Arial"/>
+            </a:endParaRPr>
+          </a:p>
+          <a:p>
+            <a:pPr marL="0" indent="0">
+              <a:buFont typeface="Arial"/>
+              <a:buNone/>
+              <a:defRPr/>
+            </a:pPr>
+            <a:r>
+              <a:rPr lang="ru-RU" sz="1800" b="0" i="0" u="none" strike="noStrike" cap="none" spc="0">
+                <a:solidFill>
+                  <a:schemeClr val="tx1"/>
+                </a:solidFill>
+                <a:latin typeface="Arial"/>
+                <a:ea typeface="Arial"/>
+                <a:cs typeface="Arial"/>
+              </a:rPr>
+              <a:t>    else</a:t>
+            </a:r>
+            <a:endParaRPr sz="2400" b="0" i="0" u="none" strike="noStrike" cap="none" spc="0">
+              <a:solidFill>
+                <a:schemeClr val="tx1"/>
+              </a:solidFill>
+              <a:latin typeface="Arial"/>
+              <a:cs typeface="Arial"/>
+            </a:endParaRPr>
+          </a:p>
+          <a:p>
+            <a:pPr marL="0" indent="0">
+              <a:buFont typeface="Arial"/>
+              <a:buNone/>
+              <a:defRPr/>
+            </a:pPr>
+            <a:r>
+              <a:rPr lang="ru-RU" sz="1800" b="0" i="0" u="none" strike="noStrike" cap="none" spc="0">
+                <a:solidFill>
+                  <a:schemeClr val="tx1"/>
+                </a:solidFill>
+                <a:latin typeface="Arial"/>
+                <a:ea typeface="Arial"/>
+                <a:cs typeface="Arial"/>
+              </a:rPr>
+              <a:t>        </a:t>
+            </a:r>
+            <a:r>
+              <a:rPr lang="ru-RU" sz="1800" b="1" i="0" u="none" strike="noStrike" cap="none" spc="0">
+                <a:solidFill>
+                  <a:schemeClr val="tx1"/>
+                </a:solidFill>
+                <a:latin typeface="Arial"/>
+                <a:ea typeface="Arial"/>
+                <a:cs typeface="Arial"/>
+              </a:rPr>
+              <a:t>shift</a:t>
+            </a:r>
+            <a:endParaRPr sz="2400" b="0" i="0" u="none" strike="noStrike" cap="none" spc="0">
+              <a:solidFill>
+                <a:schemeClr val="tx1"/>
+              </a:solidFill>
+              <a:latin typeface="Arial"/>
+              <a:cs typeface="Arial"/>
+            </a:endParaRPr>
+          </a:p>
+          <a:p>
+            <a:pPr marL="0" indent="0">
+              <a:buFont typeface="Arial"/>
+              <a:buNone/>
+              <a:defRPr/>
+            </a:pPr>
+            <a:r>
+              <a:rPr lang="ru-RU" sz="1800" b="0" i="0" u="none" strike="noStrike" cap="none" spc="0">
+                <a:solidFill>
+                  <a:schemeClr val="tx1"/>
+                </a:solidFill>
+                <a:latin typeface="Arial"/>
+                <a:ea typeface="Arial"/>
+                <a:cs typeface="Arial"/>
+              </a:rPr>
+              <a:t>    fi</a:t>
+            </a:r>
+            <a:endParaRPr sz="2400" b="0" i="0" u="none" strike="noStrike" cap="none" spc="0">
+              <a:solidFill>
+                <a:schemeClr val="tx1"/>
+              </a:solidFill>
+              <a:latin typeface="Arial"/>
+              <a:cs typeface="Arial"/>
+            </a:endParaRPr>
+          </a:p>
+          <a:p>
+            <a:pPr marL="0" indent="0">
+              <a:buFont typeface="Arial"/>
+              <a:buNone/>
+              <a:defRPr/>
+            </a:pPr>
+            <a:r>
+              <a:rPr lang="ru-RU" sz="1800" b="0" i="0" u="none" strike="noStrike" cap="none" spc="0">
+                <a:solidFill>
+                  <a:schemeClr val="tx1"/>
+                </a:solidFill>
+                <a:latin typeface="Arial"/>
+                <a:ea typeface="Arial"/>
+                <a:cs typeface="Arial"/>
+              </a:rPr>
+              <a:t>done</a:t>
+            </a:r>
+            <a:endParaRPr sz="2400" b="0" i="0" u="none" strike="noStrike" cap="none" spc="0">
+              <a:solidFill>
+                <a:schemeClr val="tx1"/>
+              </a:solidFill>
+              <a:latin typeface="Arial"/>
+              <a:cs typeface="Arial"/>
+            </a:endParaRPr>
+          </a:p>
+          <a:p>
+            <a:pPr marL="0" indent="0">
+              <a:buFont typeface="Arial"/>
+              <a:buNone/>
+              <a:defRPr/>
+            </a:pPr>
+            <a:endParaRPr sz="1800" b="0" i="0" u="none" strike="noStrike" cap="none" spc="0">
+              <a:solidFill>
+                <a:schemeClr val="tx1"/>
+              </a:solidFill>
+              <a:latin typeface="Arial"/>
+              <a:cs typeface="Arial"/>
+            </a:endParaRPr>
+          </a:p>
+          <a:p>
+            <a:pPr marL="0" indent="0">
+              <a:buFont typeface="Arial"/>
+              <a:buNone/>
+              <a:defRPr/>
+            </a:pPr>
+            <a:endParaRPr sz="1800" b="0" i="0" u="none" strike="noStrike" cap="none" spc="0">
+              <a:solidFill>
+                <a:schemeClr val="tx1"/>
+              </a:solidFill>
+              <a:latin typeface="Arial"/>
+              <a:cs typeface="Arial"/>
+            </a:endParaRPr>
+          </a:p>
+          <a:p>
+            <a:pPr marL="0" indent="0">
+              <a:buFont typeface="Arial"/>
+              <a:buNone/>
+              <a:defRPr/>
+            </a:pPr>
+            <a:r>
+              <a:rPr lang="ru-RU" sz="1800" b="0" i="0" u="none" strike="noStrike" cap="none" spc="0">
+                <a:solidFill>
+                  <a:schemeClr val="tx1"/>
+                </a:solidFill>
+                <a:latin typeface="Arial"/>
+                <a:ea typeface="Arial"/>
+                <a:cs typeface="Arial"/>
+              </a:rPr>
+              <a:t>if [ </a:t>
+            </a:r>
+            <a:r>
+              <a:rPr lang="ru-RU" sz="1800" b="1" i="0" u="none" strike="noStrike" cap="none" spc="0">
+                <a:solidFill>
+                  <a:schemeClr val="tx1"/>
+                </a:solidFill>
+                <a:latin typeface="Arial"/>
+                <a:ea typeface="Arial"/>
+                <a:cs typeface="Arial"/>
+              </a:rPr>
+              <a:t>-z</a:t>
+            </a:r>
+            <a:r>
+              <a:rPr lang="ru-RU" sz="1800" b="0" i="0" u="none" strike="noStrike" cap="none" spc="0">
+                <a:solidFill>
+                  <a:schemeClr val="tx1"/>
+                </a:solidFill>
+                <a:latin typeface="Arial"/>
+                <a:ea typeface="Arial"/>
+                <a:cs typeface="Arial"/>
+              </a:rPr>
+              <a:t> $filename ]</a:t>
+            </a:r>
+            <a:endParaRPr sz="1800" b="0" i="0" u="none" strike="noStrike" cap="none" spc="0">
+              <a:solidFill>
+                <a:schemeClr val="tx1"/>
+              </a:solidFill>
+              <a:latin typeface="Arial"/>
+              <a:cs typeface="Arial"/>
+            </a:endParaRPr>
+          </a:p>
+          <a:p>
+            <a:pPr marL="0" indent="0">
+              <a:buFont typeface="Arial"/>
+              <a:buNone/>
+              <a:defRPr/>
+            </a:pPr>
+            <a:r>
+              <a:rPr lang="ru-RU" sz="1800" b="0" i="0" u="none" strike="noStrike" cap="none" spc="0">
+                <a:solidFill>
+                  <a:schemeClr val="tx1"/>
+                </a:solidFill>
+                <a:latin typeface="Arial"/>
+                <a:ea typeface="Arial"/>
+                <a:cs typeface="Arial"/>
+              </a:rPr>
+              <a:t>then</a:t>
+            </a:r>
+            <a:endParaRPr sz="1800" b="0" i="0" u="none" strike="noStrike" cap="none" spc="0">
+              <a:solidFill>
+                <a:schemeClr val="tx1"/>
+              </a:solidFill>
+              <a:latin typeface="Arial"/>
+              <a:cs typeface="Arial"/>
+            </a:endParaRPr>
+          </a:p>
+          <a:p>
+            <a:pPr marL="0" indent="0">
+              <a:buFont typeface="Arial"/>
+              <a:buNone/>
+              <a:defRPr/>
+            </a:pPr>
+            <a:r>
+              <a:rPr lang="ru-RU" sz="1800" b="0" i="0" u="none" strike="noStrike" cap="none" spc="0">
+                <a:solidFill>
+                  <a:schemeClr val="tx1"/>
+                </a:solidFill>
+                <a:latin typeface="Arial"/>
+                <a:ea typeface="Arial"/>
+                <a:cs typeface="Arial"/>
+              </a:rPr>
+              <a:t>        echo "Имя файла не указано"</a:t>
+            </a:r>
+            <a:endParaRPr sz="1800" b="0" i="0" u="none" strike="noStrike" cap="none" spc="0">
+              <a:solidFill>
+                <a:schemeClr val="tx1"/>
+              </a:solidFill>
+              <a:latin typeface="Arial"/>
+              <a:cs typeface="Arial"/>
+            </a:endParaRPr>
+          </a:p>
+          <a:p>
+            <a:pPr marL="0" indent="0">
+              <a:buFont typeface="Arial"/>
+              <a:buNone/>
+              <a:defRPr/>
+            </a:pPr>
+            <a:r>
+              <a:rPr lang="ru-RU" sz="1800" b="0" i="0" u="none" strike="noStrike" cap="none" spc="0">
+                <a:solidFill>
+                  <a:schemeClr val="tx1"/>
+                </a:solidFill>
+                <a:latin typeface="Arial"/>
+                <a:ea typeface="Arial"/>
+                <a:cs typeface="Arial"/>
+              </a:rPr>
+              <a:t>        exit 1</a:t>
+            </a:r>
+            <a:endParaRPr sz="1800" b="0" i="0" u="none" strike="noStrike" cap="none" spc="0">
+              <a:solidFill>
+                <a:schemeClr val="tx1"/>
+              </a:solidFill>
+              <a:latin typeface="Arial"/>
+              <a:cs typeface="Arial"/>
+            </a:endParaRPr>
+          </a:p>
+          <a:p>
+            <a:pPr marL="0" indent="0">
+              <a:buFont typeface="Arial"/>
+              <a:buNone/>
+              <a:defRPr/>
+            </a:pPr>
+            <a:r>
+              <a:rPr lang="ru-RU" sz="1800" b="0" i="0" u="none" strike="noStrike" cap="none" spc="0">
+                <a:solidFill>
+                  <a:schemeClr val="tx1"/>
+                </a:solidFill>
+                <a:latin typeface="Arial"/>
+                <a:ea typeface="Arial"/>
+                <a:cs typeface="Arial"/>
+              </a:rPr>
+              <a:t>fi</a:t>
+            </a:r>
+            <a:endParaRPr lang="ru-RU" sz="1800" b="0" i="0" u="none" strike="noStrike" cap="none" spc="0">
+              <a:solidFill>
+                <a:schemeClr val="tx1"/>
+              </a:solidFill>
+              <a:latin typeface="Arial"/>
+              <a:ea typeface="Arial"/>
+              <a:cs typeface="Arial"/>
+            </a:endParaRPr>
+          </a:p>
+          <a:p>
+            <a:pPr marL="0" indent="0">
+              <a:buFont typeface="Arial"/>
+              <a:buNone/>
+              <a:defRPr/>
+            </a:pPr>
+            <a:endParaRPr lang="ru-RU" sz="1800" b="0" i="0" u="none" strike="noStrike" cap="none" spc="0">
+              <a:solidFill>
+                <a:schemeClr val="tx1"/>
+              </a:solidFill>
+              <a:latin typeface="Arial"/>
+              <a:cs typeface="Arial"/>
+            </a:endParaRPr>
+          </a:p>
+          <a:p>
+            <a:pPr marL="0" indent="0">
+              <a:buFont typeface="Arial"/>
+              <a:buNone/>
+              <a:defRPr/>
+            </a:pPr>
+            <a:r>
+              <a:rPr lang="ru-RU" sz="1800" b="0" i="0" u="none" strike="noStrike" cap="none" spc="0">
+                <a:solidFill>
+                  <a:schemeClr val="tx1"/>
+                </a:solidFill>
+                <a:latin typeface="Arial"/>
+                <a:ea typeface="Arial"/>
+                <a:cs typeface="Arial"/>
+              </a:rPr>
+              <a:t>if [ </a:t>
+            </a:r>
+            <a:r>
+              <a:rPr lang="ru-RU" sz="1800" b="1" i="0" u="none" strike="noStrike" cap="none" spc="0">
+                <a:solidFill>
+                  <a:schemeClr val="tx1"/>
+                </a:solidFill>
+                <a:latin typeface="Arial"/>
+                <a:ea typeface="Arial"/>
+                <a:cs typeface="Arial"/>
+              </a:rPr>
+              <a:t>-f</a:t>
+            </a:r>
+            <a:r>
+              <a:rPr lang="ru-RU" sz="1800" b="0" i="0" u="none" strike="noStrike" cap="none" spc="0">
+                <a:solidFill>
+                  <a:schemeClr val="tx1"/>
+                </a:solidFill>
+                <a:latin typeface="Arial"/>
+                <a:ea typeface="Arial"/>
+                <a:cs typeface="Arial"/>
+              </a:rPr>
+              <a:t> $filename ]</a:t>
+            </a:r>
+            <a:endParaRPr sz="1800" b="0" i="0" u="none" strike="noStrike" cap="none" spc="0">
+              <a:solidFill>
+                <a:schemeClr val="tx1"/>
+              </a:solidFill>
+              <a:latin typeface="Arial"/>
+              <a:cs typeface="Arial"/>
+            </a:endParaRPr>
+          </a:p>
+          <a:p>
+            <a:pPr marL="0" indent="0">
+              <a:buFont typeface="Arial"/>
+              <a:buNone/>
+              <a:defRPr/>
+            </a:pPr>
+            <a:r>
+              <a:rPr lang="ru-RU" sz="1800" b="0" i="0" u="none" strike="noStrike" cap="none" spc="0">
+                <a:solidFill>
+                  <a:schemeClr val="tx1"/>
+                </a:solidFill>
+                <a:latin typeface="Arial"/>
+                <a:ea typeface="Arial"/>
+                <a:cs typeface="Arial"/>
+              </a:rPr>
+              <a:t>then</a:t>
+            </a:r>
+            <a:endParaRPr sz="1800" b="0" i="0" u="none" strike="noStrike" cap="none" spc="0">
+              <a:solidFill>
+                <a:schemeClr val="tx1"/>
+              </a:solidFill>
+              <a:latin typeface="Arial"/>
+              <a:cs typeface="Arial"/>
+            </a:endParaRPr>
+          </a:p>
+          <a:p>
+            <a:pPr marL="0" indent="0">
+              <a:buFont typeface="Arial"/>
+              <a:buNone/>
+              <a:defRPr/>
+            </a:pPr>
+            <a:r>
+              <a:rPr lang="ru-RU" sz="1800" b="0" i="0" u="none" strike="noStrike" cap="none" spc="0">
+                <a:solidFill>
+                  <a:schemeClr val="tx1"/>
+                </a:solidFill>
+                <a:latin typeface="Arial"/>
+                <a:ea typeface="Arial"/>
+                <a:cs typeface="Arial"/>
+              </a:rPr>
+              <a:t>        cat $filename</a:t>
+            </a:r>
+            <a:endParaRPr sz="1800" b="0" i="0" u="none" strike="noStrike" cap="none" spc="0">
+              <a:solidFill>
+                <a:schemeClr val="tx1"/>
+              </a:solidFill>
+              <a:latin typeface="Arial"/>
+              <a:cs typeface="Arial"/>
+            </a:endParaRPr>
+          </a:p>
+          <a:p>
+            <a:pPr marL="0" indent="0">
+              <a:buFont typeface="Arial"/>
+              <a:buNone/>
+              <a:defRPr/>
+            </a:pPr>
+            <a:r>
+              <a:rPr lang="ru-RU" sz="1800" b="0" i="0" u="none" strike="noStrike" cap="none" spc="0">
+                <a:solidFill>
+                  <a:schemeClr val="tx1"/>
+                </a:solidFill>
+                <a:latin typeface="Arial"/>
+                <a:ea typeface="Arial"/>
+                <a:cs typeface="Arial"/>
+              </a:rPr>
+              <a:t>else</a:t>
+            </a:r>
+            <a:endParaRPr sz="1800" b="0" i="0" u="none" strike="noStrike" cap="none" spc="0">
+              <a:solidFill>
+                <a:schemeClr val="tx1"/>
+              </a:solidFill>
+              <a:latin typeface="Arial"/>
+              <a:cs typeface="Arial"/>
+            </a:endParaRPr>
+          </a:p>
+          <a:p>
+            <a:pPr marL="0" indent="0">
+              <a:buFont typeface="Arial"/>
+              <a:buNone/>
+              <a:defRPr/>
+            </a:pPr>
+            <a:r>
+              <a:rPr lang="ru-RU" sz="1800" b="0" i="0" u="none" strike="noStrike" cap="none" spc="0">
+                <a:solidFill>
+                  <a:schemeClr val="tx1"/>
+                </a:solidFill>
+                <a:latin typeface="Arial"/>
+                <a:ea typeface="Arial"/>
+                <a:cs typeface="Arial"/>
+              </a:rPr>
+              <a:t>        echo "Файл не существует"</a:t>
+            </a:r>
+            <a:endParaRPr sz="1800" b="0" i="0" u="none" strike="noStrike" cap="none" spc="0">
+              <a:solidFill>
+                <a:schemeClr val="tx1"/>
+              </a:solidFill>
+              <a:latin typeface="Arial"/>
+              <a:cs typeface="Arial"/>
+            </a:endParaRPr>
+          </a:p>
+          <a:p>
+            <a:pPr marL="0" indent="0">
+              <a:buFont typeface="Arial"/>
+              <a:buNone/>
+              <a:defRPr/>
+            </a:pPr>
+            <a:r>
+              <a:rPr lang="ru-RU" sz="1800" b="0" i="0" u="none" strike="noStrike" cap="none" spc="0">
+                <a:solidFill>
+                  <a:schemeClr val="tx1"/>
+                </a:solidFill>
+                <a:latin typeface="Arial"/>
+                <a:ea typeface="Arial"/>
+                <a:cs typeface="Arial"/>
+              </a:rPr>
+              <a:t>fi</a:t>
+            </a:r>
+            <a:endParaRPr sz="1800"/>
+          </a:p>
+        </p:txBody>
+      </p:sp>
+    </p:spTree>
+  </p:cSld>
+  <p:clrMapOvr>
+    <a:masterClrMapping/>
+  </p:clrMapOvr>
+  <mc:AlternateContent xmlns:mc="http://schemas.openxmlformats.org/markup-compatibility/2006">
+    <mc:Choice xmlns:p159="http://schemas.microsoft.com/office/powerpoint/2015/09/main" xmlns:p14="http://schemas.microsoft.com/office/powerpoint/2010/main" Requires="p159">
+      <p:transition p14:dur="2000" advClick="1"/>
+    </mc:Choice>
+    <mc:Fallback>
+      <p:transition advClick="1"/>
+    </mc:Fallback>
+  </mc:AlternateContent>
+</p:sld>
+</file>
+
+<file path=ppt/slides/slide6.xml><?xml version="1.0" encoding="utf-8"?>
+<p:sld xmlns:a="http://schemas.openxmlformats.org/drawingml/2006/main" xmlns:r="http://schemas.openxmlformats.org/officeDocument/2006/relationships" xmlns:p="http://schemas.openxmlformats.org/presentationml/2006/main" xmlns:m="http://schemas.openxmlformats.org/officeDocument/2006/math" xmlns:w="http://schemas.openxmlformats.org/wordprocessingml/2006/main" xmlns:mc="http://schemas.openxmlformats.org/markup-compatibility/2006" showMasterPhAnim="0" showMasterSp="1" show="1">
+  <p:cSld name="">
+    <p:spTree>
+      <p:nvGrpSpPr>
+        <p:cNvPr id="1" name=""/>
+        <p:cNvGrpSpPr/>
+        <p:nvPr/>
+      </p:nvGrpSpPr>
+      <p:grpSpPr bwMode="auto">
+        <a:xfrm>
+          <a:off x="0" y="0"/>
+          <a:ext cx="0" cy="0"/>
+          <a:chOff x="0" y="0"/>
+          <a:chExt cx="0" cy="0"/>
+        </a:xfrm>
+      </p:grpSpPr>
+      <p:sp>
+        <p:nvSpPr>
+          <p:cNvPr id="242225684" name="Title 1"/>
+          <p:cNvSpPr>
+            <a:spLocks noGrp="1"/>
+          </p:cNvSpPr>
+          <p:nvPr>
+            <p:ph type="title"/>
+          </p:nvPr>
+        </p:nvSpPr>
+        <p:spPr bwMode="auto">
+          <a:xfrm flipH="0" flipV="0">
+            <a:off x="838197" y="365121"/>
+            <a:ext cx="10515600" cy="616833"/>
+          </a:xfrm>
+        </p:spPr>
+        <p:txBody>
+          <a:bodyPr vertOverflow="overflow" horzOverflow="overflow" vert="horz" wrap="square" lIns="91440" tIns="45720" rIns="91440" bIns="45720" numCol="1" spcCol="0" rtlCol="0" fromWordArt="0" anchor="ctr" anchorCtr="0" forceAA="0" upright="0" compatLnSpc="0">
+            <a:normAutofit/>
+          </a:bodyPr>
+          <a:lstStyle/>
+          <a:p>
+            <a:pPr>
+              <a:defRPr/>
+            </a:pPr>
+            <a:r>
+              <a:rPr sz="2400"/>
+              <a:t>Скрипты: функции</a:t>
+            </a:r>
+            <a:endParaRPr sz="2400"/>
+          </a:p>
+        </p:txBody>
+      </p:sp>
+      <p:sp>
+        <p:nvSpPr>
+          <p:cNvPr id="906634963" name="Content Placeholder 2"/>
+          <p:cNvSpPr>
+            <a:spLocks noGrp="1"/>
+          </p:cNvSpPr>
+          <p:nvPr>
+            <p:ph idx="1"/>
+          </p:nvPr>
+        </p:nvSpPr>
+        <p:spPr bwMode="auto">
+          <a:xfrm flipH="0" flipV="0">
+            <a:off x="838197" y="1109610"/>
+            <a:ext cx="10515600" cy="5371309"/>
+          </a:xfrm>
+        </p:spPr>
+        <p:txBody>
+          <a:bodyPr vertOverflow="overflow" horzOverflow="overflow" vert="horz" wrap="square" lIns="91440" tIns="45720" rIns="91440" bIns="45720" numCol="1" spcCol="0" rtlCol="0" fromWordArt="0" anchor="t" anchorCtr="0" forceAA="0" upright="0" compatLnSpc="0">
+            <a:normAutofit/>
+          </a:bodyPr>
+          <a:lstStyle/>
+          <a:p>
+            <a:pPr marL="283878" indent="-283878">
+              <a:buFont typeface="Arial"/>
+              <a:buAutoNum type="arabicPeriod"/>
+              <a:defRPr/>
+            </a:pPr>
+            <a:r>
+              <a:rPr sz="1800"/>
+              <a:t>Определение функции</a:t>
+            </a:r>
+            <a:br>
+              <a:rPr sz="1800"/>
+            </a:br>
+            <a:br>
+              <a:rPr sz="1800"/>
+            </a:br>
+            <a:r>
+              <a:rPr lang="ru-RU" sz="1800" b="0" i="0" u="none" strike="noStrike" cap="none" spc="0">
+                <a:solidFill>
+                  <a:schemeClr val="tx1"/>
+                </a:solidFill>
+                <a:latin typeface="Arial"/>
+                <a:ea typeface="Arial"/>
+                <a:cs typeface="Arial"/>
+              </a:rPr>
+              <a:t>			function имя_функции {</a:t>
+            </a:r>
+            <a:br>
+              <a:rPr lang="ru-RU" sz="1800" b="0" i="0" u="none" strike="noStrike" cap="none" spc="0">
+                <a:solidFill>
+                  <a:schemeClr val="tx1"/>
+                </a:solidFill>
+                <a:latin typeface="Arial"/>
+                <a:ea typeface="Arial"/>
+                <a:cs typeface="Arial"/>
+              </a:rPr>
+            </a:br>
+            <a:r>
+              <a:rPr lang="ru-RU" sz="1800" b="0" i="0" u="none" strike="noStrike" cap="none" spc="0">
+                <a:solidFill>
+                  <a:schemeClr val="tx1"/>
+                </a:solidFill>
+                <a:latin typeface="Arial"/>
+                <a:ea typeface="Arial"/>
+                <a:cs typeface="Arial"/>
+              </a:rPr>
+              <a:t>     				# Команды</a:t>
+            </a:r>
+            <a:br>
+              <a:rPr lang="ru-RU" sz="1800" b="0" i="0" u="none" strike="noStrike" cap="none" spc="0">
+                <a:solidFill>
+                  <a:schemeClr val="tx1"/>
+                </a:solidFill>
+                <a:latin typeface="Arial"/>
+                <a:ea typeface="Arial"/>
+                <a:cs typeface="Arial"/>
+              </a:rPr>
+            </a:br>
+            <a:r>
+              <a:rPr lang="ru-RU" sz="1800" b="0" i="0" u="none" strike="noStrike" cap="none" spc="0">
+                <a:solidFill>
+                  <a:schemeClr val="tx1"/>
+                </a:solidFill>
+                <a:latin typeface="Arial"/>
+                <a:ea typeface="Arial"/>
+                <a:cs typeface="Arial"/>
+              </a:rPr>
+              <a:t>			}</a:t>
+            </a:r>
+            <a:br>
+              <a:rPr lang="ru-RU" sz="1800" b="0" i="0" u="none" strike="noStrike" cap="none" spc="0">
+                <a:solidFill>
+                  <a:schemeClr val="tx1"/>
+                </a:solidFill>
+                <a:latin typeface="Arial"/>
+                <a:ea typeface="Arial"/>
+                <a:cs typeface="Arial"/>
+              </a:rPr>
+            </a:br>
+            <a:r>
+              <a:rPr lang="ru-RU" sz="1800" b="0" i="0" u="none" strike="noStrike" cap="none" spc="0">
+                <a:solidFill>
+                  <a:schemeClr val="tx1"/>
+                </a:solidFill>
+                <a:latin typeface="Arial"/>
+                <a:ea typeface="Arial"/>
+                <a:cs typeface="Arial"/>
+              </a:rPr>
+              <a:t>Функция вызывается просто как обычная комманда: имя_функции</a:t>
+            </a:r>
+            <a:br>
+              <a:rPr lang="ru-RU" sz="1800" b="0" i="0" u="none" strike="noStrike" cap="none" spc="0">
+                <a:solidFill>
+                  <a:schemeClr val="tx1"/>
+                </a:solidFill>
+                <a:latin typeface="Arial"/>
+                <a:ea typeface="Arial"/>
+                <a:cs typeface="Arial"/>
+              </a:rPr>
+            </a:br>
+            <a:br>
+              <a:rPr lang="ru-RU" sz="1800" b="0" i="0" u="none" strike="noStrike" cap="none" spc="0">
+                <a:solidFill>
+                  <a:schemeClr val="tx1"/>
+                </a:solidFill>
+                <a:latin typeface="Arial"/>
+                <a:ea typeface="Arial"/>
+                <a:cs typeface="Arial"/>
+              </a:rPr>
+            </a:br>
+            <a:r>
+              <a:rPr lang="ru-RU" sz="1800" b="0" i="0" u="none" strike="noStrike" cap="none" spc="0">
+                <a:solidFill>
+                  <a:schemeClr val="tx1"/>
+                </a:solidFill>
+                <a:latin typeface="Arial"/>
+                <a:ea typeface="Arial"/>
+                <a:cs typeface="Arial"/>
+              </a:rPr>
+              <a:t>Пример:</a:t>
+            </a:r>
+            <a:br>
+              <a:rPr lang="ru-RU" sz="1800" b="0" i="0" u="none" strike="noStrike" cap="none" spc="0">
+                <a:solidFill>
+                  <a:schemeClr val="tx1"/>
+                </a:solidFill>
+                <a:latin typeface="Arial"/>
+                <a:ea typeface="Arial"/>
+                <a:cs typeface="Arial"/>
+              </a:rPr>
+            </a:br>
+            <a:r>
+              <a:rPr lang="ru-RU" sz="1800" b="0" i="0" u="none" strike="noStrike" cap="none" spc="0">
+                <a:solidFill>
+                  <a:schemeClr val="tx1"/>
+                </a:solidFill>
+                <a:latin typeface="Arial"/>
+                <a:ea typeface="Arial"/>
+                <a:cs typeface="Arial"/>
+              </a:rPr>
+              <a:t>			#!/bin/bash</a:t>
+            </a:r>
+            <a:br>
+              <a:rPr lang="ru-RU" sz="1800" b="0" i="0" u="none" strike="noStrike" cap="none" spc="0">
+                <a:solidFill>
+                  <a:schemeClr val="tx1"/>
+                </a:solidFill>
+                <a:latin typeface="Arial"/>
+                <a:ea typeface="Arial"/>
+                <a:cs typeface="Arial"/>
+              </a:rPr>
+            </a:br>
+            <a:r>
+              <a:rPr lang="ru-RU" sz="1800" b="0" i="0" u="none" strike="noStrike" cap="none" spc="0">
+                <a:solidFill>
+                  <a:schemeClr val="tx1"/>
+                </a:solidFill>
+                <a:latin typeface="Arial"/>
+                <a:ea typeface="Arial"/>
+                <a:cs typeface="Arial"/>
+              </a:rPr>
+              <a:t>			greet() {</a:t>
+            </a:r>
+            <a:br>
+              <a:rPr lang="ru-RU" sz="1800" b="0" i="0" u="none" strike="noStrike" cap="none" spc="0">
+                <a:solidFill>
+                  <a:schemeClr val="tx1"/>
+                </a:solidFill>
+                <a:latin typeface="Arial"/>
+                <a:ea typeface="Arial"/>
+                <a:cs typeface="Arial"/>
+              </a:rPr>
+            </a:br>
+            <a:br>
+              <a:rPr lang="ru-RU" sz="1800" b="0" i="0" u="none" strike="noStrike" cap="none" spc="0">
+                <a:solidFill>
+                  <a:schemeClr val="tx1"/>
+                </a:solidFill>
+                <a:latin typeface="Arial"/>
+                <a:ea typeface="Arial"/>
+                <a:cs typeface="Arial"/>
+              </a:rPr>
+            </a:br>
+            <a:r>
+              <a:rPr lang="ru-RU" sz="1800" b="0" i="0" u="none" strike="noStrike" cap="none" spc="0">
+                <a:solidFill>
+                  <a:schemeClr val="tx1"/>
+                </a:solidFill>
+                <a:latin typeface="Arial"/>
+                <a:ea typeface="Arial"/>
+                <a:cs typeface="Arial"/>
+              </a:rPr>
+              <a:t>				echo "Hello, world!"</a:t>
+            </a:r>
+            <a:br>
+              <a:rPr lang="ru-RU" sz="1800" b="0" i="0" u="none" strike="noStrike" cap="none" spc="0">
+                <a:solidFill>
+                  <a:schemeClr val="tx1"/>
+                </a:solidFill>
+                <a:latin typeface="Arial"/>
+                <a:ea typeface="Arial"/>
+                <a:cs typeface="Arial"/>
+              </a:rPr>
+            </a:br>
+            <a:br>
+              <a:rPr lang="ru-RU" sz="1800" b="0" i="0" u="none" strike="noStrike" cap="none" spc="0">
+                <a:solidFill>
+                  <a:schemeClr val="tx1"/>
+                </a:solidFill>
+                <a:latin typeface="Arial"/>
+                <a:ea typeface="Arial"/>
+                <a:cs typeface="Arial"/>
+              </a:rPr>
+            </a:br>
+            <a:r>
+              <a:rPr lang="ru-RU" sz="1800" b="0" i="0" u="none" strike="noStrike" cap="none" spc="0">
+                <a:solidFill>
+                  <a:schemeClr val="tx1"/>
+                </a:solidFill>
+                <a:latin typeface="Arial"/>
+                <a:ea typeface="Arial"/>
+                <a:cs typeface="Arial"/>
+              </a:rPr>
+              <a:t>			}</a:t>
+            </a:r>
+            <a:br>
+              <a:rPr lang="ru-RU" sz="1800" b="0" i="0" u="none" strike="noStrike" cap="none" spc="0">
+                <a:solidFill>
+                  <a:schemeClr val="tx1"/>
+                </a:solidFill>
+                <a:latin typeface="Arial"/>
+                <a:ea typeface="Arial"/>
+                <a:cs typeface="Arial"/>
+              </a:rPr>
+            </a:br>
+            <a:br>
+              <a:rPr lang="ru-RU" sz="1800" b="0" i="0" u="none" strike="noStrike" cap="none" spc="0">
+                <a:solidFill>
+                  <a:schemeClr val="tx1"/>
+                </a:solidFill>
+                <a:latin typeface="Arial"/>
+                <a:ea typeface="Arial"/>
+                <a:cs typeface="Arial"/>
+              </a:rPr>
+            </a:br>
+            <a:r>
+              <a:rPr lang="ru-RU" sz="1800" b="0" i="0" u="none" strike="noStrike" cap="none" spc="0">
+                <a:solidFill>
+                  <a:schemeClr val="tx1"/>
+                </a:solidFill>
+                <a:latin typeface="Arial"/>
+                <a:ea typeface="Arial"/>
+                <a:cs typeface="Arial"/>
+              </a:rPr>
+              <a:t>			great</a:t>
+            </a:r>
+            <a:br>
+              <a:rPr lang="ru-RU" sz="1800" b="0" i="0" u="none" strike="noStrike" cap="none" spc="0">
+                <a:solidFill>
+                  <a:schemeClr val="tx1"/>
+                </a:solidFill>
+                <a:latin typeface="Arial"/>
+                <a:ea typeface="Arial"/>
+                <a:cs typeface="Arial"/>
+              </a:rPr>
+            </a:br>
+            <a:br>
+              <a:rPr lang="ru-RU" sz="1800" b="0" i="0" u="none" strike="noStrike" cap="none" spc="0">
+                <a:solidFill>
+                  <a:schemeClr val="tx1"/>
+                </a:solidFill>
+                <a:latin typeface="Arial"/>
+                <a:ea typeface="Arial"/>
+                <a:cs typeface="Arial"/>
+              </a:rPr>
+            </a:br>
+            <a:r>
+              <a:rPr lang="ru-RU" sz="1800" b="0" i="0" u="none" strike="noStrike" cap="none" spc="0">
+                <a:solidFill>
+                  <a:schemeClr val="tx1"/>
+                </a:solidFill>
+                <a:latin typeface="Arial"/>
+                <a:ea typeface="Arial"/>
+                <a:cs typeface="Arial"/>
+              </a:rPr>
+              <a:t>			</a:t>
+            </a:r>
+            <a:endParaRPr sz="1800" b="0" i="0" u="none" strike="noStrike" cap="none" spc="0">
+              <a:solidFill>
+                <a:schemeClr val="tx1"/>
+              </a:solidFill>
+              <a:latin typeface="Arial"/>
+              <a:cs typeface="Arial"/>
+            </a:endParaRPr>
+          </a:p>
+        </p:txBody>
+      </p:sp>
+    </p:spTree>
+  </p:cSld>
+  <p:clrMapOvr>
+    <a:masterClrMapping/>
+  </p:clrMapOvr>
+  <mc:AlternateContent xmlns:mc="http://schemas.openxmlformats.org/markup-compatibility/2006">
+    <mc:Choice xmlns:p159="http://schemas.microsoft.com/office/powerpoint/2015/09/main" xmlns:p14="http://schemas.microsoft.com/office/powerpoint/2010/main" Requires="p159">
+      <p:transition p14:dur="2000" advClick="1"/>
+    </mc:Choice>
+    <mc:Fallback>
+      <p:transition advClick="1"/>
+    </mc:Fallback>
+  </mc:AlternateContent>
+</p:sld>
+</file>
+
+<file path=ppt/slides/slide7.xml><?xml version="1.0" encoding="utf-8"?>
+<p:sld xmlns:a="http://schemas.openxmlformats.org/drawingml/2006/main" xmlns:r="http://schemas.openxmlformats.org/officeDocument/2006/relationships" xmlns:p="http://schemas.openxmlformats.org/presentationml/2006/main" xmlns:m="http://schemas.openxmlformats.org/officeDocument/2006/math" xmlns:w="http://schemas.openxmlformats.org/wordprocessingml/2006/main" xmlns:mc="http://schemas.openxmlformats.org/markup-compatibility/2006" showMasterPhAnim="0" showMasterSp="1" show="1">
+  <p:cSld name="">
+    <p:spTree>
+      <p:nvGrpSpPr>
+        <p:cNvPr id="1" name=""/>
+        <p:cNvGrpSpPr/>
+        <p:nvPr/>
+      </p:nvGrpSpPr>
+      <p:grpSpPr bwMode="auto">
+        <a:xfrm>
+          <a:off x="0" y="0"/>
+          <a:ext cx="0" cy="0"/>
+          <a:chOff x="0" y="0"/>
+          <a:chExt cx="0" cy="0"/>
+        </a:xfrm>
+      </p:grpSpPr>
+      <p:sp>
+        <p:nvSpPr>
+          <p:cNvPr id="974602543" name="Title 1"/>
+          <p:cNvSpPr>
+            <a:spLocks noGrp="1"/>
+          </p:cNvSpPr>
+          <p:nvPr>
+            <p:ph type="title"/>
+          </p:nvPr>
+        </p:nvSpPr>
+        <p:spPr bwMode="auto">
+          <a:xfrm flipH="0" flipV="0">
+            <a:off x="838197" y="365121"/>
+            <a:ext cx="10515600" cy="616833"/>
+          </a:xfrm>
+        </p:spPr>
+        <p:txBody>
+          <a:bodyPr vertOverflow="overflow" horzOverflow="overflow" vert="horz" wrap="square" lIns="91440" tIns="45720" rIns="91440" bIns="45720" numCol="1" spcCol="0" rtlCol="0" fromWordArt="0" anchor="ctr" anchorCtr="0" forceAA="0" upright="0" compatLnSpc="0">
+            <a:normAutofit/>
+          </a:bodyPr>
+          <a:lstStyle/>
+          <a:p>
+            <a:pPr>
+              <a:defRPr/>
+            </a:pPr>
+            <a:r>
+              <a:rPr sz="2400"/>
+              <a:t>Скрипты: функции</a:t>
+            </a:r>
+            <a:endParaRPr sz="2400"/>
+          </a:p>
+        </p:txBody>
+      </p:sp>
+      <p:sp>
+        <p:nvSpPr>
+          <p:cNvPr id="1574112593" name="Content Placeholder 2"/>
+          <p:cNvSpPr>
+            <a:spLocks noGrp="1"/>
+          </p:cNvSpPr>
+          <p:nvPr>
+            <p:ph idx="1"/>
+          </p:nvPr>
+        </p:nvSpPr>
+        <p:spPr bwMode="auto">
+          <a:xfrm flipH="0" flipV="0">
+            <a:off x="769459" y="1109610"/>
+            <a:ext cx="10515600" cy="5371309"/>
+          </a:xfrm>
+        </p:spPr>
+        <p:txBody>
+          <a:bodyPr vertOverflow="overflow" horzOverflow="overflow" vert="horz" wrap="square" lIns="91440" tIns="45720" rIns="91440" bIns="45720" numCol="1" spcCol="0" rtlCol="0" fromWordArt="0" anchor="t" anchorCtr="0" forceAA="0" upright="0" compatLnSpc="0">
+            <a:normAutofit/>
+          </a:bodyPr>
+          <a:lstStyle/>
+          <a:p>
+            <a:pPr marL="283879" marR="0" indent="-283879" algn="l" defTabSz="914400">
+              <a:lnSpc>
+                <a:spcPct val="90000"/>
+              </a:lnSpc>
+              <a:spcBef>
+                <a:spcPts val="999"/>
+              </a:spcBef>
+              <a:spcAft>
+                <a:spcPts val="0"/>
+              </a:spcAft>
+              <a:buFont typeface="Arial"/>
+              <a:buAutoNum type="arabicPeriod" startAt="2"/>
+              <a:defRPr/>
+            </a:pPr>
+            <a:r>
+              <a:rPr lang="ru-RU" sz="1800" b="0" i="0" u="none" strike="noStrike" cap="none" spc="0">
+                <a:solidFill>
+                  <a:schemeClr val="tx1"/>
+                </a:solidFill>
+                <a:latin typeface="Arial"/>
+                <a:ea typeface="Arial"/>
+                <a:cs typeface="Arial"/>
+              </a:rPr>
+              <a:t>Функции с параметрами</a:t>
+            </a:r>
+            <a:br>
+              <a:rPr lang="ru-RU" sz="1800" b="0" i="0" u="none" strike="noStrike" cap="none" spc="0">
+                <a:solidFill>
+                  <a:schemeClr val="tx1"/>
+                </a:solidFill>
+                <a:latin typeface="Arial"/>
+                <a:ea typeface="Arial"/>
+                <a:cs typeface="Arial"/>
+              </a:rPr>
+            </a:br>
+            <a:br>
+              <a:rPr lang="ru-RU" sz="1800" b="0" i="0" u="none" strike="noStrike" cap="none" spc="0">
+                <a:solidFill>
+                  <a:schemeClr val="tx1"/>
+                </a:solidFill>
+                <a:latin typeface="Arial"/>
+                <a:ea typeface="Arial"/>
+                <a:cs typeface="Arial"/>
+              </a:rPr>
+            </a:br>
+            <a:r>
+              <a:rPr lang="ru-RU" sz="1800" b="0" i="0" u="none" strike="noStrike" cap="none" spc="0">
+                <a:solidFill>
+                  <a:schemeClr val="tx1"/>
+                </a:solidFill>
+                <a:latin typeface="Arial"/>
+                <a:ea typeface="Arial"/>
+                <a:cs typeface="Arial"/>
+              </a:rPr>
+              <a:t>Функции могут принимать параметры. Эти параметры передаются как позиционные переменные: $1, $2 и т.д.</a:t>
+            </a:r>
+            <a:br>
+              <a:rPr lang="ru-RU" sz="1800" b="0" i="0" u="none" strike="noStrike" cap="none" spc="0">
+                <a:solidFill>
+                  <a:schemeClr val="tx1"/>
+                </a:solidFill>
+                <a:latin typeface="Arial"/>
+                <a:ea typeface="Arial"/>
+                <a:cs typeface="Arial"/>
+              </a:rPr>
+            </a:br>
+            <a:br>
+              <a:rPr lang="ru-RU" sz="1800" b="0" i="0" u="none" strike="noStrike" cap="none" spc="0">
+                <a:solidFill>
+                  <a:schemeClr val="tx1"/>
+                </a:solidFill>
+                <a:latin typeface="Arial"/>
+                <a:ea typeface="Arial"/>
+                <a:cs typeface="Arial"/>
+              </a:rPr>
+            </a:br>
+            <a:r>
+              <a:rPr lang="ru-RU" sz="1800" b="0" i="0" u="none" strike="noStrike" cap="none" spc="0">
+                <a:solidFill>
+                  <a:schemeClr val="tx1"/>
+                </a:solidFill>
+                <a:latin typeface="Arial"/>
+                <a:ea typeface="Arial"/>
+                <a:cs typeface="Arial"/>
+              </a:rPr>
+              <a:t>Работа с параметрами функции полностью аналогична параметрам команды. $0 будет обозначать имя функции.</a:t>
+            </a:r>
+            <a:br>
+              <a:rPr lang="ru-RU" sz="1800" b="0" i="0" u="none" strike="noStrike" cap="none" spc="0">
+                <a:solidFill>
+                  <a:schemeClr val="tx1"/>
+                </a:solidFill>
+                <a:latin typeface="Arial"/>
+                <a:ea typeface="Arial"/>
+                <a:cs typeface="Arial"/>
+              </a:rPr>
+            </a:br>
+            <a:br>
+              <a:rPr lang="ru-RU" sz="1800" b="0" i="0" u="none" strike="noStrike" cap="none" spc="0">
+                <a:solidFill>
+                  <a:schemeClr val="tx1"/>
+                </a:solidFill>
+                <a:latin typeface="Arial"/>
+                <a:ea typeface="Arial"/>
+                <a:cs typeface="Arial"/>
+              </a:rPr>
+            </a:br>
+            <a:r>
+              <a:rPr lang="ru-RU" sz="1800" b="0" i="0" u="none" strike="noStrike" cap="none" spc="0">
+                <a:solidFill>
+                  <a:schemeClr val="tx1"/>
+                </a:solidFill>
+                <a:latin typeface="Arial"/>
+                <a:ea typeface="Arial"/>
+                <a:cs typeface="Arial"/>
+              </a:rPr>
+              <a:t>Пример:</a:t>
+            </a:r>
+            <a:br>
+              <a:rPr lang="ru-RU" sz="1800" b="0" i="0" u="none" strike="noStrike" cap="none" spc="0">
+                <a:solidFill>
+                  <a:schemeClr val="tx1"/>
+                </a:solidFill>
+                <a:latin typeface="Arial"/>
+                <a:ea typeface="Arial"/>
+                <a:cs typeface="Arial"/>
+              </a:rPr>
+            </a:br>
+            <a:r>
+              <a:rPr lang="ru-RU" sz="1800" b="0" i="0" u="none" strike="noStrike" cap="none" spc="0">
+                <a:solidFill>
+                  <a:schemeClr val="tx1"/>
+                </a:solidFill>
+                <a:latin typeface="Arial"/>
+                <a:ea typeface="Arial"/>
+                <a:cs typeface="Arial"/>
+              </a:rPr>
+              <a:t>			#!/bin/bash</a:t>
+            </a:r>
+            <a:br>
+              <a:rPr lang="ru-RU" sz="1800" b="0" i="0" u="none" strike="noStrike" cap="none" spc="0">
+                <a:solidFill>
+                  <a:schemeClr val="tx1"/>
+                </a:solidFill>
+                <a:latin typeface="Arial"/>
+                <a:ea typeface="Arial"/>
+                <a:cs typeface="Arial"/>
+              </a:rPr>
+            </a:br>
+            <a:r>
+              <a:rPr lang="ru-RU" sz="1800" b="0" i="0" u="none" strike="noStrike" cap="none" spc="0">
+                <a:solidFill>
+                  <a:schemeClr val="tx1"/>
+                </a:solidFill>
+                <a:latin typeface="Arial"/>
+                <a:ea typeface="Arial"/>
+                <a:cs typeface="Arial"/>
+              </a:rPr>
+              <a:t>			greet() {</a:t>
+            </a:r>
+            <a:br>
+              <a:rPr lang="ru-RU" sz="1800" b="0" i="0" u="none" strike="noStrike" cap="none" spc="0">
+                <a:solidFill>
+                  <a:schemeClr val="tx1"/>
+                </a:solidFill>
+                <a:latin typeface="Arial"/>
+                <a:ea typeface="Arial"/>
+                <a:cs typeface="Arial"/>
+              </a:rPr>
+            </a:br>
+            <a:br>
+              <a:rPr lang="ru-RU" sz="1800" b="0" i="0" u="none" strike="noStrike" cap="none" spc="0">
+                <a:solidFill>
+                  <a:schemeClr val="tx1"/>
+                </a:solidFill>
+                <a:latin typeface="Arial"/>
+                <a:ea typeface="Arial"/>
+                <a:cs typeface="Arial"/>
+              </a:rPr>
+            </a:br>
+            <a:r>
+              <a:rPr lang="ru-RU" sz="1800" b="0" i="0" u="none" strike="noStrike" cap="none" spc="0">
+                <a:solidFill>
+                  <a:schemeClr val="tx1"/>
+                </a:solidFill>
+                <a:latin typeface="Arial"/>
+                <a:ea typeface="Arial"/>
+                <a:cs typeface="Arial"/>
+              </a:rPr>
+              <a:t>				echo "Hello, $1"</a:t>
+            </a:r>
+            <a:br>
+              <a:rPr lang="ru-RU" sz="1800" b="0" i="0" u="none" strike="noStrike" cap="none" spc="0">
+                <a:solidFill>
+                  <a:schemeClr val="tx1"/>
+                </a:solidFill>
+                <a:latin typeface="Arial"/>
+                <a:ea typeface="Arial"/>
+                <a:cs typeface="Arial"/>
+              </a:rPr>
+            </a:br>
+            <a:br>
+              <a:rPr lang="ru-RU" sz="1800" b="0" i="0" u="none" strike="noStrike" cap="none" spc="0">
+                <a:solidFill>
+                  <a:schemeClr val="tx1"/>
+                </a:solidFill>
+                <a:latin typeface="Arial"/>
+                <a:ea typeface="Arial"/>
+                <a:cs typeface="Arial"/>
+              </a:rPr>
+            </a:br>
+            <a:r>
+              <a:rPr lang="ru-RU" sz="1800" b="0" i="0" u="none" strike="noStrike" cap="none" spc="0">
+                <a:solidFill>
+                  <a:schemeClr val="tx1"/>
+                </a:solidFill>
+                <a:latin typeface="Arial"/>
+                <a:ea typeface="Arial"/>
+                <a:cs typeface="Arial"/>
+              </a:rPr>
+              <a:t>			}</a:t>
+            </a:r>
+            <a:br>
+              <a:rPr lang="ru-RU" sz="1800" b="0" i="0" u="none" strike="noStrike" cap="none" spc="0">
+                <a:solidFill>
+                  <a:schemeClr val="tx1"/>
+                </a:solidFill>
+                <a:latin typeface="Arial"/>
+                <a:ea typeface="Arial"/>
+                <a:cs typeface="Arial"/>
+              </a:rPr>
+            </a:br>
+            <a:br>
+              <a:rPr lang="ru-RU" sz="1800" b="0" i="0" u="none" strike="noStrike" cap="none" spc="0">
+                <a:solidFill>
+                  <a:schemeClr val="tx1"/>
+                </a:solidFill>
+                <a:latin typeface="Arial"/>
+                <a:ea typeface="Arial"/>
+                <a:cs typeface="Arial"/>
+              </a:rPr>
+            </a:br>
+            <a:r>
+              <a:rPr lang="ru-RU" sz="1800" b="0" i="0" u="none" strike="noStrike" cap="none" spc="0">
+                <a:solidFill>
+                  <a:schemeClr val="tx1"/>
+                </a:solidFill>
+                <a:latin typeface="Arial"/>
+                <a:ea typeface="Arial"/>
+                <a:cs typeface="Arial"/>
+              </a:rPr>
+              <a:t>			great</a:t>
+            </a:r>
+            <a:r>
+              <a:rPr lang="ru-RU" sz="1800" b="0" i="0" u="none" strike="noStrike" cap="none" spc="0">
+                <a:solidFill>
+                  <a:schemeClr val="tx1"/>
+                </a:solidFill>
+                <a:latin typeface="+mn-lt"/>
+                <a:ea typeface="+mn-ea"/>
+                <a:cs typeface="+mn-cs"/>
+              </a:rPr>
+              <a:t> </a:t>
+            </a:r>
+            <a:r>
+              <a:rPr lang="ru-RU" sz="1800" b="0" i="0" u="none" strike="noStrike" cap="none" spc="0">
+                <a:solidFill>
+                  <a:schemeClr val="tx1"/>
+                </a:solidFill>
+                <a:latin typeface="Arial"/>
+                <a:ea typeface="Arial"/>
+                <a:cs typeface="Arial"/>
+              </a:rPr>
+              <a:t>"Alla"</a:t>
+            </a:r>
+            <a:br>
+              <a:rPr lang="ru-RU" sz="1800" b="0" i="0" u="none" strike="noStrike" cap="none" spc="0">
+                <a:solidFill>
+                  <a:schemeClr val="tx1"/>
+                </a:solidFill>
+                <a:latin typeface="Arial"/>
+                <a:ea typeface="Arial"/>
+                <a:cs typeface="Arial"/>
+              </a:rPr>
+            </a:br>
+            <a:r>
+              <a:rPr lang="ru-RU" sz="1800" b="0" i="0" u="none" strike="noStrike" cap="none" spc="0">
+                <a:solidFill>
+                  <a:schemeClr val="tx1"/>
+                </a:solidFill>
+                <a:latin typeface="Arial"/>
+                <a:ea typeface="Arial"/>
+                <a:cs typeface="Arial"/>
+              </a:rPr>
+              <a:t>			</a:t>
+            </a:r>
+            <a:endParaRPr sz="1800"/>
+          </a:p>
+        </p:txBody>
+      </p:sp>
+    </p:spTree>
+  </p:cSld>
+  <p:clrMapOvr>
+    <a:masterClrMapping/>
+  </p:clrMapOvr>
+  <mc:AlternateContent xmlns:mc="http://schemas.openxmlformats.org/markup-compatibility/2006">
+    <mc:Choice xmlns:p159="http://schemas.microsoft.com/office/powerpoint/2015/09/main" xmlns:p14="http://schemas.microsoft.com/office/powerpoint/2010/main" Requires="p159">
+      <p:transition p14:dur="2000" advClick="1"/>
+    </mc:Choice>
+    <mc:Fallback>
+      <p:transition advClick="1"/>
+    </mc:Fallback>
+  </mc:AlternateContent>
+</p:sld>
+</file>
+
+<file path=ppt/slides/slide8.xml><?xml version="1.0" encoding="utf-8"?>
+<p:sld xmlns:a="http://schemas.openxmlformats.org/drawingml/2006/main" xmlns:r="http://schemas.openxmlformats.org/officeDocument/2006/relationships" xmlns:p="http://schemas.openxmlformats.org/presentationml/2006/main" xmlns:m="http://schemas.openxmlformats.org/officeDocument/2006/math" xmlns:w="http://schemas.openxmlformats.org/wordprocessingml/2006/main" xmlns:mc="http://schemas.openxmlformats.org/markup-compatibility/2006" showMasterPhAnim="0" showMasterSp="1" show="1">
+  <p:cSld name="">
+    <p:spTree>
+      <p:nvGrpSpPr>
+        <p:cNvPr id="1" name=""/>
+        <p:cNvGrpSpPr/>
+        <p:nvPr/>
+      </p:nvGrpSpPr>
+      <p:grpSpPr bwMode="auto">
+        <a:xfrm>
+          <a:off x="0" y="0"/>
+          <a:ext cx="0" cy="0"/>
+          <a:chOff x="0" y="0"/>
+          <a:chExt cx="0" cy="0"/>
+        </a:xfrm>
+      </p:grpSpPr>
+      <p:sp>
+        <p:nvSpPr>
+          <p:cNvPr id="1372081711" name="Title 1"/>
+          <p:cNvSpPr>
+            <a:spLocks noGrp="1"/>
+          </p:cNvSpPr>
+          <p:nvPr>
+            <p:ph type="title"/>
+          </p:nvPr>
+        </p:nvSpPr>
+        <p:spPr bwMode="auto">
+          <a:xfrm flipH="0" flipV="0">
+            <a:off x="838197" y="365121"/>
+            <a:ext cx="10515600" cy="616833"/>
+          </a:xfrm>
+        </p:spPr>
+        <p:txBody>
+          <a:bodyPr vertOverflow="overflow" horzOverflow="overflow" vert="horz" wrap="square" lIns="91440" tIns="45720" rIns="91440" bIns="45720" numCol="1" spcCol="0" rtlCol="0" fromWordArt="0" anchor="ctr" anchorCtr="0" forceAA="0" upright="0" compatLnSpc="0">
+            <a:normAutofit/>
+          </a:bodyPr>
+          <a:lstStyle/>
+          <a:p>
+            <a:pPr>
+              <a:defRPr/>
+            </a:pPr>
+            <a:r>
+              <a:rPr sz="2400"/>
+              <a:t>Скрипты: функции</a:t>
+            </a:r>
+            <a:endParaRPr sz="2400"/>
+          </a:p>
+        </p:txBody>
+      </p:sp>
+      <p:sp>
+        <p:nvSpPr>
+          <p:cNvPr id="1872942322" name="Content Placeholder 2"/>
+          <p:cNvSpPr>
+            <a:spLocks noGrp="1"/>
+          </p:cNvSpPr>
+          <p:nvPr>
+            <p:ph idx="1"/>
+          </p:nvPr>
+        </p:nvSpPr>
+        <p:spPr bwMode="auto">
+          <a:xfrm flipH="0" flipV="0">
+            <a:off x="769459" y="1109610"/>
+            <a:ext cx="10515600" cy="5371309"/>
+          </a:xfrm>
+        </p:spPr>
+        <p:txBody>
+          <a:bodyPr vertOverflow="overflow" horzOverflow="overflow" vert="horz" wrap="square" lIns="91440" tIns="45720" rIns="91440" bIns="45720" numCol="1" spcCol="0" rtlCol="0" fromWordArt="0" anchor="t" anchorCtr="0" forceAA="0" upright="0" compatLnSpc="0">
+            <a:normAutofit/>
+          </a:bodyPr>
+          <a:lstStyle/>
+          <a:p>
+            <a:pPr marL="206778" marR="0" indent="-206778" algn="l" defTabSz="914400">
+              <a:lnSpc>
+                <a:spcPct val="82000"/>
+              </a:lnSpc>
+              <a:spcBef>
+                <a:spcPts val="999"/>
+              </a:spcBef>
+              <a:spcAft>
+                <a:spcPts val="0"/>
+              </a:spcAft>
+              <a:buFont typeface="Arial"/>
+              <a:buAutoNum type="arabicPeriod" startAt="2"/>
+              <a:defRPr/>
+            </a:pPr>
+            <a:r>
+              <a:rPr lang="ru-RU" sz="1800" b="0" i="0" u="none" strike="noStrike" cap="none" spc="0">
+                <a:solidFill>
+                  <a:schemeClr val="tx1"/>
+                </a:solidFill>
+                <a:latin typeface="Arial"/>
+                <a:ea typeface="Arial"/>
+                <a:cs typeface="Arial"/>
+              </a:rPr>
+              <a:t>Функции с </a:t>
+            </a:r>
+            <a:r>
+              <a:rPr lang="ru-RU" sz="1800" b="0" i="0" u="none" strike="noStrike" cap="none" spc="0">
+                <a:solidFill>
+                  <a:schemeClr val="tx1"/>
+                </a:solidFill>
+                <a:latin typeface="Arial"/>
+                <a:ea typeface="Arial"/>
+                <a:cs typeface="Arial"/>
+              </a:rPr>
+              <a:t>параметрами</a:t>
+            </a:r>
+            <a:br>
+              <a:rPr lang="ru-RU" sz="1800" b="0" i="0" u="none" strike="noStrike" cap="none" spc="0">
+                <a:solidFill>
+                  <a:schemeClr val="tx1"/>
+                </a:solidFill>
+                <a:latin typeface="Arial"/>
+                <a:ea typeface="Arial"/>
+                <a:cs typeface="Arial"/>
+              </a:rPr>
+            </a:br>
+            <a:br>
+              <a:rPr lang="ru-RU" sz="1800" b="0" i="0" u="none" strike="noStrike" cap="none" spc="0">
+                <a:solidFill>
+                  <a:schemeClr val="tx1"/>
+                </a:solidFill>
+                <a:latin typeface="Arial"/>
+                <a:ea typeface="Arial"/>
+                <a:cs typeface="Arial"/>
+              </a:rPr>
+            </a:br>
+            <a:r>
+              <a:rPr lang="ru-RU" sz="1800" b="0" i="0" u="none" strike="noStrike" cap="none" spc="0">
+                <a:solidFill>
+                  <a:schemeClr val="tx1"/>
+                </a:solidFill>
+                <a:latin typeface="Arial"/>
+                <a:ea typeface="Arial"/>
+                <a:cs typeface="Arial"/>
+              </a:rPr>
+              <a:t>1. Для функций применимы и списки параметров:</a:t>
+            </a:r>
+            <a:br>
+              <a:rPr lang="ru-RU" sz="1800" b="0" i="0" u="none" strike="noStrike" cap="none" spc="0">
+                <a:solidFill>
+                  <a:schemeClr val="tx1"/>
+                </a:solidFill>
+                <a:latin typeface="Arial"/>
+                <a:ea typeface="Arial"/>
+                <a:cs typeface="Arial"/>
+              </a:rPr>
+            </a:br>
+            <a:endParaRPr lang="ru-RU" sz="1800" b="0" i="0" u="none" strike="noStrike" cap="none" spc="0">
+              <a:solidFill>
+                <a:schemeClr val="tx1"/>
+              </a:solidFill>
+              <a:latin typeface="Times New Roman"/>
+              <a:cs typeface="Times New Roman"/>
+            </a:endParaRPr>
+          </a:p>
+          <a:p>
+            <a:pPr>
+              <a:defRPr/>
+            </a:pPr>
+            <a:r>
+              <a:rPr lang="ru-RU" sz="1800" b="0" i="0" u="none" strike="noStrike" cap="none" spc="0">
+                <a:solidFill>
+                  <a:schemeClr val="tx1"/>
+                </a:solidFill>
+                <a:latin typeface="Arial"/>
+                <a:ea typeface="Arial"/>
+                <a:cs typeface="Arial"/>
+              </a:rPr>
+              <a:t>$@</a:t>
+            </a:r>
+            <a:r>
+              <a:rPr lang="ru-RU" sz="1800" b="0" i="0" u="none" strike="noStrike" cap="none" spc="0">
+                <a:solidFill>
+                  <a:schemeClr val="tx1"/>
+                </a:solidFill>
+                <a:latin typeface="+mn-lt"/>
+                <a:ea typeface="+mn-ea"/>
+                <a:cs typeface="+mn-cs"/>
+              </a:rPr>
+              <a:t> – все аргументы в виде списка</a:t>
+            </a:r>
+            <a:endParaRPr sz="1800"/>
+          </a:p>
+          <a:p>
+            <a:pPr>
+              <a:defRPr/>
+            </a:pPr>
+            <a:r>
+              <a:rPr lang="ru-RU" sz="1800" b="0" i="0" u="none" strike="noStrike" cap="none" spc="0">
+                <a:solidFill>
+                  <a:schemeClr val="tx1"/>
+                </a:solidFill>
+                <a:latin typeface="Arial"/>
+                <a:ea typeface="Arial"/>
+                <a:cs typeface="Arial"/>
+              </a:rPr>
+              <a:t>$*</a:t>
+            </a:r>
+            <a:r>
+              <a:rPr lang="ru-RU" sz="1800" b="0" i="0" u="none" strike="noStrike" cap="none" spc="0">
+                <a:solidFill>
+                  <a:schemeClr val="tx1"/>
+                </a:solidFill>
+                <a:latin typeface="+mn-lt"/>
+                <a:ea typeface="+mn-ea"/>
+                <a:cs typeface="+mn-cs"/>
+              </a:rPr>
+              <a:t> – все аргументы в виде строки</a:t>
+            </a:r>
+            <a:endParaRPr sz="1800"/>
+          </a:p>
+          <a:p>
+            <a:pPr algn="l" defTabSz="914400">
+              <a:lnSpc>
+                <a:spcPct val="90000"/>
+              </a:lnSpc>
+              <a:spcBef>
+                <a:spcPts val="999"/>
+              </a:spcBef>
+              <a:spcAft>
+                <a:spcPts val="0"/>
+              </a:spcAft>
+              <a:defRPr/>
+            </a:pPr>
+            <a:r>
+              <a:rPr lang="ru-RU" sz="1800" b="0" i="0" u="none" strike="noStrike" cap="none" spc="0">
+                <a:solidFill>
+                  <a:schemeClr val="tx1"/>
+                </a:solidFill>
+                <a:latin typeface="+mn-lt"/>
+                <a:ea typeface="+mn-ea"/>
+                <a:cs typeface="+mn-cs"/>
+              </a:rPr>
+              <a:t>$# – количество аргументов</a:t>
+            </a:r>
+            <a:br>
+              <a:rPr lang="ru-RU" sz="1800" b="0" i="0" u="none" strike="noStrike" cap="none" spc="0">
+                <a:solidFill>
+                  <a:schemeClr val="tx1"/>
+                </a:solidFill>
+                <a:latin typeface="Arial"/>
+                <a:ea typeface="Arial"/>
+                <a:cs typeface="Arial"/>
+              </a:rPr>
+            </a:br>
+            <a:br>
+              <a:rPr lang="ru-RU" sz="1800" b="0" i="0" u="none" strike="noStrike" cap="none" spc="0">
+                <a:solidFill>
+                  <a:schemeClr val="tx1"/>
+                </a:solidFill>
+                <a:latin typeface="Arial"/>
+                <a:ea typeface="Arial"/>
+                <a:cs typeface="Arial"/>
+              </a:rPr>
+            </a:br>
+            <a:r>
+              <a:rPr lang="ru-RU" sz="1800" b="0" i="0" u="none" strike="noStrike" cap="none" spc="0">
+                <a:solidFill>
+                  <a:schemeClr val="tx1"/>
+                </a:solidFill>
+                <a:latin typeface="Arial"/>
+                <a:ea typeface="Arial"/>
+                <a:cs typeface="Arial"/>
+              </a:rPr>
+              <a:t>2. </a:t>
+            </a:r>
+            <a:r>
+              <a:rPr lang="ru-RU" sz="1800" b="0" i="0" u="none" strike="noStrike" cap="none" spc="0">
+                <a:solidFill>
+                  <a:schemeClr val="tx1"/>
+                </a:solidFill>
+                <a:latin typeface="Arial"/>
+                <a:ea typeface="Arial"/>
+                <a:cs typeface="Arial"/>
+              </a:rPr>
+              <a:t>Можно проверить, были ли переданы все необходимые параметры с помощью ключа –z:</a:t>
+            </a:r>
+            <a:br>
+              <a:rPr lang="ru-RU" sz="1800" b="0" i="0" u="none" strike="noStrike" cap="none" spc="0">
+                <a:solidFill>
+                  <a:schemeClr val="tx1"/>
+                </a:solidFill>
+                <a:latin typeface="Arial"/>
+                <a:ea typeface="Arial"/>
+                <a:cs typeface="Arial"/>
+              </a:rPr>
+            </a:br>
+            <a:br>
+              <a:rPr lang="ru-RU" sz="1800" b="0" i="0" u="none" strike="noStrike" cap="none" spc="0">
+                <a:solidFill>
+                  <a:schemeClr val="tx1"/>
+                </a:solidFill>
+                <a:latin typeface="Arial"/>
+                <a:ea typeface="Arial"/>
+                <a:cs typeface="Arial"/>
+              </a:rPr>
+            </a:br>
+            <a:r>
+              <a:rPr lang="ru-RU" sz="1800" b="0" i="0" u="none" strike="noStrike" cap="none" spc="0">
+                <a:solidFill>
+                  <a:schemeClr val="tx1"/>
+                </a:solidFill>
+                <a:latin typeface="Arial"/>
+                <a:ea typeface="Arial"/>
+                <a:cs typeface="Arial"/>
+              </a:rPr>
+              <a:t>	if [ –z $N ]</a:t>
+            </a:r>
+            <a:br>
+              <a:rPr lang="ru-RU" sz="1800" b="0" i="0" u="none" strike="noStrike" cap="none" spc="0">
+                <a:solidFill>
+                  <a:schemeClr val="tx1"/>
+                </a:solidFill>
+                <a:latin typeface="Arial"/>
+                <a:ea typeface="Arial"/>
+                <a:cs typeface="Arial"/>
+              </a:rPr>
+            </a:br>
+            <a:br>
+              <a:rPr lang="ru-RU" sz="1800" b="0" i="0" u="none" strike="noStrike" cap="none" spc="0">
+                <a:solidFill>
+                  <a:schemeClr val="tx1"/>
+                </a:solidFill>
+                <a:latin typeface="Arial"/>
+                <a:ea typeface="Arial"/>
+                <a:cs typeface="Arial"/>
+              </a:rPr>
+            </a:br>
+            <a:r>
+              <a:rPr lang="ru-RU" sz="1800" b="0" i="0" u="none" strike="noStrike" cap="none" spc="0">
+                <a:solidFill>
+                  <a:schemeClr val="tx1"/>
+                </a:solidFill>
+                <a:latin typeface="Arial"/>
+                <a:ea typeface="Arial"/>
+                <a:cs typeface="Arial"/>
+              </a:rPr>
+              <a:t>		# $N был передан</a:t>
+            </a:r>
+            <a:br>
+              <a:rPr lang="ru-RU" sz="1800" b="0" i="0" u="none" strike="noStrike" cap="none" spc="0">
+                <a:solidFill>
+                  <a:schemeClr val="tx1"/>
+                </a:solidFill>
+                <a:latin typeface="Arial"/>
+                <a:ea typeface="Arial"/>
+                <a:cs typeface="Arial"/>
+              </a:rPr>
+            </a:br>
+            <a:r>
+              <a:rPr lang="ru-RU" sz="1800" b="0" i="0" u="none" strike="noStrike" cap="none" spc="0">
+                <a:solidFill>
+                  <a:schemeClr val="tx1"/>
+                </a:solidFill>
+                <a:latin typeface="Arial"/>
+                <a:ea typeface="Arial"/>
+                <a:cs typeface="Arial"/>
+              </a:rPr>
+              <a:t>	else</a:t>
+            </a:r>
+            <a:br>
+              <a:rPr lang="ru-RU" sz="1800" b="0" i="0" u="none" strike="noStrike" cap="none" spc="0">
+                <a:solidFill>
+                  <a:schemeClr val="tx1"/>
+                </a:solidFill>
+                <a:latin typeface="Arial"/>
+                <a:ea typeface="Arial"/>
+                <a:cs typeface="Arial"/>
+              </a:rPr>
+            </a:br>
+            <a:r>
+              <a:rPr lang="ru-RU" sz="1800" b="0" i="0" u="none" strike="noStrike" cap="none" spc="0">
+                <a:solidFill>
+                  <a:schemeClr val="tx1"/>
+                </a:solidFill>
+                <a:latin typeface="Arial"/>
+                <a:ea typeface="Arial"/>
+                <a:cs typeface="Arial"/>
+              </a:rPr>
+              <a:t>		# $N не существует</a:t>
+            </a:r>
+            <a:br>
+              <a:rPr lang="ru-RU" sz="1800" b="0" i="0" u="none" strike="noStrike" cap="none" spc="0">
+                <a:solidFill>
+                  <a:schemeClr val="tx1"/>
+                </a:solidFill>
+                <a:latin typeface="Arial"/>
+                <a:ea typeface="Arial"/>
+                <a:cs typeface="Arial"/>
+              </a:rPr>
+            </a:br>
+            <a:r>
+              <a:rPr lang="ru-RU" sz="1800" b="0" i="0" u="none" strike="noStrike" cap="none" spc="0">
+                <a:solidFill>
+                  <a:schemeClr val="tx1"/>
+                </a:solidFill>
+                <a:latin typeface="Arial"/>
+                <a:ea typeface="Arial"/>
+                <a:cs typeface="Arial"/>
+              </a:rPr>
+              <a:t>	fi</a:t>
+            </a:r>
+            <a:endParaRPr lang="ru-RU" sz="1800" b="0" i="0" u="none" strike="noStrike" cap="none" spc="0">
+              <a:solidFill>
+                <a:schemeClr val="tx1"/>
+              </a:solidFill>
+              <a:latin typeface="Times New Roman"/>
+              <a:cs typeface="Times New Roman"/>
+            </a:endParaRPr>
+          </a:p>
+          <a:p>
+            <a:pPr marL="0" indent="0" algn="l" defTabSz="914400">
+              <a:lnSpc>
+                <a:spcPct val="90000"/>
+              </a:lnSpc>
+              <a:spcBef>
+                <a:spcPts val="999"/>
+              </a:spcBef>
+              <a:spcAft>
+                <a:spcPts val="0"/>
+              </a:spcAft>
+              <a:buFont typeface="Arial"/>
+              <a:buNone/>
+              <a:defRPr/>
+            </a:pPr>
+            <a:endParaRPr sz="1800"/>
+          </a:p>
+        </p:txBody>
+      </p:sp>
+    </p:spTree>
+  </p:cSld>
+  <p:clrMapOvr>
+    <a:masterClrMapping/>
+  </p:clrMapOvr>
+  <mc:AlternateContent xmlns:mc="http://schemas.openxmlformats.org/markup-compatibility/2006">
+    <mc:Choice xmlns:p159="http://schemas.microsoft.com/office/powerpoint/2015/09/main" xmlns:p14="http://schemas.microsoft.com/office/powerpoint/2010/main" Requires="p159">
+      <p:transition p14:dur="2000" advClick="1"/>
+    </mc:Choice>
+    <mc:Fallback>
+      <p:transition advClick="1"/>
+    </mc:Fallback>
+  </mc:AlternateContent>
+</p:sld>
+</file>
+
+<file path=ppt/slides/slide9.xml><?xml version="1.0" encoding="utf-8"?>
+<p:sld xmlns:a="http://schemas.openxmlformats.org/drawingml/2006/main" xmlns:r="http://schemas.openxmlformats.org/officeDocument/2006/relationships" xmlns:p="http://schemas.openxmlformats.org/presentationml/2006/main" xmlns:m="http://schemas.openxmlformats.org/officeDocument/2006/math" xmlns:w="http://schemas.openxmlformats.org/wordprocessingml/2006/main" xmlns:mc="http://schemas.openxmlformats.org/markup-compatibility/2006" showMasterPhAnim="0" showMasterSp="1" show="1">
+  <p:cSld name="">
+    <p:spTree>
+      <p:nvGrpSpPr>
+        <p:cNvPr id="1" name=""/>
+        <p:cNvGrpSpPr/>
+        <p:nvPr/>
+      </p:nvGrpSpPr>
+      <p:grpSpPr bwMode="auto">
+        <a:xfrm>
+          <a:off x="0" y="0"/>
+          <a:ext cx="0" cy="0"/>
+          <a:chOff x="0" y="0"/>
+          <a:chExt cx="0" cy="0"/>
+        </a:xfrm>
+      </p:grpSpPr>
+      <p:sp>
+        <p:nvSpPr>
+          <p:cNvPr id="1572016081" name="Title 1"/>
+          <p:cNvSpPr>
+            <a:spLocks noGrp="1"/>
+          </p:cNvSpPr>
+          <p:nvPr>
+            <p:ph type="title"/>
+          </p:nvPr>
+        </p:nvSpPr>
+        <p:spPr bwMode="auto">
+          <a:xfrm flipH="0" flipV="0">
+            <a:off x="838197" y="365121"/>
+            <a:ext cx="10515600" cy="616833"/>
+          </a:xfrm>
+        </p:spPr>
+        <p:txBody>
+          <a:bodyPr vertOverflow="overflow" horzOverflow="overflow" vert="horz" wrap="square" lIns="91440" tIns="45720" rIns="91440" bIns="45720" numCol="1" spcCol="0" rtlCol="0" fromWordArt="0" anchor="ctr" anchorCtr="0" forceAA="0" upright="0" compatLnSpc="0">
+            <a:normAutofit/>
+          </a:bodyPr>
+          <a:lstStyle/>
+          <a:p>
+            <a:pPr>
+              <a:defRPr/>
+            </a:pPr>
+            <a:r>
+              <a:rPr sz="2400"/>
+              <a:t>Скрипты: функции</a:t>
+            </a:r>
+            <a:endParaRPr sz="2400"/>
+          </a:p>
+        </p:txBody>
+      </p:sp>
+      <p:sp>
+        <p:nvSpPr>
+          <p:cNvPr id="1205199083" name="Content Placeholder 2"/>
+          <p:cNvSpPr>
+            <a:spLocks noGrp="1"/>
+          </p:cNvSpPr>
+          <p:nvPr>
+            <p:ph idx="1"/>
+          </p:nvPr>
+        </p:nvSpPr>
+        <p:spPr bwMode="auto">
+          <a:xfrm flipH="0" flipV="0">
+            <a:off x="769459" y="1109610"/>
+            <a:ext cx="10515600" cy="5371309"/>
+          </a:xfrm>
+        </p:spPr>
+        <p:txBody>
+          <a:bodyPr vertOverflow="overflow" horzOverflow="overflow" vert="horz" wrap="square" lIns="91440" tIns="45720" rIns="91440" bIns="45720" numCol="1" spcCol="0" rtlCol="0" fromWordArt="0" anchor="t" anchorCtr="0" forceAA="0" upright="0" compatLnSpc="0">
+            <a:normAutofit/>
+          </a:bodyPr>
+          <a:lstStyle/>
+          <a:p>
+            <a:pPr marL="206778" marR="0" indent="-206778" algn="l" defTabSz="914400">
+              <a:lnSpc>
+                <a:spcPct val="82000"/>
+              </a:lnSpc>
+              <a:spcBef>
+                <a:spcPts val="999"/>
+              </a:spcBef>
+              <a:spcAft>
+                <a:spcPts val="0"/>
+              </a:spcAft>
+              <a:buFont typeface="Arial"/>
+              <a:buAutoNum type="arabicPeriod" startAt="2"/>
+              <a:defRPr/>
+            </a:pPr>
+            <a:r>
+              <a:rPr lang="ru-RU" sz="1800" b="0" i="0" u="none" strike="noStrike" cap="none" spc="0">
+                <a:solidFill>
+                  <a:schemeClr val="tx1"/>
+                </a:solidFill>
+                <a:latin typeface="Arial"/>
+                <a:ea typeface="Arial"/>
+                <a:cs typeface="Arial"/>
+              </a:rPr>
+              <a:t>Функции с </a:t>
+            </a:r>
+            <a:r>
+              <a:rPr lang="ru-RU" sz="1800" b="0" i="0" u="none" strike="noStrike" cap="none" spc="0">
+                <a:solidFill>
+                  <a:schemeClr val="tx1"/>
+                </a:solidFill>
+                <a:latin typeface="Arial"/>
+                <a:ea typeface="Arial"/>
+                <a:cs typeface="Arial"/>
+              </a:rPr>
+              <a:t>параметрами</a:t>
+            </a:r>
+            <a:br>
+              <a:rPr lang="ru-RU" sz="1800" b="0" i="0" u="none" strike="noStrike" cap="none" spc="0">
+                <a:solidFill>
+                  <a:schemeClr val="tx1"/>
+                </a:solidFill>
+                <a:latin typeface="Arial"/>
+                <a:ea typeface="Arial"/>
+                <a:cs typeface="Arial"/>
+              </a:rPr>
+            </a:br>
+            <a:endParaRPr lang="ru-RU" sz="1800" b="0" i="0" u="none" strike="noStrike" cap="none" spc="0">
+              <a:solidFill>
+                <a:schemeClr val="tx1"/>
+              </a:solidFill>
+              <a:latin typeface="Times New Roman"/>
+              <a:cs typeface="Times New Roman"/>
+            </a:endParaRPr>
+          </a:p>
+          <a:p>
+            <a:pPr marL="0" indent="0" algn="l">
+              <a:buFont typeface="Arial"/>
+              <a:buNone/>
+              <a:defRPr/>
+            </a:pPr>
+            <a:r>
+              <a:rPr lang="ru-RU" sz="1800" b="0" i="0" u="none" strike="noStrike" cap="none" spc="0">
+                <a:solidFill>
+                  <a:schemeClr val="tx1"/>
+                </a:solidFill>
+                <a:latin typeface="Arial"/>
+                <a:ea typeface="Arial"/>
+                <a:cs typeface="Arial"/>
+              </a:rPr>
+              <a:t>				#!/bin/bash</a:t>
+            </a:r>
+            <a:br>
+              <a:rPr lang="ru-RU" sz="1800" b="0" i="0" u="none" strike="noStrike" cap="none" spc="0">
+                <a:solidFill>
+                  <a:schemeClr val="tx1"/>
+                </a:solidFill>
+                <a:latin typeface="Arial"/>
+                <a:ea typeface="Arial"/>
+                <a:cs typeface="Arial"/>
+              </a:rPr>
+            </a:br>
+            <a:br>
+              <a:rPr lang="ru-RU" sz="1800" b="0" i="0" u="none" strike="noStrike" cap="none" spc="0">
+                <a:solidFill>
+                  <a:schemeClr val="tx1"/>
+                </a:solidFill>
+                <a:latin typeface="Arial"/>
+                <a:ea typeface="Arial"/>
+                <a:cs typeface="Arial"/>
+              </a:rPr>
+            </a:br>
+            <a:r>
+              <a:rPr lang="ru-RU" sz="1800" b="0" i="0" u="none" strike="noStrike" cap="none" spc="0">
+                <a:solidFill>
+                  <a:schemeClr val="tx1"/>
+                </a:solidFill>
+                <a:latin typeface="Arial"/>
+                <a:ea typeface="Arial"/>
+                <a:cs typeface="Arial"/>
+              </a:rPr>
+              <a:t>				</a:t>
+            </a:r>
+            <a:r>
+              <a:rPr lang="ru-RU" sz="1800" b="0" i="0" u="none" strike="noStrike" cap="none" spc="0">
+                <a:solidFill>
+                  <a:schemeClr val="tx1"/>
+                </a:solidFill>
+                <a:latin typeface="Arial"/>
+                <a:ea typeface="Arial"/>
+                <a:cs typeface="Arial"/>
+              </a:rPr>
+              <a:t>greet() {</a:t>
+            </a:r>
+            <a:endParaRPr sz="1800"/>
+          </a:p>
+          <a:p>
+            <a:pPr marL="0" indent="0" algn="l">
+              <a:buFont typeface="Arial"/>
+              <a:buNone/>
+              <a:defRPr/>
+            </a:pPr>
+            <a:r>
+              <a:rPr lang="ru-RU" sz="1800" b="0" i="0" u="none" strike="noStrike" cap="none" spc="0">
+                <a:solidFill>
+                  <a:schemeClr val="tx1"/>
+                </a:solidFill>
+                <a:latin typeface="+mn-lt"/>
+                <a:ea typeface="+mn-ea"/>
+                <a:cs typeface="+mn-cs"/>
+              </a:rPr>
+              <a:t>					greeting=$1</a:t>
+            </a:r>
+            <a:endParaRPr sz="1800"/>
+          </a:p>
+          <a:p>
+            <a:pPr marL="0" indent="0" algn="l">
+              <a:buFont typeface="Arial"/>
+              <a:buNone/>
+              <a:defRPr/>
+            </a:pPr>
+            <a:r>
+              <a:rPr lang="ru-RU" sz="1800" b="0" i="0" u="none" strike="noStrike" cap="none" spc="0">
+                <a:solidFill>
+                  <a:schemeClr val="tx1"/>
+                </a:solidFill>
+                <a:latin typeface="+mn-lt"/>
+                <a:ea typeface="+mn-ea"/>
+                <a:cs typeface="+mn-cs"/>
+              </a:rPr>
+              <a:t>					name=$2</a:t>
+            </a:r>
+            <a:endParaRPr sz="1800"/>
+          </a:p>
+          <a:p>
+            <a:pPr marL="0" indent="0" algn="l">
+              <a:buFont typeface="Arial"/>
+              <a:buNone/>
+              <a:defRPr/>
+            </a:pPr>
+            <a:r>
+              <a:rPr lang="ru-RU" sz="1800" b="0" i="0" u="none" strike="noStrike" cap="none" spc="0">
+                <a:solidFill>
+                  <a:schemeClr val="tx1"/>
+                </a:solidFill>
+                <a:latin typeface="+mn-lt"/>
+                <a:ea typeface="+mn-ea"/>
+                <a:cs typeface="+mn-cs"/>
+              </a:rPr>
+              <a:t>					if [ -z "$name" ]; then</a:t>
+            </a:r>
+            <a:endParaRPr sz="1800"/>
+          </a:p>
+          <a:p>
+            <a:pPr marL="0" indent="0" algn="l">
+              <a:buFont typeface="Arial"/>
+              <a:buNone/>
+              <a:defRPr/>
+            </a:pPr>
+            <a:r>
+              <a:rPr lang="ru-RU" sz="1800" b="0" i="0" u="none" strike="noStrike" cap="none" spc="0">
+                <a:solidFill>
+                  <a:schemeClr val="tx1"/>
+                </a:solidFill>
+                <a:latin typeface="+mn-lt"/>
+                <a:ea typeface="+mn-ea"/>
+                <a:cs typeface="+mn-cs"/>
+              </a:rPr>
+              <a:t>						echo "No name"</a:t>
+            </a:r>
+            <a:endParaRPr sz="1800"/>
+          </a:p>
+          <a:p>
+            <a:pPr marL="0" indent="0" algn="l">
+              <a:buFont typeface="Arial"/>
+              <a:buNone/>
+              <a:defRPr/>
+            </a:pPr>
+            <a:r>
+              <a:rPr lang="ru-RU" sz="1800" b="0" i="0" u="none" strike="noStrike" cap="none" spc="0">
+                <a:solidFill>
+                  <a:schemeClr val="tx1"/>
+                </a:solidFill>
+                <a:latin typeface="+mn-lt"/>
+                <a:ea typeface="+mn-ea"/>
+                <a:cs typeface="+mn-cs"/>
+              </a:rPr>
+              <a:t>						</a:t>
+            </a:r>
+            <a:r>
+              <a:rPr lang="ru-RU" sz="1800" b="1" i="0" u="none" strike="noStrike" cap="none" spc="0">
+                <a:solidFill>
+                  <a:schemeClr val="tx1"/>
+                </a:solidFill>
+                <a:latin typeface="Arial"/>
+                <a:ea typeface="Arial"/>
+                <a:cs typeface="Arial"/>
+              </a:rPr>
+              <a:t>return 1</a:t>
+            </a:r>
+            <a:endParaRPr sz="1800" b="1"/>
+          </a:p>
+          <a:p>
+            <a:pPr marL="0" indent="0" algn="l">
+              <a:buFont typeface="Arial"/>
+              <a:buNone/>
+              <a:defRPr/>
+            </a:pPr>
+            <a:r>
+              <a:rPr lang="ru-RU" sz="1800" b="0" i="0" u="none" strike="noStrike" cap="none" spc="0">
+                <a:solidFill>
+                  <a:schemeClr val="tx1"/>
+                </a:solidFill>
+                <a:latin typeface="+mn-lt"/>
+                <a:ea typeface="+mn-ea"/>
+                <a:cs typeface="+mn-cs"/>
+              </a:rPr>
+              <a:t>					fi</a:t>
+            </a:r>
+            <a:endParaRPr sz="1800"/>
+          </a:p>
+          <a:p>
+            <a:pPr marL="0" indent="0" algn="l">
+              <a:buFont typeface="Arial"/>
+              <a:buNone/>
+              <a:defRPr/>
+            </a:pPr>
+            <a:r>
+              <a:rPr lang="ru-RU" sz="1800" b="0" i="0" u="none" strike="noStrike" cap="none" spc="0">
+                <a:solidFill>
+                  <a:schemeClr val="tx1"/>
+                </a:solidFill>
+                <a:latin typeface="+mn-lt"/>
+                <a:ea typeface="+mn-ea"/>
+                <a:cs typeface="+mn-cs"/>
+              </a:rPr>
+              <a:t>					echo "$greeting, $name!"</a:t>
+            </a:r>
+            <a:endParaRPr sz="1800"/>
+          </a:p>
+          <a:p>
+            <a:pPr marL="0" indent="0" algn="l">
+              <a:buFont typeface="Arial"/>
+              <a:buNone/>
+              <a:defRPr/>
+            </a:pPr>
+            <a:r>
+              <a:rPr lang="ru-RU" sz="1800" b="0" i="0" u="none" strike="noStrike" cap="none" spc="0">
+                <a:solidFill>
+                  <a:schemeClr val="tx1"/>
+                </a:solidFill>
+                <a:latin typeface="+mn-lt"/>
+                <a:ea typeface="+mn-ea"/>
+                <a:cs typeface="+mn-cs"/>
+              </a:rPr>
+              <a:t>				}</a:t>
+            </a:r>
+            <a:endParaRPr sz="1800"/>
+          </a:p>
+          <a:p>
+            <a:pPr marL="0" indent="0" algn="l">
+              <a:buFont typeface="Arial"/>
+              <a:buNone/>
+              <a:defRPr/>
+            </a:pPr>
+            <a:r>
+              <a:rPr lang="ru-RU" sz="1800" b="0" i="0" u="none" strike="noStrike" cap="none" spc="0">
+                <a:solidFill>
+                  <a:schemeClr val="tx1"/>
+                </a:solidFill>
+                <a:latin typeface="+mn-lt"/>
+                <a:ea typeface="+mn-ea"/>
+                <a:cs typeface="+mn-cs"/>
+              </a:rPr>
+              <a:t>				greet "Welcome" "Alla"</a:t>
+            </a:r>
+            <a:endParaRPr sz="1800"/>
+          </a:p>
+          <a:p>
+            <a:pPr marL="0" indent="0" algn="l" defTabSz="914400">
+              <a:lnSpc>
+                <a:spcPct val="90000"/>
+              </a:lnSpc>
+              <a:spcBef>
+                <a:spcPts val="999"/>
+              </a:spcBef>
+              <a:spcAft>
+                <a:spcPts val="0"/>
+              </a:spcAft>
+              <a:buFont typeface="Arial"/>
+              <a:buNone/>
+              <a:defRPr/>
+            </a:pPr>
+            <a:r>
+              <a:rPr lang="ru-RU" sz="1800" b="0" i="0" u="none" strike="noStrike" cap="none" spc="0">
+                <a:solidFill>
+                  <a:schemeClr val="tx1"/>
+                </a:solidFill>
+                <a:latin typeface="+mn-lt"/>
+                <a:ea typeface="+mn-ea"/>
+                <a:cs typeface="+mn-cs"/>
+              </a:rPr>
+              <a:t>				greet "Hello"</a:t>
+            </a:r>
+            <a:br>
+              <a:rPr lang="ru-RU" sz="1800" b="0" i="0" u="none" strike="noStrike" cap="none" spc="0">
+                <a:solidFill>
+                  <a:schemeClr val="tx1"/>
+                </a:solidFill>
+                <a:latin typeface="Arial"/>
+                <a:ea typeface="Arial"/>
+                <a:cs typeface="Arial"/>
+              </a:rPr>
+            </a:br>
+            <a:endParaRPr sz="1800"/>
           </a:p>
         </p:txBody>
       </p:sp>
